--- a/planning/flowcharts/ppt/Japanese Structure.pptx
+++ b/planning/flowcharts/ppt/Japanese Structure.pptx
@@ -2334,6 +2334,117 @@
         </a:p>
       </dgm:t>
     </dgm:pt>
+    <dgm:pt modelId="{0A1842D5-F06A-4B7D-9BA0-64DED0EDC33B}">
+      <dgm:prSet phldrT="[Text]"/>
+      <dgm:spPr/>
+      <dgm:t>
+        <a:bodyPr/>
+        <a:lstStyle/>
+        <a:p>
+          <a:r>
+            <a:rPr lang="en-US" dirty="0" smtClean="0"/>
+            <a:t>Character</a:t>
+          </a:r>
+          <a:endParaRPr lang="en-US" dirty="0"/>
+        </a:p>
+      </dgm:t>
+    </dgm:pt>
+    <dgm:pt modelId="{B1D80150-1671-4B02-A5C2-B0B5BD6D1E06}" type="parTrans" cxnId="{A85D5C66-0EF1-4651-90EE-6E8BA8535242}">
+      <dgm:prSet/>
+      <dgm:spPr/>
+      <dgm:t>
+        <a:bodyPr/>
+        <a:lstStyle/>
+        <a:p>
+          <a:endParaRPr lang="en-US"/>
+        </a:p>
+      </dgm:t>
+    </dgm:pt>
+    <dgm:pt modelId="{BBB888CC-79FC-4A48-990E-EDF40DD778BA}" type="sibTrans" cxnId="{A85D5C66-0EF1-4651-90EE-6E8BA8535242}">
+      <dgm:prSet/>
+      <dgm:spPr/>
+      <dgm:t>
+        <a:bodyPr/>
+        <a:lstStyle/>
+        <a:p>
+          <a:endParaRPr lang="en-US"/>
+        </a:p>
+      </dgm:t>
+    </dgm:pt>
+    <dgm:pt modelId="{D5843F2A-7D99-4341-9D1B-D0D6FA665FF1}">
+      <dgm:prSet phldrT="[Text]"/>
+      <dgm:spPr/>
+      <dgm:t>
+        <a:bodyPr/>
+        <a:lstStyle/>
+        <a:p>
+          <a:r>
+            <a:rPr lang="en-US" dirty="0" smtClean="0"/>
+            <a:t>Recognition</a:t>
+          </a:r>
+          <a:endParaRPr lang="en-US" dirty="0"/>
+        </a:p>
+      </dgm:t>
+    </dgm:pt>
+    <dgm:pt modelId="{7FC247F3-2B6E-46E4-985A-A8A8118A68FD}" type="parTrans" cxnId="{0BD86F64-2D1A-44CB-8750-E6374B500977}">
+      <dgm:prSet/>
+      <dgm:spPr/>
+      <dgm:t>
+        <a:bodyPr/>
+        <a:lstStyle/>
+        <a:p>
+          <a:endParaRPr lang="en-US"/>
+        </a:p>
+      </dgm:t>
+    </dgm:pt>
+    <dgm:pt modelId="{611DE946-BEE9-40E2-87AE-938C5D1B89F0}" type="sibTrans" cxnId="{0BD86F64-2D1A-44CB-8750-E6374B500977}">
+      <dgm:prSet/>
+      <dgm:spPr/>
+      <dgm:t>
+        <a:bodyPr/>
+        <a:lstStyle/>
+        <a:p>
+          <a:endParaRPr lang="en-US"/>
+        </a:p>
+      </dgm:t>
+    </dgm:pt>
+    <dgm:pt modelId="{20E6E329-1A83-450F-860A-57FA1D355B72}">
+      <dgm:prSet phldrT="[Text]"/>
+      <dgm:spPr/>
+      <dgm:t>
+        <a:bodyPr/>
+        <a:lstStyle/>
+        <a:p>
+          <a:r>
+            <a:rPr lang="en-US" dirty="0" smtClean="0"/>
+            <a:t>Writing</a:t>
+          </a:r>
+          <a:endParaRPr lang="en-US" dirty="0"/>
+        </a:p>
+      </dgm:t>
+    </dgm:pt>
+    <dgm:pt modelId="{69EECADE-BBBC-496E-969F-BE83E1648D81}" type="parTrans" cxnId="{38F5025F-931C-4637-86A2-98B7ECC71C12}">
+      <dgm:prSet/>
+      <dgm:spPr/>
+      <dgm:t>
+        <a:bodyPr/>
+        <a:lstStyle/>
+        <a:p>
+          <a:endParaRPr lang="en-US"/>
+        </a:p>
+      </dgm:t>
+    </dgm:pt>
+    <dgm:pt modelId="{1DCEB808-97F6-4064-A1BB-54030A3F54DD}" type="sibTrans" cxnId="{38F5025F-931C-4637-86A2-98B7ECC71C12}">
+      <dgm:prSet/>
+      <dgm:spPr/>
+      <dgm:t>
+        <a:bodyPr/>
+        <a:lstStyle/>
+        <a:p>
+          <a:endParaRPr lang="en-US"/>
+        </a:p>
+      </dgm:t>
+    </dgm:pt>
     <dgm:pt modelId="{56CC8F34-266D-416C-95FD-AD219F200234}" type="pres">
       <dgm:prSet presAssocID="{154AE182-EA44-4588-BEC5-833BA0B62657}" presName="hierChild1" presStyleCnt="0">
         <dgm:presLayoutVars>
@@ -2346,6 +2457,13 @@
         </dgm:presLayoutVars>
       </dgm:prSet>
       <dgm:spPr/>
+      <dgm:t>
+        <a:bodyPr/>
+        <a:lstStyle/>
+        <a:p>
+          <a:endParaRPr lang="en-US"/>
+        </a:p>
+      </dgm:t>
     </dgm:pt>
     <dgm:pt modelId="{592BCC88-C0F1-420B-A9A5-FA18528AF0AE}" type="pres">
       <dgm:prSet presAssocID="{D9A4BA73-A22A-478B-B8E3-409C8720D788}" presName="hierRoot1" presStyleCnt="0">
@@ -2366,10 +2484,24 @@
         </dgm:presLayoutVars>
       </dgm:prSet>
       <dgm:spPr/>
+      <dgm:t>
+        <a:bodyPr/>
+        <a:lstStyle/>
+        <a:p>
+          <a:endParaRPr lang="en-US"/>
+        </a:p>
+      </dgm:t>
     </dgm:pt>
     <dgm:pt modelId="{4155F606-518B-4639-AFAB-DB72DEFC4299}" type="pres">
       <dgm:prSet presAssocID="{D9A4BA73-A22A-478B-B8E3-409C8720D788}" presName="rootConnector1" presStyleLbl="node1" presStyleIdx="0" presStyleCnt="0"/>
       <dgm:spPr/>
+      <dgm:t>
+        <a:bodyPr/>
+        <a:lstStyle/>
+        <a:p>
+          <a:endParaRPr lang="en-US"/>
+        </a:p>
+      </dgm:t>
     </dgm:pt>
     <dgm:pt modelId="{052B49A7-2A8E-4368-8D60-A99680A8DDFC}" type="pres">
       <dgm:prSet presAssocID="{D9A4BA73-A22A-478B-B8E3-409C8720D788}" presName="hierChild2" presStyleCnt="0"/>
@@ -2378,6 +2510,13 @@
     <dgm:pt modelId="{9DD50086-5052-4CC1-A35E-BC94ECEE78CF}" type="pres">
       <dgm:prSet presAssocID="{698C12D4-4C18-44A1-837D-4382589F15DB}" presName="Name64" presStyleLbl="parChTrans1D2" presStyleIdx="0" presStyleCnt="4"/>
       <dgm:spPr/>
+      <dgm:t>
+        <a:bodyPr/>
+        <a:lstStyle/>
+        <a:p>
+          <a:endParaRPr lang="en-US"/>
+        </a:p>
+      </dgm:t>
     </dgm:pt>
     <dgm:pt modelId="{12EB09C1-DDD6-4E84-A329-D15967CACC91}" type="pres">
       <dgm:prSet presAssocID="{D03E09C4-6C63-4E91-B26D-AA2A72FAEE7C}" presName="hierRoot2" presStyleCnt="0">
@@ -2398,10 +2537,24 @@
         </dgm:presLayoutVars>
       </dgm:prSet>
       <dgm:spPr/>
+      <dgm:t>
+        <a:bodyPr/>
+        <a:lstStyle/>
+        <a:p>
+          <a:endParaRPr lang="en-US"/>
+        </a:p>
+      </dgm:t>
     </dgm:pt>
     <dgm:pt modelId="{55F7ACFC-1588-4BE1-85E3-B4182E5A7A48}" type="pres">
       <dgm:prSet presAssocID="{D03E09C4-6C63-4E91-B26D-AA2A72FAEE7C}" presName="rootConnector" presStyleLbl="node2" presStyleIdx="0" presStyleCnt="4"/>
       <dgm:spPr/>
+      <dgm:t>
+        <a:bodyPr/>
+        <a:lstStyle/>
+        <a:p>
+          <a:endParaRPr lang="en-US"/>
+        </a:p>
+      </dgm:t>
     </dgm:pt>
     <dgm:pt modelId="{AE662C4F-FEC5-411C-9A81-AE336B1AAE42}" type="pres">
       <dgm:prSet presAssocID="{D03E09C4-6C63-4E91-B26D-AA2A72FAEE7C}" presName="hierChild4" presStyleCnt="0"/>
@@ -2414,6 +2567,13 @@
     <dgm:pt modelId="{3A100798-674D-403B-B1E0-98A8D6555C96}" type="pres">
       <dgm:prSet presAssocID="{761CD822-D85B-4764-AEE2-5C7A35941767}" presName="Name64" presStyleLbl="parChTrans1D2" presStyleIdx="1" presStyleCnt="4"/>
       <dgm:spPr/>
+      <dgm:t>
+        <a:bodyPr/>
+        <a:lstStyle/>
+        <a:p>
+          <a:endParaRPr lang="en-US"/>
+        </a:p>
+      </dgm:t>
     </dgm:pt>
     <dgm:pt modelId="{78A91527-7B62-4373-A9B6-299B386E7B49}" type="pres">
       <dgm:prSet presAssocID="{5A4EB3B9-72FC-4A8C-8904-B15A939FF163}" presName="hierRoot2" presStyleCnt="0">
@@ -2434,10 +2594,24 @@
         </dgm:presLayoutVars>
       </dgm:prSet>
       <dgm:spPr/>
+      <dgm:t>
+        <a:bodyPr/>
+        <a:lstStyle/>
+        <a:p>
+          <a:endParaRPr lang="en-US"/>
+        </a:p>
+      </dgm:t>
     </dgm:pt>
     <dgm:pt modelId="{042C7BE6-1326-45CE-AA00-B81A3FE16479}" type="pres">
       <dgm:prSet presAssocID="{5A4EB3B9-72FC-4A8C-8904-B15A939FF163}" presName="rootConnector" presStyleLbl="node2" presStyleIdx="1" presStyleCnt="4"/>
       <dgm:spPr/>
+      <dgm:t>
+        <a:bodyPr/>
+        <a:lstStyle/>
+        <a:p>
+          <a:endParaRPr lang="en-US"/>
+        </a:p>
+      </dgm:t>
     </dgm:pt>
     <dgm:pt modelId="{5385A044-F445-4578-AF1D-F32A1DAD871C}" type="pres">
       <dgm:prSet presAssocID="{5A4EB3B9-72FC-4A8C-8904-B15A939FF163}" presName="hierChild4" presStyleCnt="0"/>
@@ -2446,6 +2620,13 @@
     <dgm:pt modelId="{B10B4B01-3938-47AC-93FC-138B2A45439F}" type="pres">
       <dgm:prSet presAssocID="{962D5D3C-B884-420C-A6CF-1A49DDDD636B}" presName="Name64" presStyleLbl="parChTrans1D3" presStyleIdx="0" presStyleCnt="5"/>
       <dgm:spPr/>
+      <dgm:t>
+        <a:bodyPr/>
+        <a:lstStyle/>
+        <a:p>
+          <a:endParaRPr lang="en-US"/>
+        </a:p>
+      </dgm:t>
     </dgm:pt>
     <dgm:pt modelId="{C1478D06-29AD-4570-883E-9DE184513302}" type="pres">
       <dgm:prSet presAssocID="{CDC8CB8D-2F6D-4F29-9A2E-9EF932CCA58C}" presName="hierRoot2" presStyleCnt="0">
@@ -2466,18 +2647,39 @@
         </dgm:presLayoutVars>
       </dgm:prSet>
       <dgm:spPr/>
+      <dgm:t>
+        <a:bodyPr/>
+        <a:lstStyle/>
+        <a:p>
+          <a:endParaRPr lang="en-US"/>
+        </a:p>
+      </dgm:t>
     </dgm:pt>
     <dgm:pt modelId="{F25DBF8B-B53C-4879-A8A3-1FB0CAABC7CE}" type="pres">
       <dgm:prSet presAssocID="{CDC8CB8D-2F6D-4F29-9A2E-9EF932CCA58C}" presName="rootConnector" presStyleLbl="node3" presStyleIdx="0" presStyleCnt="5"/>
       <dgm:spPr/>
+      <dgm:t>
+        <a:bodyPr/>
+        <a:lstStyle/>
+        <a:p>
+          <a:endParaRPr lang="en-US"/>
+        </a:p>
+      </dgm:t>
     </dgm:pt>
     <dgm:pt modelId="{FE9F0C1D-9E93-4C81-9802-F58D9AD29F6A}" type="pres">
       <dgm:prSet presAssocID="{CDC8CB8D-2F6D-4F29-9A2E-9EF932CCA58C}" presName="hierChild4" presStyleCnt="0"/>
       <dgm:spPr/>
     </dgm:pt>
     <dgm:pt modelId="{38B3AA38-B114-4FBD-8B9B-5E1B8B5B0D21}" type="pres">
-      <dgm:prSet presAssocID="{5A02F2B5-11C7-4A88-BA4C-C045792616C3}" presName="Name64" presStyleLbl="parChTrans1D4" presStyleIdx="0" presStyleCnt="28"/>
-      <dgm:spPr/>
+      <dgm:prSet presAssocID="{5A02F2B5-11C7-4A88-BA4C-C045792616C3}" presName="Name64" presStyleLbl="parChTrans1D4" presStyleIdx="0" presStyleCnt="31"/>
+      <dgm:spPr/>
+      <dgm:t>
+        <a:bodyPr/>
+        <a:lstStyle/>
+        <a:p>
+          <a:endParaRPr lang="en-US"/>
+        </a:p>
+      </dgm:t>
     </dgm:pt>
     <dgm:pt modelId="{9EDC2B23-5A94-4BB2-A0E8-0A4559F10072}" type="pres">
       <dgm:prSet presAssocID="{8BE6B78B-55D8-4E9F-8DBA-8238E3BA9663}" presName="hierRoot2" presStyleCnt="0">
@@ -2492,16 +2694,30 @@
       <dgm:spPr/>
     </dgm:pt>
     <dgm:pt modelId="{8788964B-FAB5-4B95-99FB-302A9B223714}" type="pres">
-      <dgm:prSet presAssocID="{8BE6B78B-55D8-4E9F-8DBA-8238E3BA9663}" presName="rootText" presStyleLbl="node4" presStyleIdx="0" presStyleCnt="28">
+      <dgm:prSet presAssocID="{8BE6B78B-55D8-4E9F-8DBA-8238E3BA9663}" presName="rootText" presStyleLbl="node4" presStyleIdx="0" presStyleCnt="31">
         <dgm:presLayoutVars>
           <dgm:chPref val="3"/>
         </dgm:presLayoutVars>
       </dgm:prSet>
       <dgm:spPr/>
+      <dgm:t>
+        <a:bodyPr/>
+        <a:lstStyle/>
+        <a:p>
+          <a:endParaRPr lang="en-US"/>
+        </a:p>
+      </dgm:t>
     </dgm:pt>
     <dgm:pt modelId="{9A64489B-09E4-4FFC-8440-07CC423446D8}" type="pres">
-      <dgm:prSet presAssocID="{8BE6B78B-55D8-4E9F-8DBA-8238E3BA9663}" presName="rootConnector" presStyleLbl="node4" presStyleIdx="0" presStyleCnt="28"/>
-      <dgm:spPr/>
+      <dgm:prSet presAssocID="{8BE6B78B-55D8-4E9F-8DBA-8238E3BA9663}" presName="rootConnector" presStyleLbl="node4" presStyleIdx="0" presStyleCnt="31"/>
+      <dgm:spPr/>
+      <dgm:t>
+        <a:bodyPr/>
+        <a:lstStyle/>
+        <a:p>
+          <a:endParaRPr lang="en-US"/>
+        </a:p>
+      </dgm:t>
     </dgm:pt>
     <dgm:pt modelId="{A0A31626-AD8E-4AA0-A349-10FE55213E6E}" type="pres">
       <dgm:prSet presAssocID="{8BE6B78B-55D8-4E9F-8DBA-8238E3BA9663}" presName="hierChild4" presStyleCnt="0"/>
@@ -2512,8 +2728,15 @@
       <dgm:spPr/>
     </dgm:pt>
     <dgm:pt modelId="{4EA3295F-3010-4DC5-B155-0AB38337E266}" type="pres">
-      <dgm:prSet presAssocID="{7486CC4A-371F-44BB-961E-FC658567B17D}" presName="Name64" presStyleLbl="parChTrans1D4" presStyleIdx="1" presStyleCnt="28"/>
-      <dgm:spPr/>
+      <dgm:prSet presAssocID="{7486CC4A-371F-44BB-961E-FC658567B17D}" presName="Name64" presStyleLbl="parChTrans1D4" presStyleIdx="1" presStyleCnt="31"/>
+      <dgm:spPr/>
+      <dgm:t>
+        <a:bodyPr/>
+        <a:lstStyle/>
+        <a:p>
+          <a:endParaRPr lang="en-US"/>
+        </a:p>
+      </dgm:t>
     </dgm:pt>
     <dgm:pt modelId="{10E4A93F-D80F-4CCE-83F2-726162E504C8}" type="pres">
       <dgm:prSet presAssocID="{38F5B81C-AFD6-4240-8172-ED07ADBB3458}" presName="hierRoot2" presStyleCnt="0">
@@ -2528,16 +2751,30 @@
       <dgm:spPr/>
     </dgm:pt>
     <dgm:pt modelId="{B2B02428-1400-4E62-BD77-151F70080641}" type="pres">
-      <dgm:prSet presAssocID="{38F5B81C-AFD6-4240-8172-ED07ADBB3458}" presName="rootText" presStyleLbl="node4" presStyleIdx="1" presStyleCnt="28">
+      <dgm:prSet presAssocID="{38F5B81C-AFD6-4240-8172-ED07ADBB3458}" presName="rootText" presStyleLbl="node4" presStyleIdx="1" presStyleCnt="31">
         <dgm:presLayoutVars>
           <dgm:chPref val="3"/>
         </dgm:presLayoutVars>
       </dgm:prSet>
       <dgm:spPr/>
+      <dgm:t>
+        <a:bodyPr/>
+        <a:lstStyle/>
+        <a:p>
+          <a:endParaRPr lang="en-US"/>
+        </a:p>
+      </dgm:t>
     </dgm:pt>
     <dgm:pt modelId="{03B4F3A9-8DB2-43C0-849B-802D884A2744}" type="pres">
-      <dgm:prSet presAssocID="{38F5B81C-AFD6-4240-8172-ED07ADBB3458}" presName="rootConnector" presStyleLbl="node4" presStyleIdx="1" presStyleCnt="28"/>
-      <dgm:spPr/>
+      <dgm:prSet presAssocID="{38F5B81C-AFD6-4240-8172-ED07ADBB3458}" presName="rootConnector" presStyleLbl="node4" presStyleIdx="1" presStyleCnt="31"/>
+      <dgm:spPr/>
+      <dgm:t>
+        <a:bodyPr/>
+        <a:lstStyle/>
+        <a:p>
+          <a:endParaRPr lang="en-US"/>
+        </a:p>
+      </dgm:t>
     </dgm:pt>
     <dgm:pt modelId="{2D0D526A-89D5-4E3B-8C9B-04BBF2FAD868}" type="pres">
       <dgm:prSet presAssocID="{38F5B81C-AFD6-4240-8172-ED07ADBB3458}" presName="hierChild4" presStyleCnt="0"/>
@@ -2554,6 +2791,13 @@
     <dgm:pt modelId="{9F545195-F944-4F2A-A37C-061F1D1A39CA}" type="pres">
       <dgm:prSet presAssocID="{67AE0F58-AA43-4422-96C9-F8D3DEB031B9}" presName="Name64" presStyleLbl="parChTrans1D3" presStyleIdx="1" presStyleCnt="5"/>
       <dgm:spPr/>
+      <dgm:t>
+        <a:bodyPr/>
+        <a:lstStyle/>
+        <a:p>
+          <a:endParaRPr lang="en-US"/>
+        </a:p>
+      </dgm:t>
     </dgm:pt>
     <dgm:pt modelId="{B3FE6C94-251D-4E51-B302-BB0CCACE97C6}" type="pres">
       <dgm:prSet presAssocID="{95E92A9E-5634-4047-95A3-B25786525116}" presName="hierRoot2" presStyleCnt="0">
@@ -2574,15 +2818,179 @@
         </dgm:presLayoutVars>
       </dgm:prSet>
       <dgm:spPr/>
+      <dgm:t>
+        <a:bodyPr/>
+        <a:lstStyle/>
+        <a:p>
+          <a:endParaRPr lang="en-US"/>
+        </a:p>
+      </dgm:t>
     </dgm:pt>
     <dgm:pt modelId="{831999EC-3A07-491C-AEC2-386203D019DB}" type="pres">
       <dgm:prSet presAssocID="{95E92A9E-5634-4047-95A3-B25786525116}" presName="rootConnector" presStyleLbl="node3" presStyleIdx="1" presStyleCnt="5"/>
       <dgm:spPr/>
+      <dgm:t>
+        <a:bodyPr/>
+        <a:lstStyle/>
+        <a:p>
+          <a:endParaRPr lang="en-US"/>
+        </a:p>
+      </dgm:t>
     </dgm:pt>
     <dgm:pt modelId="{1EA89096-AB28-4221-B6E5-3ACD0703CE68}" type="pres">
       <dgm:prSet presAssocID="{95E92A9E-5634-4047-95A3-B25786525116}" presName="hierChild4" presStyleCnt="0"/>
       <dgm:spPr/>
     </dgm:pt>
+    <dgm:pt modelId="{2371CFEC-784A-437C-9E66-462BD2CB266F}" type="pres">
+      <dgm:prSet presAssocID="{B1D80150-1671-4B02-A5C2-B0B5BD6D1E06}" presName="Name64" presStyleLbl="parChTrans1D4" presStyleIdx="2" presStyleCnt="31"/>
+      <dgm:spPr/>
+    </dgm:pt>
+    <dgm:pt modelId="{17907402-7339-4D4F-851A-FA92093EA170}" type="pres">
+      <dgm:prSet presAssocID="{0A1842D5-F06A-4B7D-9BA0-64DED0EDC33B}" presName="hierRoot2" presStyleCnt="0">
+        <dgm:presLayoutVars>
+          <dgm:hierBranch val="init"/>
+        </dgm:presLayoutVars>
+      </dgm:prSet>
+      <dgm:spPr/>
+    </dgm:pt>
+    <dgm:pt modelId="{F0891D34-2F03-4493-8209-129C5D3F94AF}" type="pres">
+      <dgm:prSet presAssocID="{0A1842D5-F06A-4B7D-9BA0-64DED0EDC33B}" presName="rootComposite" presStyleCnt="0"/>
+      <dgm:spPr/>
+    </dgm:pt>
+    <dgm:pt modelId="{4196C92A-8C2C-4BF8-B3B2-B0DF94257A08}" type="pres">
+      <dgm:prSet presAssocID="{0A1842D5-F06A-4B7D-9BA0-64DED0EDC33B}" presName="rootText" presStyleLbl="node4" presStyleIdx="2" presStyleCnt="31">
+        <dgm:presLayoutVars>
+          <dgm:chPref val="3"/>
+        </dgm:presLayoutVars>
+      </dgm:prSet>
+      <dgm:spPr/>
+      <dgm:t>
+        <a:bodyPr/>
+        <a:lstStyle/>
+        <a:p>
+          <a:endParaRPr lang="en-US"/>
+        </a:p>
+      </dgm:t>
+    </dgm:pt>
+    <dgm:pt modelId="{700BB637-39C3-447D-8B13-34C5ED3CA86C}" type="pres">
+      <dgm:prSet presAssocID="{0A1842D5-F06A-4B7D-9BA0-64DED0EDC33B}" presName="rootConnector" presStyleLbl="node4" presStyleIdx="2" presStyleCnt="31"/>
+      <dgm:spPr/>
+      <dgm:t>
+        <a:bodyPr/>
+        <a:lstStyle/>
+        <a:p>
+          <a:endParaRPr lang="en-US"/>
+        </a:p>
+      </dgm:t>
+    </dgm:pt>
+    <dgm:pt modelId="{4552FC15-436C-47FD-B90D-F03980D2C55A}" type="pres">
+      <dgm:prSet presAssocID="{0A1842D5-F06A-4B7D-9BA0-64DED0EDC33B}" presName="hierChild4" presStyleCnt="0"/>
+      <dgm:spPr/>
+    </dgm:pt>
+    <dgm:pt modelId="{0F967127-B30D-448B-9644-7B946C627416}" type="pres">
+      <dgm:prSet presAssocID="{7FC247F3-2B6E-46E4-985A-A8A8118A68FD}" presName="Name64" presStyleLbl="parChTrans1D4" presStyleIdx="3" presStyleCnt="31"/>
+      <dgm:spPr/>
+    </dgm:pt>
+    <dgm:pt modelId="{93E80A39-3628-47DD-A5B7-6BFD9BED9825}" type="pres">
+      <dgm:prSet presAssocID="{D5843F2A-7D99-4341-9D1B-D0D6FA665FF1}" presName="hierRoot2" presStyleCnt="0">
+        <dgm:presLayoutVars>
+          <dgm:hierBranch val="init"/>
+        </dgm:presLayoutVars>
+      </dgm:prSet>
+      <dgm:spPr/>
+    </dgm:pt>
+    <dgm:pt modelId="{23092636-99D7-49C8-A4F5-88A2C243EF58}" type="pres">
+      <dgm:prSet presAssocID="{D5843F2A-7D99-4341-9D1B-D0D6FA665FF1}" presName="rootComposite" presStyleCnt="0"/>
+      <dgm:spPr/>
+    </dgm:pt>
+    <dgm:pt modelId="{F0E40D20-2186-4E2C-B820-4CE697102C33}" type="pres">
+      <dgm:prSet presAssocID="{D5843F2A-7D99-4341-9D1B-D0D6FA665FF1}" presName="rootText" presStyleLbl="node4" presStyleIdx="3" presStyleCnt="31">
+        <dgm:presLayoutVars>
+          <dgm:chPref val="3"/>
+        </dgm:presLayoutVars>
+      </dgm:prSet>
+      <dgm:spPr/>
+      <dgm:t>
+        <a:bodyPr/>
+        <a:lstStyle/>
+        <a:p>
+          <a:endParaRPr lang="en-US"/>
+        </a:p>
+      </dgm:t>
+    </dgm:pt>
+    <dgm:pt modelId="{B4FB2FBD-4731-4D25-869A-340EB2256EE3}" type="pres">
+      <dgm:prSet presAssocID="{D5843F2A-7D99-4341-9D1B-D0D6FA665FF1}" presName="rootConnector" presStyleLbl="node4" presStyleIdx="3" presStyleCnt="31"/>
+      <dgm:spPr/>
+      <dgm:t>
+        <a:bodyPr/>
+        <a:lstStyle/>
+        <a:p>
+          <a:endParaRPr lang="en-US"/>
+        </a:p>
+      </dgm:t>
+    </dgm:pt>
+    <dgm:pt modelId="{75C4EF3D-84CF-49C1-BFEB-6E9F552108F7}" type="pres">
+      <dgm:prSet presAssocID="{D5843F2A-7D99-4341-9D1B-D0D6FA665FF1}" presName="hierChild4" presStyleCnt="0"/>
+      <dgm:spPr/>
+    </dgm:pt>
+    <dgm:pt modelId="{D0B7E857-09F0-463C-884A-81D68F929AEE}" type="pres">
+      <dgm:prSet presAssocID="{D5843F2A-7D99-4341-9D1B-D0D6FA665FF1}" presName="hierChild5" presStyleCnt="0"/>
+      <dgm:spPr/>
+    </dgm:pt>
+    <dgm:pt modelId="{EE96291E-0D7D-44AE-BA5D-19A060835207}" type="pres">
+      <dgm:prSet presAssocID="{69EECADE-BBBC-496E-969F-BE83E1648D81}" presName="Name64" presStyleLbl="parChTrans1D4" presStyleIdx="4" presStyleCnt="31"/>
+      <dgm:spPr/>
+    </dgm:pt>
+    <dgm:pt modelId="{694C1202-D366-4F71-A1C3-BFEB342F7C9D}" type="pres">
+      <dgm:prSet presAssocID="{20E6E329-1A83-450F-860A-57FA1D355B72}" presName="hierRoot2" presStyleCnt="0">
+        <dgm:presLayoutVars>
+          <dgm:hierBranch val="init"/>
+        </dgm:presLayoutVars>
+      </dgm:prSet>
+      <dgm:spPr/>
+    </dgm:pt>
+    <dgm:pt modelId="{2DBC5E05-CE15-4F74-80BD-0F9BB3733F03}" type="pres">
+      <dgm:prSet presAssocID="{20E6E329-1A83-450F-860A-57FA1D355B72}" presName="rootComposite" presStyleCnt="0"/>
+      <dgm:spPr/>
+    </dgm:pt>
+    <dgm:pt modelId="{29537ABE-1AF6-4B89-8967-57CB21D9C16C}" type="pres">
+      <dgm:prSet presAssocID="{20E6E329-1A83-450F-860A-57FA1D355B72}" presName="rootText" presStyleLbl="node4" presStyleIdx="4" presStyleCnt="31">
+        <dgm:presLayoutVars>
+          <dgm:chPref val="3"/>
+        </dgm:presLayoutVars>
+      </dgm:prSet>
+      <dgm:spPr/>
+      <dgm:t>
+        <a:bodyPr/>
+        <a:lstStyle/>
+        <a:p>
+          <a:endParaRPr lang="en-US"/>
+        </a:p>
+      </dgm:t>
+    </dgm:pt>
+    <dgm:pt modelId="{79C0278B-C2F9-49D2-BFBE-7D35B9C437B0}" type="pres">
+      <dgm:prSet presAssocID="{20E6E329-1A83-450F-860A-57FA1D355B72}" presName="rootConnector" presStyleLbl="node4" presStyleIdx="4" presStyleCnt="31"/>
+      <dgm:spPr/>
+      <dgm:t>
+        <a:bodyPr/>
+        <a:lstStyle/>
+        <a:p>
+          <a:endParaRPr lang="en-US"/>
+        </a:p>
+      </dgm:t>
+    </dgm:pt>
+    <dgm:pt modelId="{AAF267F6-B6BC-46A0-92AD-9EED1AE6B0C8}" type="pres">
+      <dgm:prSet presAssocID="{20E6E329-1A83-450F-860A-57FA1D355B72}" presName="hierChild4" presStyleCnt="0"/>
+      <dgm:spPr/>
+    </dgm:pt>
+    <dgm:pt modelId="{F62B8451-1302-461D-A7A4-D34DDDC64273}" type="pres">
+      <dgm:prSet presAssocID="{20E6E329-1A83-450F-860A-57FA1D355B72}" presName="hierChild5" presStyleCnt="0"/>
+      <dgm:spPr/>
+    </dgm:pt>
+    <dgm:pt modelId="{C48F3F50-4DE7-4FDD-B867-3AFDBB6253BB}" type="pres">
+      <dgm:prSet presAssocID="{0A1842D5-F06A-4B7D-9BA0-64DED0EDC33B}" presName="hierChild5" presStyleCnt="0"/>
+      <dgm:spPr/>
+    </dgm:pt>
     <dgm:pt modelId="{68EEDE68-8949-4911-969C-6B06AC965818}" type="pres">
       <dgm:prSet presAssocID="{95E92A9E-5634-4047-95A3-B25786525116}" presName="hierChild5" presStyleCnt="0"/>
       <dgm:spPr/>
@@ -2594,6 +3002,13 @@
     <dgm:pt modelId="{14AF7544-2AEC-4BBA-8FDA-2EA98BF989B1}" type="pres">
       <dgm:prSet presAssocID="{0CD5E165-12AE-4B22-BEA3-6B7496EC31DF}" presName="Name64" presStyleLbl="parChTrans1D2" presStyleIdx="2" presStyleCnt="4"/>
       <dgm:spPr/>
+      <dgm:t>
+        <a:bodyPr/>
+        <a:lstStyle/>
+        <a:p>
+          <a:endParaRPr lang="en-US"/>
+        </a:p>
+      </dgm:t>
     </dgm:pt>
     <dgm:pt modelId="{7C1085C0-602B-4723-95A1-C9123503EB44}" type="pres">
       <dgm:prSet presAssocID="{04A8D58E-13A5-400B-90A8-D469145C8279}" presName="hierRoot2" presStyleCnt="0">
@@ -2614,10 +3029,24 @@
         </dgm:presLayoutVars>
       </dgm:prSet>
       <dgm:spPr/>
+      <dgm:t>
+        <a:bodyPr/>
+        <a:lstStyle/>
+        <a:p>
+          <a:endParaRPr lang="en-US"/>
+        </a:p>
+      </dgm:t>
     </dgm:pt>
     <dgm:pt modelId="{660BF8C7-04B5-4FC1-9138-CABFFAC5283C}" type="pres">
       <dgm:prSet presAssocID="{04A8D58E-13A5-400B-90A8-D469145C8279}" presName="rootConnector" presStyleLbl="node2" presStyleIdx="2" presStyleCnt="4"/>
       <dgm:spPr/>
+      <dgm:t>
+        <a:bodyPr/>
+        <a:lstStyle/>
+        <a:p>
+          <a:endParaRPr lang="en-US"/>
+        </a:p>
+      </dgm:t>
     </dgm:pt>
     <dgm:pt modelId="{E8A1FB00-A07F-4857-8C8E-8AEDABE586FA}" type="pres">
       <dgm:prSet presAssocID="{04A8D58E-13A5-400B-90A8-D469145C8279}" presName="hierChild4" presStyleCnt="0"/>
@@ -2626,6 +3055,13 @@
     <dgm:pt modelId="{244122AB-C47F-4E50-A475-58BC3A340813}" type="pres">
       <dgm:prSet presAssocID="{683A1864-46F8-47ED-8B3D-CDCE9B653E2E}" presName="Name64" presStyleLbl="parChTrans1D3" presStyleIdx="2" presStyleCnt="5"/>
       <dgm:spPr/>
+      <dgm:t>
+        <a:bodyPr/>
+        <a:lstStyle/>
+        <a:p>
+          <a:endParaRPr lang="en-US"/>
+        </a:p>
+      </dgm:t>
     </dgm:pt>
     <dgm:pt modelId="{7092C786-D58A-4BD0-82BB-F7A403ED31D9}" type="pres">
       <dgm:prSet presAssocID="{DAA4A38E-2FE5-4D70-A34B-7BA93F490450}" presName="hierRoot2" presStyleCnt="0">
@@ -2646,18 +3082,39 @@
         </dgm:presLayoutVars>
       </dgm:prSet>
       <dgm:spPr/>
+      <dgm:t>
+        <a:bodyPr/>
+        <a:lstStyle/>
+        <a:p>
+          <a:endParaRPr lang="en-US"/>
+        </a:p>
+      </dgm:t>
     </dgm:pt>
     <dgm:pt modelId="{90180D28-A63F-4EE9-8FD4-F78B964A87BF}" type="pres">
       <dgm:prSet presAssocID="{DAA4A38E-2FE5-4D70-A34B-7BA93F490450}" presName="rootConnector" presStyleLbl="node3" presStyleIdx="2" presStyleCnt="5"/>
       <dgm:spPr/>
+      <dgm:t>
+        <a:bodyPr/>
+        <a:lstStyle/>
+        <a:p>
+          <a:endParaRPr lang="en-US"/>
+        </a:p>
+      </dgm:t>
     </dgm:pt>
     <dgm:pt modelId="{D554208A-9D41-4E7C-95A4-EF82B2B24A16}" type="pres">
       <dgm:prSet presAssocID="{DAA4A38E-2FE5-4D70-A34B-7BA93F490450}" presName="hierChild4" presStyleCnt="0"/>
       <dgm:spPr/>
     </dgm:pt>
     <dgm:pt modelId="{432AB22B-E4E7-4D74-8FBB-7C601FFC2033}" type="pres">
-      <dgm:prSet presAssocID="{1D5CBDD9-4DA3-46C3-A05E-4B2F1ED96C55}" presName="Name64" presStyleLbl="parChTrans1D4" presStyleIdx="2" presStyleCnt="28"/>
-      <dgm:spPr/>
+      <dgm:prSet presAssocID="{1D5CBDD9-4DA3-46C3-A05E-4B2F1ED96C55}" presName="Name64" presStyleLbl="parChTrans1D4" presStyleIdx="5" presStyleCnt="31"/>
+      <dgm:spPr/>
+      <dgm:t>
+        <a:bodyPr/>
+        <a:lstStyle/>
+        <a:p>
+          <a:endParaRPr lang="en-US"/>
+        </a:p>
+      </dgm:t>
     </dgm:pt>
     <dgm:pt modelId="{20CD3DE1-1EA5-48C3-B7AE-0BA22666186C}" type="pres">
       <dgm:prSet presAssocID="{FDDA2F9C-1EC2-4803-B4BD-F2ED58E344CC}" presName="hierRoot2" presStyleCnt="0">
@@ -2672,24 +3129,45 @@
       <dgm:spPr/>
     </dgm:pt>
     <dgm:pt modelId="{90FD7325-4B60-4098-B8F7-7312F3B72905}" type="pres">
-      <dgm:prSet presAssocID="{FDDA2F9C-1EC2-4803-B4BD-F2ED58E344CC}" presName="rootText" presStyleLbl="node4" presStyleIdx="2" presStyleCnt="28">
+      <dgm:prSet presAssocID="{FDDA2F9C-1EC2-4803-B4BD-F2ED58E344CC}" presName="rootText" presStyleLbl="node4" presStyleIdx="5" presStyleCnt="31">
         <dgm:presLayoutVars>
           <dgm:chPref val="3"/>
         </dgm:presLayoutVars>
       </dgm:prSet>
       <dgm:spPr/>
+      <dgm:t>
+        <a:bodyPr/>
+        <a:lstStyle/>
+        <a:p>
+          <a:endParaRPr lang="en-US"/>
+        </a:p>
+      </dgm:t>
     </dgm:pt>
     <dgm:pt modelId="{25AFB06D-2B42-4B09-B16E-4CA880D4D752}" type="pres">
-      <dgm:prSet presAssocID="{FDDA2F9C-1EC2-4803-B4BD-F2ED58E344CC}" presName="rootConnector" presStyleLbl="node4" presStyleIdx="2" presStyleCnt="28"/>
-      <dgm:spPr/>
+      <dgm:prSet presAssocID="{FDDA2F9C-1EC2-4803-B4BD-F2ED58E344CC}" presName="rootConnector" presStyleLbl="node4" presStyleIdx="5" presStyleCnt="31"/>
+      <dgm:spPr/>
+      <dgm:t>
+        <a:bodyPr/>
+        <a:lstStyle/>
+        <a:p>
+          <a:endParaRPr lang="en-US"/>
+        </a:p>
+      </dgm:t>
     </dgm:pt>
     <dgm:pt modelId="{0B1FA8E3-A396-4DDA-BB24-A4494F2C6880}" type="pres">
       <dgm:prSet presAssocID="{FDDA2F9C-1EC2-4803-B4BD-F2ED58E344CC}" presName="hierChild4" presStyleCnt="0"/>
       <dgm:spPr/>
     </dgm:pt>
     <dgm:pt modelId="{8C47DF9F-34AE-418C-B313-AB87141FF415}" type="pres">
-      <dgm:prSet presAssocID="{EA40D8AE-7E7D-430F-A763-AA54D3341DFA}" presName="Name64" presStyleLbl="parChTrans1D4" presStyleIdx="3" presStyleCnt="28"/>
-      <dgm:spPr/>
+      <dgm:prSet presAssocID="{EA40D8AE-7E7D-430F-A763-AA54D3341DFA}" presName="Name64" presStyleLbl="parChTrans1D4" presStyleIdx="6" presStyleCnt="31"/>
+      <dgm:spPr/>
+      <dgm:t>
+        <a:bodyPr/>
+        <a:lstStyle/>
+        <a:p>
+          <a:endParaRPr lang="en-US"/>
+        </a:p>
+      </dgm:t>
     </dgm:pt>
     <dgm:pt modelId="{64849AC8-357A-4C0D-A039-FFDF90946556}" type="pres">
       <dgm:prSet presAssocID="{1DE97DD3-D731-4FD2-B4B5-65CFE2BAB3E4}" presName="hierRoot2" presStyleCnt="0">
@@ -2704,24 +3182,45 @@
       <dgm:spPr/>
     </dgm:pt>
     <dgm:pt modelId="{AA5769C6-4BCE-490E-AB9D-AAE58DFEA0ED}" type="pres">
-      <dgm:prSet presAssocID="{1DE97DD3-D731-4FD2-B4B5-65CFE2BAB3E4}" presName="rootText" presStyleLbl="node4" presStyleIdx="3" presStyleCnt="28">
+      <dgm:prSet presAssocID="{1DE97DD3-D731-4FD2-B4B5-65CFE2BAB3E4}" presName="rootText" presStyleLbl="node4" presStyleIdx="6" presStyleCnt="31">
         <dgm:presLayoutVars>
           <dgm:chPref val="3"/>
         </dgm:presLayoutVars>
       </dgm:prSet>
       <dgm:spPr/>
+      <dgm:t>
+        <a:bodyPr/>
+        <a:lstStyle/>
+        <a:p>
+          <a:endParaRPr lang="en-US"/>
+        </a:p>
+      </dgm:t>
     </dgm:pt>
     <dgm:pt modelId="{C5229DC7-6C36-4ACF-A188-133E9AA85652}" type="pres">
-      <dgm:prSet presAssocID="{1DE97DD3-D731-4FD2-B4B5-65CFE2BAB3E4}" presName="rootConnector" presStyleLbl="node4" presStyleIdx="3" presStyleCnt="28"/>
-      <dgm:spPr/>
+      <dgm:prSet presAssocID="{1DE97DD3-D731-4FD2-B4B5-65CFE2BAB3E4}" presName="rootConnector" presStyleLbl="node4" presStyleIdx="6" presStyleCnt="31"/>
+      <dgm:spPr/>
+      <dgm:t>
+        <a:bodyPr/>
+        <a:lstStyle/>
+        <a:p>
+          <a:endParaRPr lang="en-US"/>
+        </a:p>
+      </dgm:t>
     </dgm:pt>
     <dgm:pt modelId="{4B8B7CAF-201A-437D-9BFE-79A6333548DB}" type="pres">
       <dgm:prSet presAssocID="{1DE97DD3-D731-4FD2-B4B5-65CFE2BAB3E4}" presName="hierChild4" presStyleCnt="0"/>
       <dgm:spPr/>
     </dgm:pt>
     <dgm:pt modelId="{2DD8824D-5463-4206-93A1-C294CC9FBBD5}" type="pres">
-      <dgm:prSet presAssocID="{A0421A88-7D47-4481-812E-536A1D4A8CE1}" presName="Name64" presStyleLbl="parChTrans1D4" presStyleIdx="4" presStyleCnt="28"/>
-      <dgm:spPr/>
+      <dgm:prSet presAssocID="{A0421A88-7D47-4481-812E-536A1D4A8CE1}" presName="Name64" presStyleLbl="parChTrans1D4" presStyleIdx="7" presStyleCnt="31"/>
+      <dgm:spPr/>
+      <dgm:t>
+        <a:bodyPr/>
+        <a:lstStyle/>
+        <a:p>
+          <a:endParaRPr lang="en-US"/>
+        </a:p>
+      </dgm:t>
     </dgm:pt>
     <dgm:pt modelId="{DAECBA3C-D0F1-4C11-9951-DC1F6B308D90}" type="pres">
       <dgm:prSet presAssocID="{6B76E167-3110-4BC5-A3D7-E4406D4A9E85}" presName="hierRoot2" presStyleCnt="0">
@@ -2736,16 +3235,30 @@
       <dgm:spPr/>
     </dgm:pt>
     <dgm:pt modelId="{52A88742-C428-4D89-BCED-E4180EB66D30}" type="pres">
-      <dgm:prSet presAssocID="{6B76E167-3110-4BC5-A3D7-E4406D4A9E85}" presName="rootText" presStyleLbl="node4" presStyleIdx="4" presStyleCnt="28">
+      <dgm:prSet presAssocID="{6B76E167-3110-4BC5-A3D7-E4406D4A9E85}" presName="rootText" presStyleLbl="node4" presStyleIdx="7" presStyleCnt="31">
         <dgm:presLayoutVars>
           <dgm:chPref val="3"/>
         </dgm:presLayoutVars>
       </dgm:prSet>
       <dgm:spPr/>
+      <dgm:t>
+        <a:bodyPr/>
+        <a:lstStyle/>
+        <a:p>
+          <a:endParaRPr lang="en-US"/>
+        </a:p>
+      </dgm:t>
     </dgm:pt>
     <dgm:pt modelId="{BCF63271-6A27-490B-B0B9-4B0E83B390AB}" type="pres">
-      <dgm:prSet presAssocID="{6B76E167-3110-4BC5-A3D7-E4406D4A9E85}" presName="rootConnector" presStyleLbl="node4" presStyleIdx="4" presStyleCnt="28"/>
-      <dgm:spPr/>
+      <dgm:prSet presAssocID="{6B76E167-3110-4BC5-A3D7-E4406D4A9E85}" presName="rootConnector" presStyleLbl="node4" presStyleIdx="7" presStyleCnt="31"/>
+      <dgm:spPr/>
+      <dgm:t>
+        <a:bodyPr/>
+        <a:lstStyle/>
+        <a:p>
+          <a:endParaRPr lang="en-US"/>
+        </a:p>
+      </dgm:t>
     </dgm:pt>
     <dgm:pt modelId="{6E85C931-6626-4E48-BEB4-0B995A1C1816}" type="pres">
       <dgm:prSet presAssocID="{6B76E167-3110-4BC5-A3D7-E4406D4A9E85}" presName="hierChild4" presStyleCnt="0"/>
@@ -2756,8 +3269,15 @@
       <dgm:spPr/>
     </dgm:pt>
     <dgm:pt modelId="{C50A8917-512D-42EE-98BE-DB3F8D194FED}" type="pres">
-      <dgm:prSet presAssocID="{3CF64D1F-FBE7-45DE-827C-A38DCA51519E}" presName="Name64" presStyleLbl="parChTrans1D4" presStyleIdx="5" presStyleCnt="28"/>
-      <dgm:spPr/>
+      <dgm:prSet presAssocID="{3CF64D1F-FBE7-45DE-827C-A38DCA51519E}" presName="Name64" presStyleLbl="parChTrans1D4" presStyleIdx="8" presStyleCnt="31"/>
+      <dgm:spPr/>
+      <dgm:t>
+        <a:bodyPr/>
+        <a:lstStyle/>
+        <a:p>
+          <a:endParaRPr lang="en-US"/>
+        </a:p>
+      </dgm:t>
     </dgm:pt>
     <dgm:pt modelId="{A136E74E-9764-427F-BD49-2E2159D88350}" type="pres">
       <dgm:prSet presAssocID="{7F28A717-E53E-4902-AEFC-AC3BB915C715}" presName="hierRoot2" presStyleCnt="0">
@@ -2772,16 +3292,30 @@
       <dgm:spPr/>
     </dgm:pt>
     <dgm:pt modelId="{74AE7DFC-9BF6-43B2-962C-A31168E4FE32}" type="pres">
-      <dgm:prSet presAssocID="{7F28A717-E53E-4902-AEFC-AC3BB915C715}" presName="rootText" presStyleLbl="node4" presStyleIdx="5" presStyleCnt="28">
+      <dgm:prSet presAssocID="{7F28A717-E53E-4902-AEFC-AC3BB915C715}" presName="rootText" presStyleLbl="node4" presStyleIdx="8" presStyleCnt="31">
         <dgm:presLayoutVars>
           <dgm:chPref val="3"/>
         </dgm:presLayoutVars>
       </dgm:prSet>
       <dgm:spPr/>
+      <dgm:t>
+        <a:bodyPr/>
+        <a:lstStyle/>
+        <a:p>
+          <a:endParaRPr lang="en-US"/>
+        </a:p>
+      </dgm:t>
     </dgm:pt>
     <dgm:pt modelId="{A041A89E-B022-4BF6-B32B-749BB764EC4A}" type="pres">
-      <dgm:prSet presAssocID="{7F28A717-E53E-4902-AEFC-AC3BB915C715}" presName="rootConnector" presStyleLbl="node4" presStyleIdx="5" presStyleCnt="28"/>
-      <dgm:spPr/>
+      <dgm:prSet presAssocID="{7F28A717-E53E-4902-AEFC-AC3BB915C715}" presName="rootConnector" presStyleLbl="node4" presStyleIdx="8" presStyleCnt="31"/>
+      <dgm:spPr/>
+      <dgm:t>
+        <a:bodyPr/>
+        <a:lstStyle/>
+        <a:p>
+          <a:endParaRPr lang="en-US"/>
+        </a:p>
+      </dgm:t>
     </dgm:pt>
     <dgm:pt modelId="{7970B254-B22E-42E1-B395-24017A39AC84}" type="pres">
       <dgm:prSet presAssocID="{7F28A717-E53E-4902-AEFC-AC3BB915C715}" presName="hierChild4" presStyleCnt="0"/>
@@ -2792,8 +3326,15 @@
       <dgm:spPr/>
     </dgm:pt>
     <dgm:pt modelId="{B7A51AEC-2AEA-4ED7-A2F1-5577E114EC4C}" type="pres">
-      <dgm:prSet presAssocID="{83F0FFD6-E1D0-4C7B-8BAA-48FFE2E9BEF3}" presName="Name64" presStyleLbl="parChTrans1D4" presStyleIdx="6" presStyleCnt="28"/>
-      <dgm:spPr/>
+      <dgm:prSet presAssocID="{83F0FFD6-E1D0-4C7B-8BAA-48FFE2E9BEF3}" presName="Name64" presStyleLbl="parChTrans1D4" presStyleIdx="9" presStyleCnt="31"/>
+      <dgm:spPr/>
+      <dgm:t>
+        <a:bodyPr/>
+        <a:lstStyle/>
+        <a:p>
+          <a:endParaRPr lang="en-US"/>
+        </a:p>
+      </dgm:t>
     </dgm:pt>
     <dgm:pt modelId="{861E2305-A5C0-48CE-A988-69F69EA6CE98}" type="pres">
       <dgm:prSet presAssocID="{79691467-F3B5-458E-9BCE-7B04744CC693}" presName="hierRoot2" presStyleCnt="0">
@@ -2808,16 +3349,30 @@
       <dgm:spPr/>
     </dgm:pt>
     <dgm:pt modelId="{6F499131-600B-4D82-B6BC-02C47B243689}" type="pres">
-      <dgm:prSet presAssocID="{79691467-F3B5-458E-9BCE-7B04744CC693}" presName="rootText" presStyleLbl="node4" presStyleIdx="6" presStyleCnt="28">
+      <dgm:prSet presAssocID="{79691467-F3B5-458E-9BCE-7B04744CC693}" presName="rootText" presStyleLbl="node4" presStyleIdx="9" presStyleCnt="31">
         <dgm:presLayoutVars>
           <dgm:chPref val="3"/>
         </dgm:presLayoutVars>
       </dgm:prSet>
       <dgm:spPr/>
+      <dgm:t>
+        <a:bodyPr/>
+        <a:lstStyle/>
+        <a:p>
+          <a:endParaRPr lang="en-US"/>
+        </a:p>
+      </dgm:t>
     </dgm:pt>
     <dgm:pt modelId="{547428DC-C76F-4660-9663-FA0C6E9935E9}" type="pres">
-      <dgm:prSet presAssocID="{79691467-F3B5-458E-9BCE-7B04744CC693}" presName="rootConnector" presStyleLbl="node4" presStyleIdx="6" presStyleCnt="28"/>
-      <dgm:spPr/>
+      <dgm:prSet presAssocID="{79691467-F3B5-458E-9BCE-7B04744CC693}" presName="rootConnector" presStyleLbl="node4" presStyleIdx="9" presStyleCnt="31"/>
+      <dgm:spPr/>
+      <dgm:t>
+        <a:bodyPr/>
+        <a:lstStyle/>
+        <a:p>
+          <a:endParaRPr lang="en-US"/>
+        </a:p>
+      </dgm:t>
     </dgm:pt>
     <dgm:pt modelId="{918FBBAD-C7BC-4F26-A5C4-7917FF5BDF64}" type="pres">
       <dgm:prSet presAssocID="{79691467-F3B5-458E-9BCE-7B04744CC693}" presName="hierChild4" presStyleCnt="0"/>
@@ -2832,8 +3387,15 @@
       <dgm:spPr/>
     </dgm:pt>
     <dgm:pt modelId="{C7DC6168-F961-43ED-8ECC-D74C3B965858}" type="pres">
-      <dgm:prSet presAssocID="{A50A30A6-B689-4E34-98A7-CFEC565931F8}" presName="Name64" presStyleLbl="parChTrans1D4" presStyleIdx="7" presStyleCnt="28"/>
-      <dgm:spPr/>
+      <dgm:prSet presAssocID="{A50A30A6-B689-4E34-98A7-CFEC565931F8}" presName="Name64" presStyleLbl="parChTrans1D4" presStyleIdx="10" presStyleCnt="31"/>
+      <dgm:spPr/>
+      <dgm:t>
+        <a:bodyPr/>
+        <a:lstStyle/>
+        <a:p>
+          <a:endParaRPr lang="en-US"/>
+        </a:p>
+      </dgm:t>
     </dgm:pt>
     <dgm:pt modelId="{2DDF92B2-4C1F-4C91-9612-960E6268D598}" type="pres">
       <dgm:prSet presAssocID="{D659E9CF-5FAF-436A-91FE-FD85A3068E5E}" presName="hierRoot2" presStyleCnt="0">
@@ -2848,16 +3410,30 @@
       <dgm:spPr/>
     </dgm:pt>
     <dgm:pt modelId="{0CCCC145-51CB-4F4E-A36C-EFD45483B9DE}" type="pres">
-      <dgm:prSet presAssocID="{D659E9CF-5FAF-436A-91FE-FD85A3068E5E}" presName="rootText" presStyleLbl="node4" presStyleIdx="7" presStyleCnt="28">
+      <dgm:prSet presAssocID="{D659E9CF-5FAF-436A-91FE-FD85A3068E5E}" presName="rootText" presStyleLbl="node4" presStyleIdx="10" presStyleCnt="31">
         <dgm:presLayoutVars>
           <dgm:chPref val="3"/>
         </dgm:presLayoutVars>
       </dgm:prSet>
       <dgm:spPr/>
+      <dgm:t>
+        <a:bodyPr/>
+        <a:lstStyle/>
+        <a:p>
+          <a:endParaRPr lang="en-US"/>
+        </a:p>
+      </dgm:t>
     </dgm:pt>
     <dgm:pt modelId="{490BC91B-E5FB-4619-8F54-5DBA8F631DE5}" type="pres">
-      <dgm:prSet presAssocID="{D659E9CF-5FAF-436A-91FE-FD85A3068E5E}" presName="rootConnector" presStyleLbl="node4" presStyleIdx="7" presStyleCnt="28"/>
-      <dgm:spPr/>
+      <dgm:prSet presAssocID="{D659E9CF-5FAF-436A-91FE-FD85A3068E5E}" presName="rootConnector" presStyleLbl="node4" presStyleIdx="10" presStyleCnt="31"/>
+      <dgm:spPr/>
+      <dgm:t>
+        <a:bodyPr/>
+        <a:lstStyle/>
+        <a:p>
+          <a:endParaRPr lang="en-US"/>
+        </a:p>
+      </dgm:t>
     </dgm:pt>
     <dgm:pt modelId="{51D2B3C7-37D1-4A82-9E8A-C2B6062CD02D}" type="pres">
       <dgm:prSet presAssocID="{D659E9CF-5FAF-436A-91FE-FD85A3068E5E}" presName="hierChild4" presStyleCnt="0"/>
@@ -2872,8 +3448,15 @@
       <dgm:spPr/>
     </dgm:pt>
     <dgm:pt modelId="{8A14BE25-F2F1-4E55-96B9-49AF0280FAA5}" type="pres">
-      <dgm:prSet presAssocID="{DFF9BA56-4846-4E90-8684-544253093FA3}" presName="Name64" presStyleLbl="parChTrans1D4" presStyleIdx="8" presStyleCnt="28"/>
-      <dgm:spPr/>
+      <dgm:prSet presAssocID="{DFF9BA56-4846-4E90-8684-544253093FA3}" presName="Name64" presStyleLbl="parChTrans1D4" presStyleIdx="11" presStyleCnt="31"/>
+      <dgm:spPr/>
+      <dgm:t>
+        <a:bodyPr/>
+        <a:lstStyle/>
+        <a:p>
+          <a:endParaRPr lang="en-US"/>
+        </a:p>
+      </dgm:t>
     </dgm:pt>
     <dgm:pt modelId="{2153D166-EB14-473E-833E-CB2E489F8F04}" type="pres">
       <dgm:prSet presAssocID="{65779BB9-F557-440E-BAE1-DC80B05AC063}" presName="hierRoot2" presStyleCnt="0">
@@ -2888,16 +3471,30 @@
       <dgm:spPr/>
     </dgm:pt>
     <dgm:pt modelId="{A60BF2BF-60CC-451B-A0F1-F63768BADF39}" type="pres">
-      <dgm:prSet presAssocID="{65779BB9-F557-440E-BAE1-DC80B05AC063}" presName="rootText" presStyleLbl="node4" presStyleIdx="8" presStyleCnt="28">
+      <dgm:prSet presAssocID="{65779BB9-F557-440E-BAE1-DC80B05AC063}" presName="rootText" presStyleLbl="node4" presStyleIdx="11" presStyleCnt="31">
         <dgm:presLayoutVars>
           <dgm:chPref val="3"/>
         </dgm:presLayoutVars>
       </dgm:prSet>
       <dgm:spPr/>
+      <dgm:t>
+        <a:bodyPr/>
+        <a:lstStyle/>
+        <a:p>
+          <a:endParaRPr lang="en-US"/>
+        </a:p>
+      </dgm:t>
     </dgm:pt>
     <dgm:pt modelId="{12EB9A03-D9B5-40C5-8C30-E7B76B21CCC5}" type="pres">
-      <dgm:prSet presAssocID="{65779BB9-F557-440E-BAE1-DC80B05AC063}" presName="rootConnector" presStyleLbl="node4" presStyleIdx="8" presStyleCnt="28"/>
-      <dgm:spPr/>
+      <dgm:prSet presAssocID="{65779BB9-F557-440E-BAE1-DC80B05AC063}" presName="rootConnector" presStyleLbl="node4" presStyleIdx="11" presStyleCnt="31"/>
+      <dgm:spPr/>
+      <dgm:t>
+        <a:bodyPr/>
+        <a:lstStyle/>
+        <a:p>
+          <a:endParaRPr lang="en-US"/>
+        </a:p>
+      </dgm:t>
     </dgm:pt>
     <dgm:pt modelId="{1EB682CE-2DE0-4406-9C69-ED09EACDC15E}" type="pres">
       <dgm:prSet presAssocID="{65779BB9-F557-440E-BAE1-DC80B05AC063}" presName="hierChild4" presStyleCnt="0"/>
@@ -2918,6 +3515,13 @@
     <dgm:pt modelId="{6E0DFEEE-FA4C-46BE-86A2-F52A5E6FDD1E}" type="pres">
       <dgm:prSet presAssocID="{FA9E8AAE-06B8-42FA-99C3-D3F1B7CD5F3F}" presName="Name64" presStyleLbl="parChTrans1D2" presStyleIdx="3" presStyleCnt="4"/>
       <dgm:spPr/>
+      <dgm:t>
+        <a:bodyPr/>
+        <a:lstStyle/>
+        <a:p>
+          <a:endParaRPr lang="en-US"/>
+        </a:p>
+      </dgm:t>
     </dgm:pt>
     <dgm:pt modelId="{F60879C6-1D19-4472-AE3C-60AA51EDFE6A}" type="pres">
       <dgm:prSet presAssocID="{5BAF864A-1259-4C10-81C0-19376C49EB8A}" presName="hierRoot2" presStyleCnt="0">
@@ -2938,10 +3542,24 @@
         </dgm:presLayoutVars>
       </dgm:prSet>
       <dgm:spPr/>
+      <dgm:t>
+        <a:bodyPr/>
+        <a:lstStyle/>
+        <a:p>
+          <a:endParaRPr lang="en-US"/>
+        </a:p>
+      </dgm:t>
     </dgm:pt>
     <dgm:pt modelId="{7C5A6795-DA52-43DB-A69D-FCF1A46F96AB}" type="pres">
       <dgm:prSet presAssocID="{5BAF864A-1259-4C10-81C0-19376C49EB8A}" presName="rootConnector" presStyleLbl="node2" presStyleIdx="3" presStyleCnt="4"/>
       <dgm:spPr/>
+      <dgm:t>
+        <a:bodyPr/>
+        <a:lstStyle/>
+        <a:p>
+          <a:endParaRPr lang="en-US"/>
+        </a:p>
+      </dgm:t>
     </dgm:pt>
     <dgm:pt modelId="{D1FBFFBC-B5ED-444C-A22D-9A6EAE3785C3}" type="pres">
       <dgm:prSet presAssocID="{5BAF864A-1259-4C10-81C0-19376C49EB8A}" presName="hierChild4" presStyleCnt="0"/>
@@ -2950,6 +3568,13 @@
     <dgm:pt modelId="{D15BDCE5-34F6-4C64-A768-D933E30D9E44}" type="pres">
       <dgm:prSet presAssocID="{ABE86617-5B92-40E2-8511-488EA1C4D75F}" presName="Name64" presStyleLbl="parChTrans1D3" presStyleIdx="3" presStyleCnt="5"/>
       <dgm:spPr/>
+      <dgm:t>
+        <a:bodyPr/>
+        <a:lstStyle/>
+        <a:p>
+          <a:endParaRPr lang="en-US"/>
+        </a:p>
+      </dgm:t>
     </dgm:pt>
     <dgm:pt modelId="{EE1A9C17-FCB7-4F6E-9739-817F5C618A3C}" type="pres">
       <dgm:prSet presAssocID="{2727E88E-744E-4201-AD9F-B6E177540074}" presName="hierRoot2" presStyleCnt="0">
@@ -2970,18 +3595,39 @@
         </dgm:presLayoutVars>
       </dgm:prSet>
       <dgm:spPr/>
+      <dgm:t>
+        <a:bodyPr/>
+        <a:lstStyle/>
+        <a:p>
+          <a:endParaRPr lang="en-US"/>
+        </a:p>
+      </dgm:t>
     </dgm:pt>
     <dgm:pt modelId="{3C6C1E57-DA86-4341-80B7-92D687F4B9E1}" type="pres">
       <dgm:prSet presAssocID="{2727E88E-744E-4201-AD9F-B6E177540074}" presName="rootConnector" presStyleLbl="node3" presStyleIdx="3" presStyleCnt="5"/>
       <dgm:spPr/>
+      <dgm:t>
+        <a:bodyPr/>
+        <a:lstStyle/>
+        <a:p>
+          <a:endParaRPr lang="en-US"/>
+        </a:p>
+      </dgm:t>
     </dgm:pt>
     <dgm:pt modelId="{4B33C06D-7FA9-48F0-BC2C-3E9BCD598900}" type="pres">
       <dgm:prSet presAssocID="{2727E88E-744E-4201-AD9F-B6E177540074}" presName="hierChild4" presStyleCnt="0"/>
       <dgm:spPr/>
     </dgm:pt>
     <dgm:pt modelId="{FF9E96B1-5A7C-4F67-BEA0-5B7F3F3BE427}" type="pres">
-      <dgm:prSet presAssocID="{CAD89E09-8EE5-4A0A-AD2F-9EFE5ECBD847}" presName="Name64" presStyleLbl="parChTrans1D4" presStyleIdx="9" presStyleCnt="28"/>
-      <dgm:spPr/>
+      <dgm:prSet presAssocID="{CAD89E09-8EE5-4A0A-AD2F-9EFE5ECBD847}" presName="Name64" presStyleLbl="parChTrans1D4" presStyleIdx="12" presStyleCnt="31"/>
+      <dgm:spPr/>
+      <dgm:t>
+        <a:bodyPr/>
+        <a:lstStyle/>
+        <a:p>
+          <a:endParaRPr lang="en-US"/>
+        </a:p>
+      </dgm:t>
     </dgm:pt>
     <dgm:pt modelId="{57E2252B-3516-4BF8-A002-0EB8436A1ED8}" type="pres">
       <dgm:prSet presAssocID="{0E69900A-F490-49C7-AAAF-638D5E566FC6}" presName="hierRoot2" presStyleCnt="0">
@@ -2996,16 +3642,30 @@
       <dgm:spPr/>
     </dgm:pt>
     <dgm:pt modelId="{9929B529-38BC-45FB-88A1-0A532B70868F}" type="pres">
-      <dgm:prSet presAssocID="{0E69900A-F490-49C7-AAAF-638D5E566FC6}" presName="rootText" presStyleLbl="node4" presStyleIdx="9" presStyleCnt="28">
+      <dgm:prSet presAssocID="{0E69900A-F490-49C7-AAAF-638D5E566FC6}" presName="rootText" presStyleLbl="node4" presStyleIdx="12" presStyleCnt="31">
         <dgm:presLayoutVars>
           <dgm:chPref val="3"/>
         </dgm:presLayoutVars>
       </dgm:prSet>
       <dgm:spPr/>
+      <dgm:t>
+        <a:bodyPr/>
+        <a:lstStyle/>
+        <a:p>
+          <a:endParaRPr lang="en-US"/>
+        </a:p>
+      </dgm:t>
     </dgm:pt>
     <dgm:pt modelId="{3B0EC5BA-F984-4C77-BD56-F47B124D6925}" type="pres">
-      <dgm:prSet presAssocID="{0E69900A-F490-49C7-AAAF-638D5E566FC6}" presName="rootConnector" presStyleLbl="node4" presStyleIdx="9" presStyleCnt="28"/>
-      <dgm:spPr/>
+      <dgm:prSet presAssocID="{0E69900A-F490-49C7-AAAF-638D5E566FC6}" presName="rootConnector" presStyleLbl="node4" presStyleIdx="12" presStyleCnt="31"/>
+      <dgm:spPr/>
+      <dgm:t>
+        <a:bodyPr/>
+        <a:lstStyle/>
+        <a:p>
+          <a:endParaRPr lang="en-US"/>
+        </a:p>
+      </dgm:t>
     </dgm:pt>
     <dgm:pt modelId="{88D55983-4C01-47E0-B25D-5417D554AAA8}" type="pres">
       <dgm:prSet presAssocID="{0E69900A-F490-49C7-AAAF-638D5E566FC6}" presName="hierChild4" presStyleCnt="0"/>
@@ -3016,8 +3676,15 @@
       <dgm:spPr/>
     </dgm:pt>
     <dgm:pt modelId="{A8B4C6FB-F707-4939-8FB3-A43478CFCBEB}" type="pres">
-      <dgm:prSet presAssocID="{3447CD4A-6DF2-4E91-86FC-86AC50FCD0F3}" presName="Name64" presStyleLbl="parChTrans1D4" presStyleIdx="10" presStyleCnt="28"/>
-      <dgm:spPr/>
+      <dgm:prSet presAssocID="{3447CD4A-6DF2-4E91-86FC-86AC50FCD0F3}" presName="Name64" presStyleLbl="parChTrans1D4" presStyleIdx="13" presStyleCnt="31"/>
+      <dgm:spPr/>
+      <dgm:t>
+        <a:bodyPr/>
+        <a:lstStyle/>
+        <a:p>
+          <a:endParaRPr lang="en-US"/>
+        </a:p>
+      </dgm:t>
     </dgm:pt>
     <dgm:pt modelId="{5A8E4860-DDF1-4C04-ABCA-B3EAC46B6E12}" type="pres">
       <dgm:prSet presAssocID="{23B04188-5B67-4BB9-8A60-CDD9E9D7D705}" presName="hierRoot2" presStyleCnt="0">
@@ -3032,24 +3699,45 @@
       <dgm:spPr/>
     </dgm:pt>
     <dgm:pt modelId="{C63CF3BB-94AB-4A78-9B45-D7AA3579AC11}" type="pres">
-      <dgm:prSet presAssocID="{23B04188-5B67-4BB9-8A60-CDD9E9D7D705}" presName="rootText" presStyleLbl="node4" presStyleIdx="10" presStyleCnt="28">
+      <dgm:prSet presAssocID="{23B04188-5B67-4BB9-8A60-CDD9E9D7D705}" presName="rootText" presStyleLbl="node4" presStyleIdx="13" presStyleCnt="31">
         <dgm:presLayoutVars>
           <dgm:chPref val="3"/>
         </dgm:presLayoutVars>
       </dgm:prSet>
       <dgm:spPr/>
+      <dgm:t>
+        <a:bodyPr/>
+        <a:lstStyle/>
+        <a:p>
+          <a:endParaRPr lang="en-US"/>
+        </a:p>
+      </dgm:t>
     </dgm:pt>
     <dgm:pt modelId="{68E118D8-09AE-49E9-AD08-ADA2E96C2644}" type="pres">
-      <dgm:prSet presAssocID="{23B04188-5B67-4BB9-8A60-CDD9E9D7D705}" presName="rootConnector" presStyleLbl="node4" presStyleIdx="10" presStyleCnt="28"/>
-      <dgm:spPr/>
+      <dgm:prSet presAssocID="{23B04188-5B67-4BB9-8A60-CDD9E9D7D705}" presName="rootConnector" presStyleLbl="node4" presStyleIdx="13" presStyleCnt="31"/>
+      <dgm:spPr/>
+      <dgm:t>
+        <a:bodyPr/>
+        <a:lstStyle/>
+        <a:p>
+          <a:endParaRPr lang="en-US"/>
+        </a:p>
+      </dgm:t>
     </dgm:pt>
     <dgm:pt modelId="{6398C189-1239-438D-8B36-0DC99104E001}" type="pres">
       <dgm:prSet presAssocID="{23B04188-5B67-4BB9-8A60-CDD9E9D7D705}" presName="hierChild4" presStyleCnt="0"/>
       <dgm:spPr/>
     </dgm:pt>
     <dgm:pt modelId="{E68B22A0-1626-45D3-8F2A-87B71FEDA138}" type="pres">
-      <dgm:prSet presAssocID="{92CA00B5-54BE-4085-A6B9-413D76F5AEB5}" presName="Name64" presStyleLbl="parChTrans1D4" presStyleIdx="11" presStyleCnt="28"/>
-      <dgm:spPr/>
+      <dgm:prSet presAssocID="{92CA00B5-54BE-4085-A6B9-413D76F5AEB5}" presName="Name64" presStyleLbl="parChTrans1D4" presStyleIdx="14" presStyleCnt="31"/>
+      <dgm:spPr/>
+      <dgm:t>
+        <a:bodyPr/>
+        <a:lstStyle/>
+        <a:p>
+          <a:endParaRPr lang="en-US"/>
+        </a:p>
+      </dgm:t>
     </dgm:pt>
     <dgm:pt modelId="{7A080576-2C8E-4C96-ADC6-4EEEB091D712}" type="pres">
       <dgm:prSet presAssocID="{DEBEE854-2033-4F0A-9167-F6C4D529E60D}" presName="hierRoot2" presStyleCnt="0">
@@ -3064,16 +3752,30 @@
       <dgm:spPr/>
     </dgm:pt>
     <dgm:pt modelId="{7DF42D00-B3A6-4392-997E-143569E4E0D5}" type="pres">
-      <dgm:prSet presAssocID="{DEBEE854-2033-4F0A-9167-F6C4D529E60D}" presName="rootText" presStyleLbl="node4" presStyleIdx="11" presStyleCnt="28">
+      <dgm:prSet presAssocID="{DEBEE854-2033-4F0A-9167-F6C4D529E60D}" presName="rootText" presStyleLbl="node4" presStyleIdx="14" presStyleCnt="31">
         <dgm:presLayoutVars>
           <dgm:chPref val="3"/>
         </dgm:presLayoutVars>
       </dgm:prSet>
       <dgm:spPr/>
+      <dgm:t>
+        <a:bodyPr/>
+        <a:lstStyle/>
+        <a:p>
+          <a:endParaRPr lang="en-US"/>
+        </a:p>
+      </dgm:t>
     </dgm:pt>
     <dgm:pt modelId="{B284BF26-649C-4541-B45B-183EFBF8B21D}" type="pres">
-      <dgm:prSet presAssocID="{DEBEE854-2033-4F0A-9167-F6C4D529E60D}" presName="rootConnector" presStyleLbl="node4" presStyleIdx="11" presStyleCnt="28"/>
-      <dgm:spPr/>
+      <dgm:prSet presAssocID="{DEBEE854-2033-4F0A-9167-F6C4D529E60D}" presName="rootConnector" presStyleLbl="node4" presStyleIdx="14" presStyleCnt="31"/>
+      <dgm:spPr/>
+      <dgm:t>
+        <a:bodyPr/>
+        <a:lstStyle/>
+        <a:p>
+          <a:endParaRPr lang="en-US"/>
+        </a:p>
+      </dgm:t>
     </dgm:pt>
     <dgm:pt modelId="{E48F5559-08DF-490D-9DE8-DA34B25EF6D9}" type="pres">
       <dgm:prSet presAssocID="{DEBEE854-2033-4F0A-9167-F6C4D529E60D}" presName="hierChild4" presStyleCnt="0"/>
@@ -3084,8 +3786,15 @@
       <dgm:spPr/>
     </dgm:pt>
     <dgm:pt modelId="{F032FBFF-8253-4715-9A61-D4EFB30A16F0}" type="pres">
-      <dgm:prSet presAssocID="{181DB21A-3A63-456B-B30D-0DB82072FD79}" presName="Name64" presStyleLbl="parChTrans1D4" presStyleIdx="12" presStyleCnt="28"/>
-      <dgm:spPr/>
+      <dgm:prSet presAssocID="{181DB21A-3A63-456B-B30D-0DB82072FD79}" presName="Name64" presStyleLbl="parChTrans1D4" presStyleIdx="15" presStyleCnt="31"/>
+      <dgm:spPr/>
+      <dgm:t>
+        <a:bodyPr/>
+        <a:lstStyle/>
+        <a:p>
+          <a:endParaRPr lang="en-US"/>
+        </a:p>
+      </dgm:t>
     </dgm:pt>
     <dgm:pt modelId="{ACB95813-AE76-414F-B424-29405CDBD247}" type="pres">
       <dgm:prSet presAssocID="{340A3955-AE07-44F2-89BE-0679CF9D78BE}" presName="hierRoot2" presStyleCnt="0">
@@ -3100,16 +3809,30 @@
       <dgm:spPr/>
     </dgm:pt>
     <dgm:pt modelId="{C89CDFFA-B4BD-40F1-9E74-F7827D56A3C8}" type="pres">
-      <dgm:prSet presAssocID="{340A3955-AE07-44F2-89BE-0679CF9D78BE}" presName="rootText" presStyleLbl="node4" presStyleIdx="12" presStyleCnt="28">
+      <dgm:prSet presAssocID="{340A3955-AE07-44F2-89BE-0679CF9D78BE}" presName="rootText" presStyleLbl="node4" presStyleIdx="15" presStyleCnt="31">
         <dgm:presLayoutVars>
           <dgm:chPref val="3"/>
         </dgm:presLayoutVars>
       </dgm:prSet>
       <dgm:spPr/>
+      <dgm:t>
+        <a:bodyPr/>
+        <a:lstStyle/>
+        <a:p>
+          <a:endParaRPr lang="en-US"/>
+        </a:p>
+      </dgm:t>
     </dgm:pt>
     <dgm:pt modelId="{0C6316AA-46EA-4437-920C-5390E2143E30}" type="pres">
-      <dgm:prSet presAssocID="{340A3955-AE07-44F2-89BE-0679CF9D78BE}" presName="rootConnector" presStyleLbl="node4" presStyleIdx="12" presStyleCnt="28"/>
-      <dgm:spPr/>
+      <dgm:prSet presAssocID="{340A3955-AE07-44F2-89BE-0679CF9D78BE}" presName="rootConnector" presStyleLbl="node4" presStyleIdx="15" presStyleCnt="31"/>
+      <dgm:spPr/>
+      <dgm:t>
+        <a:bodyPr/>
+        <a:lstStyle/>
+        <a:p>
+          <a:endParaRPr lang="en-US"/>
+        </a:p>
+      </dgm:t>
     </dgm:pt>
     <dgm:pt modelId="{02D27A11-7611-4677-8947-BA6CDCF5D552}" type="pres">
       <dgm:prSet presAssocID="{340A3955-AE07-44F2-89BE-0679CF9D78BE}" presName="hierChild4" presStyleCnt="0"/>
@@ -3124,8 +3847,15 @@
       <dgm:spPr/>
     </dgm:pt>
     <dgm:pt modelId="{F79A6566-8BF7-4D25-BC75-FAE48935F93D}" type="pres">
-      <dgm:prSet presAssocID="{1FCAA312-BC87-4D1B-8B22-A91D2B7CC7F0}" presName="Name64" presStyleLbl="parChTrans1D4" presStyleIdx="13" presStyleCnt="28"/>
-      <dgm:spPr/>
+      <dgm:prSet presAssocID="{1FCAA312-BC87-4D1B-8B22-A91D2B7CC7F0}" presName="Name64" presStyleLbl="parChTrans1D4" presStyleIdx="16" presStyleCnt="31"/>
+      <dgm:spPr/>
+      <dgm:t>
+        <a:bodyPr/>
+        <a:lstStyle/>
+        <a:p>
+          <a:endParaRPr lang="en-US"/>
+        </a:p>
+      </dgm:t>
     </dgm:pt>
     <dgm:pt modelId="{86608852-F075-4372-BCF3-CD4E88DEC191}" type="pres">
       <dgm:prSet presAssocID="{181020BB-05F4-4525-908B-D1B14E657C73}" presName="hierRoot2" presStyleCnt="0">
@@ -3140,16 +3870,30 @@
       <dgm:spPr/>
     </dgm:pt>
     <dgm:pt modelId="{354F4FF5-9E03-471F-80A8-4D58800B70D6}" type="pres">
-      <dgm:prSet presAssocID="{181020BB-05F4-4525-908B-D1B14E657C73}" presName="rootText" presStyleLbl="node4" presStyleIdx="13" presStyleCnt="28">
+      <dgm:prSet presAssocID="{181020BB-05F4-4525-908B-D1B14E657C73}" presName="rootText" presStyleLbl="node4" presStyleIdx="16" presStyleCnt="31">
         <dgm:presLayoutVars>
           <dgm:chPref val="3"/>
         </dgm:presLayoutVars>
       </dgm:prSet>
       <dgm:spPr/>
+      <dgm:t>
+        <a:bodyPr/>
+        <a:lstStyle/>
+        <a:p>
+          <a:endParaRPr lang="en-US"/>
+        </a:p>
+      </dgm:t>
     </dgm:pt>
     <dgm:pt modelId="{E9F41E16-B115-4E28-9E40-6883CF63D08C}" type="pres">
-      <dgm:prSet presAssocID="{181020BB-05F4-4525-908B-D1B14E657C73}" presName="rootConnector" presStyleLbl="node4" presStyleIdx="13" presStyleCnt="28"/>
-      <dgm:spPr/>
+      <dgm:prSet presAssocID="{181020BB-05F4-4525-908B-D1B14E657C73}" presName="rootConnector" presStyleLbl="node4" presStyleIdx="16" presStyleCnt="31"/>
+      <dgm:spPr/>
+      <dgm:t>
+        <a:bodyPr/>
+        <a:lstStyle/>
+        <a:p>
+          <a:endParaRPr lang="en-US"/>
+        </a:p>
+      </dgm:t>
     </dgm:pt>
     <dgm:pt modelId="{20D6114F-6914-4C9F-A953-BF8B57323E0B}" type="pres">
       <dgm:prSet presAssocID="{181020BB-05F4-4525-908B-D1B14E657C73}" presName="hierChild4" presStyleCnt="0"/>
@@ -3166,6 +3910,13 @@
     <dgm:pt modelId="{644A4F60-CB16-4B78-8BDE-BD0F0662D1C2}" type="pres">
       <dgm:prSet presAssocID="{EBCC300B-8B89-463A-BE1B-EBC57A2E7D07}" presName="Name64" presStyleLbl="parChTrans1D3" presStyleIdx="4" presStyleCnt="5"/>
       <dgm:spPr/>
+      <dgm:t>
+        <a:bodyPr/>
+        <a:lstStyle/>
+        <a:p>
+          <a:endParaRPr lang="en-US"/>
+        </a:p>
+      </dgm:t>
     </dgm:pt>
     <dgm:pt modelId="{FC6283FE-53E2-498A-9BDE-2F926C8ED364}" type="pres">
       <dgm:prSet presAssocID="{016CCFD7-EE1D-4653-8070-FE44E4A75357}" presName="hierRoot2" presStyleCnt="0">
@@ -3186,18 +3937,39 @@
         </dgm:presLayoutVars>
       </dgm:prSet>
       <dgm:spPr/>
+      <dgm:t>
+        <a:bodyPr/>
+        <a:lstStyle/>
+        <a:p>
+          <a:endParaRPr lang="en-US"/>
+        </a:p>
+      </dgm:t>
     </dgm:pt>
     <dgm:pt modelId="{9022D5A9-505E-4978-8878-432398FF369F}" type="pres">
       <dgm:prSet presAssocID="{016CCFD7-EE1D-4653-8070-FE44E4A75357}" presName="rootConnector" presStyleLbl="node3" presStyleIdx="4" presStyleCnt="5"/>
       <dgm:spPr/>
+      <dgm:t>
+        <a:bodyPr/>
+        <a:lstStyle/>
+        <a:p>
+          <a:endParaRPr lang="en-US"/>
+        </a:p>
+      </dgm:t>
     </dgm:pt>
     <dgm:pt modelId="{E0DC4000-1E5B-441C-8D9E-E1437FB6F6AA}" type="pres">
       <dgm:prSet presAssocID="{016CCFD7-EE1D-4653-8070-FE44E4A75357}" presName="hierChild4" presStyleCnt="0"/>
       <dgm:spPr/>
     </dgm:pt>
     <dgm:pt modelId="{6658318E-BC26-44F0-809B-E3403B390C9F}" type="pres">
-      <dgm:prSet presAssocID="{E0C30AB5-085E-404F-93DE-5B75ABA7AA23}" presName="Name64" presStyleLbl="parChTrans1D4" presStyleIdx="14" presStyleCnt="28"/>
-      <dgm:spPr/>
+      <dgm:prSet presAssocID="{E0C30AB5-085E-404F-93DE-5B75ABA7AA23}" presName="Name64" presStyleLbl="parChTrans1D4" presStyleIdx="17" presStyleCnt="31"/>
+      <dgm:spPr/>
+      <dgm:t>
+        <a:bodyPr/>
+        <a:lstStyle/>
+        <a:p>
+          <a:endParaRPr lang="en-US"/>
+        </a:p>
+      </dgm:t>
     </dgm:pt>
     <dgm:pt modelId="{32BB4E2E-DF80-485F-83C9-B016546AA45F}" type="pres">
       <dgm:prSet presAssocID="{271EF062-6193-480E-9133-608F1C97F672}" presName="hierRoot2" presStyleCnt="0">
@@ -3212,16 +3984,30 @@
       <dgm:spPr/>
     </dgm:pt>
     <dgm:pt modelId="{1F8F4A31-A7E3-4C7A-A275-4FE8BDCC199B}" type="pres">
-      <dgm:prSet presAssocID="{271EF062-6193-480E-9133-608F1C97F672}" presName="rootText" presStyleLbl="node4" presStyleIdx="14" presStyleCnt="28">
+      <dgm:prSet presAssocID="{271EF062-6193-480E-9133-608F1C97F672}" presName="rootText" presStyleLbl="node4" presStyleIdx="17" presStyleCnt="31">
         <dgm:presLayoutVars>
           <dgm:chPref val="3"/>
         </dgm:presLayoutVars>
       </dgm:prSet>
       <dgm:spPr/>
+      <dgm:t>
+        <a:bodyPr/>
+        <a:lstStyle/>
+        <a:p>
+          <a:endParaRPr lang="en-US"/>
+        </a:p>
+      </dgm:t>
     </dgm:pt>
     <dgm:pt modelId="{52DDDCB0-72EE-4C99-968C-03513CC50932}" type="pres">
-      <dgm:prSet presAssocID="{271EF062-6193-480E-9133-608F1C97F672}" presName="rootConnector" presStyleLbl="node4" presStyleIdx="14" presStyleCnt="28"/>
-      <dgm:spPr/>
+      <dgm:prSet presAssocID="{271EF062-6193-480E-9133-608F1C97F672}" presName="rootConnector" presStyleLbl="node4" presStyleIdx="17" presStyleCnt="31"/>
+      <dgm:spPr/>
+      <dgm:t>
+        <a:bodyPr/>
+        <a:lstStyle/>
+        <a:p>
+          <a:endParaRPr lang="en-US"/>
+        </a:p>
+      </dgm:t>
     </dgm:pt>
     <dgm:pt modelId="{D0AD93C4-6410-4E08-A7DA-9C8F867777FC}" type="pres">
       <dgm:prSet presAssocID="{271EF062-6193-480E-9133-608F1C97F672}" presName="hierChild4" presStyleCnt="0"/>
@@ -3232,8 +4018,15 @@
       <dgm:spPr/>
     </dgm:pt>
     <dgm:pt modelId="{67FA21F4-CE11-4C59-BD72-BD2D9283E9AC}" type="pres">
-      <dgm:prSet presAssocID="{C496B86C-CB2F-44BE-8907-2738B746B183}" presName="Name64" presStyleLbl="parChTrans1D4" presStyleIdx="15" presStyleCnt="28"/>
-      <dgm:spPr/>
+      <dgm:prSet presAssocID="{C496B86C-CB2F-44BE-8907-2738B746B183}" presName="Name64" presStyleLbl="parChTrans1D4" presStyleIdx="18" presStyleCnt="31"/>
+      <dgm:spPr/>
+      <dgm:t>
+        <a:bodyPr/>
+        <a:lstStyle/>
+        <a:p>
+          <a:endParaRPr lang="en-US"/>
+        </a:p>
+      </dgm:t>
     </dgm:pt>
     <dgm:pt modelId="{671694AB-AB47-44CF-93A3-70FF1AC0E648}" type="pres">
       <dgm:prSet presAssocID="{4E47AF21-4D04-4EC2-8510-9D9E72D30281}" presName="hierRoot2" presStyleCnt="0">
@@ -3248,24 +4041,45 @@
       <dgm:spPr/>
     </dgm:pt>
     <dgm:pt modelId="{9CAAB6B5-711C-4F1D-8D2E-045ED2F6358D}" type="pres">
-      <dgm:prSet presAssocID="{4E47AF21-4D04-4EC2-8510-9D9E72D30281}" presName="rootText" presStyleLbl="node4" presStyleIdx="15" presStyleCnt="28">
+      <dgm:prSet presAssocID="{4E47AF21-4D04-4EC2-8510-9D9E72D30281}" presName="rootText" presStyleLbl="node4" presStyleIdx="18" presStyleCnt="31">
         <dgm:presLayoutVars>
           <dgm:chPref val="3"/>
         </dgm:presLayoutVars>
       </dgm:prSet>
       <dgm:spPr/>
+      <dgm:t>
+        <a:bodyPr/>
+        <a:lstStyle/>
+        <a:p>
+          <a:endParaRPr lang="en-US"/>
+        </a:p>
+      </dgm:t>
     </dgm:pt>
     <dgm:pt modelId="{B487BA94-86B8-4FF1-A3B0-387A97812BA0}" type="pres">
-      <dgm:prSet presAssocID="{4E47AF21-4D04-4EC2-8510-9D9E72D30281}" presName="rootConnector" presStyleLbl="node4" presStyleIdx="15" presStyleCnt="28"/>
-      <dgm:spPr/>
+      <dgm:prSet presAssocID="{4E47AF21-4D04-4EC2-8510-9D9E72D30281}" presName="rootConnector" presStyleLbl="node4" presStyleIdx="18" presStyleCnt="31"/>
+      <dgm:spPr/>
+      <dgm:t>
+        <a:bodyPr/>
+        <a:lstStyle/>
+        <a:p>
+          <a:endParaRPr lang="en-US"/>
+        </a:p>
+      </dgm:t>
     </dgm:pt>
     <dgm:pt modelId="{081D2903-5708-4D27-9EAC-C5DA91B09E9F}" type="pres">
       <dgm:prSet presAssocID="{4E47AF21-4D04-4EC2-8510-9D9E72D30281}" presName="hierChild4" presStyleCnt="0"/>
       <dgm:spPr/>
     </dgm:pt>
     <dgm:pt modelId="{74D87C80-D895-49DE-897C-0EF68850B7F9}" type="pres">
-      <dgm:prSet presAssocID="{0055C9ED-953D-433A-979F-61A24DC5288D}" presName="Name64" presStyleLbl="parChTrans1D4" presStyleIdx="16" presStyleCnt="28"/>
-      <dgm:spPr/>
+      <dgm:prSet presAssocID="{0055C9ED-953D-433A-979F-61A24DC5288D}" presName="Name64" presStyleLbl="parChTrans1D4" presStyleIdx="19" presStyleCnt="31"/>
+      <dgm:spPr/>
+      <dgm:t>
+        <a:bodyPr/>
+        <a:lstStyle/>
+        <a:p>
+          <a:endParaRPr lang="en-US"/>
+        </a:p>
+      </dgm:t>
     </dgm:pt>
     <dgm:pt modelId="{1D00D624-73D4-46B1-BC0D-4E4980A6DAA9}" type="pres">
       <dgm:prSet presAssocID="{9B3DFB51-4F40-4C99-922E-67872A0FB1BB}" presName="hierRoot2" presStyleCnt="0">
@@ -3280,16 +4094,30 @@
       <dgm:spPr/>
     </dgm:pt>
     <dgm:pt modelId="{BBBDB6D9-02F0-4C80-8B79-00DDF0F60F33}" type="pres">
-      <dgm:prSet presAssocID="{9B3DFB51-4F40-4C99-922E-67872A0FB1BB}" presName="rootText" presStyleLbl="node4" presStyleIdx="16" presStyleCnt="28">
+      <dgm:prSet presAssocID="{9B3DFB51-4F40-4C99-922E-67872A0FB1BB}" presName="rootText" presStyleLbl="node4" presStyleIdx="19" presStyleCnt="31">
         <dgm:presLayoutVars>
           <dgm:chPref val="3"/>
         </dgm:presLayoutVars>
       </dgm:prSet>
       <dgm:spPr/>
+      <dgm:t>
+        <a:bodyPr/>
+        <a:lstStyle/>
+        <a:p>
+          <a:endParaRPr lang="en-US"/>
+        </a:p>
+      </dgm:t>
     </dgm:pt>
     <dgm:pt modelId="{AEE9A48C-703E-4834-A6C8-EEA9766D113B}" type="pres">
-      <dgm:prSet presAssocID="{9B3DFB51-4F40-4C99-922E-67872A0FB1BB}" presName="rootConnector" presStyleLbl="node4" presStyleIdx="16" presStyleCnt="28"/>
-      <dgm:spPr/>
+      <dgm:prSet presAssocID="{9B3DFB51-4F40-4C99-922E-67872A0FB1BB}" presName="rootConnector" presStyleLbl="node4" presStyleIdx="19" presStyleCnt="31"/>
+      <dgm:spPr/>
+      <dgm:t>
+        <a:bodyPr/>
+        <a:lstStyle/>
+        <a:p>
+          <a:endParaRPr lang="en-US"/>
+        </a:p>
+      </dgm:t>
     </dgm:pt>
     <dgm:pt modelId="{0011E90D-DE6C-45FF-9BBD-71E8B4F47046}" type="pres">
       <dgm:prSet presAssocID="{9B3DFB51-4F40-4C99-922E-67872A0FB1BB}" presName="hierChild4" presStyleCnt="0"/>
@@ -3300,8 +4128,15 @@
       <dgm:spPr/>
     </dgm:pt>
     <dgm:pt modelId="{A79C6B22-7A40-4784-9C1F-EAEB6529371D}" type="pres">
-      <dgm:prSet presAssocID="{474C0BE3-B46C-4D0B-B48E-5C26DCF42C05}" presName="Name64" presStyleLbl="parChTrans1D4" presStyleIdx="17" presStyleCnt="28"/>
-      <dgm:spPr/>
+      <dgm:prSet presAssocID="{474C0BE3-B46C-4D0B-B48E-5C26DCF42C05}" presName="Name64" presStyleLbl="parChTrans1D4" presStyleIdx="20" presStyleCnt="31"/>
+      <dgm:spPr/>
+      <dgm:t>
+        <a:bodyPr/>
+        <a:lstStyle/>
+        <a:p>
+          <a:endParaRPr lang="en-US"/>
+        </a:p>
+      </dgm:t>
     </dgm:pt>
     <dgm:pt modelId="{A510C2B0-A918-4C22-89EE-E5BB90E9BC5F}" type="pres">
       <dgm:prSet presAssocID="{68081D6E-116A-4DC4-AABD-7FB74799BE7C}" presName="hierRoot2" presStyleCnt="0">
@@ -3316,24 +4151,45 @@
       <dgm:spPr/>
     </dgm:pt>
     <dgm:pt modelId="{4725B574-D856-488F-9008-039D86BA8A6C}" type="pres">
-      <dgm:prSet presAssocID="{68081D6E-116A-4DC4-AABD-7FB74799BE7C}" presName="rootText" presStyleLbl="node4" presStyleIdx="17" presStyleCnt="28">
+      <dgm:prSet presAssocID="{68081D6E-116A-4DC4-AABD-7FB74799BE7C}" presName="rootText" presStyleLbl="node4" presStyleIdx="20" presStyleCnt="31">
         <dgm:presLayoutVars>
           <dgm:chPref val="3"/>
         </dgm:presLayoutVars>
       </dgm:prSet>
       <dgm:spPr/>
+      <dgm:t>
+        <a:bodyPr/>
+        <a:lstStyle/>
+        <a:p>
+          <a:endParaRPr lang="en-US"/>
+        </a:p>
+      </dgm:t>
     </dgm:pt>
     <dgm:pt modelId="{C5EA99A9-BB32-4039-9316-AA65F801903F}" type="pres">
-      <dgm:prSet presAssocID="{68081D6E-116A-4DC4-AABD-7FB74799BE7C}" presName="rootConnector" presStyleLbl="node4" presStyleIdx="17" presStyleCnt="28"/>
-      <dgm:spPr/>
+      <dgm:prSet presAssocID="{68081D6E-116A-4DC4-AABD-7FB74799BE7C}" presName="rootConnector" presStyleLbl="node4" presStyleIdx="20" presStyleCnt="31"/>
+      <dgm:spPr/>
+      <dgm:t>
+        <a:bodyPr/>
+        <a:lstStyle/>
+        <a:p>
+          <a:endParaRPr lang="en-US"/>
+        </a:p>
+      </dgm:t>
     </dgm:pt>
     <dgm:pt modelId="{DC27C914-D6B7-4B8C-8582-6E1374736871}" type="pres">
       <dgm:prSet presAssocID="{68081D6E-116A-4DC4-AABD-7FB74799BE7C}" presName="hierChild4" presStyleCnt="0"/>
       <dgm:spPr/>
     </dgm:pt>
     <dgm:pt modelId="{089EB023-2ACB-488E-9E7E-CF11A549B421}" type="pres">
-      <dgm:prSet presAssocID="{9CA42190-7F04-4F58-8AF1-706BAD190A16}" presName="Name64" presStyleLbl="parChTrans1D4" presStyleIdx="18" presStyleCnt="28"/>
-      <dgm:spPr/>
+      <dgm:prSet presAssocID="{9CA42190-7F04-4F58-8AF1-706BAD190A16}" presName="Name64" presStyleLbl="parChTrans1D4" presStyleIdx="21" presStyleCnt="31"/>
+      <dgm:spPr/>
+      <dgm:t>
+        <a:bodyPr/>
+        <a:lstStyle/>
+        <a:p>
+          <a:endParaRPr lang="en-US"/>
+        </a:p>
+      </dgm:t>
     </dgm:pt>
     <dgm:pt modelId="{7E916C94-2923-41A2-A3A9-F217DE43A6FB}" type="pres">
       <dgm:prSet presAssocID="{9782AB34-75E5-4DAD-B0DF-7442009D0A30}" presName="hierRoot2" presStyleCnt="0">
@@ -3348,24 +4204,45 @@
       <dgm:spPr/>
     </dgm:pt>
     <dgm:pt modelId="{1FAAE092-431C-4260-B111-457DBC6D5796}" type="pres">
-      <dgm:prSet presAssocID="{9782AB34-75E5-4DAD-B0DF-7442009D0A30}" presName="rootText" presStyleLbl="node4" presStyleIdx="18" presStyleCnt="28">
+      <dgm:prSet presAssocID="{9782AB34-75E5-4DAD-B0DF-7442009D0A30}" presName="rootText" presStyleLbl="node4" presStyleIdx="21" presStyleCnt="31">
         <dgm:presLayoutVars>
           <dgm:chPref val="3"/>
         </dgm:presLayoutVars>
       </dgm:prSet>
       <dgm:spPr/>
+      <dgm:t>
+        <a:bodyPr/>
+        <a:lstStyle/>
+        <a:p>
+          <a:endParaRPr lang="en-US"/>
+        </a:p>
+      </dgm:t>
     </dgm:pt>
     <dgm:pt modelId="{25AC5798-A652-44DF-8637-89B964AF7D84}" type="pres">
-      <dgm:prSet presAssocID="{9782AB34-75E5-4DAD-B0DF-7442009D0A30}" presName="rootConnector" presStyleLbl="node4" presStyleIdx="18" presStyleCnt="28"/>
-      <dgm:spPr/>
+      <dgm:prSet presAssocID="{9782AB34-75E5-4DAD-B0DF-7442009D0A30}" presName="rootConnector" presStyleLbl="node4" presStyleIdx="21" presStyleCnt="31"/>
+      <dgm:spPr/>
+      <dgm:t>
+        <a:bodyPr/>
+        <a:lstStyle/>
+        <a:p>
+          <a:endParaRPr lang="en-US"/>
+        </a:p>
+      </dgm:t>
     </dgm:pt>
     <dgm:pt modelId="{F9A03D3C-8C7B-480D-B055-014F248CBAB2}" type="pres">
       <dgm:prSet presAssocID="{9782AB34-75E5-4DAD-B0DF-7442009D0A30}" presName="hierChild4" presStyleCnt="0"/>
       <dgm:spPr/>
     </dgm:pt>
     <dgm:pt modelId="{9961A975-9083-49AD-A21D-9C2C1942648F}" type="pres">
-      <dgm:prSet presAssocID="{356B4961-C1AC-4701-9D80-187415252939}" presName="Name64" presStyleLbl="parChTrans1D4" presStyleIdx="19" presStyleCnt="28"/>
-      <dgm:spPr/>
+      <dgm:prSet presAssocID="{356B4961-C1AC-4701-9D80-187415252939}" presName="Name64" presStyleLbl="parChTrans1D4" presStyleIdx="22" presStyleCnt="31"/>
+      <dgm:spPr/>
+      <dgm:t>
+        <a:bodyPr/>
+        <a:lstStyle/>
+        <a:p>
+          <a:endParaRPr lang="en-US"/>
+        </a:p>
+      </dgm:t>
     </dgm:pt>
     <dgm:pt modelId="{9FB7A5C5-3700-4DF4-B659-2BED69DA5914}" type="pres">
       <dgm:prSet presAssocID="{050179E8-5116-4333-8E15-67A1A02BEE65}" presName="hierRoot2" presStyleCnt="0">
@@ -3380,16 +4257,30 @@
       <dgm:spPr/>
     </dgm:pt>
     <dgm:pt modelId="{550998FB-C381-4CA4-ABCD-175189088578}" type="pres">
-      <dgm:prSet presAssocID="{050179E8-5116-4333-8E15-67A1A02BEE65}" presName="rootText" presStyleLbl="node4" presStyleIdx="19" presStyleCnt="28">
+      <dgm:prSet presAssocID="{050179E8-5116-4333-8E15-67A1A02BEE65}" presName="rootText" presStyleLbl="node4" presStyleIdx="22" presStyleCnt="31">
         <dgm:presLayoutVars>
           <dgm:chPref val="3"/>
         </dgm:presLayoutVars>
       </dgm:prSet>
       <dgm:spPr/>
+      <dgm:t>
+        <a:bodyPr/>
+        <a:lstStyle/>
+        <a:p>
+          <a:endParaRPr lang="en-US"/>
+        </a:p>
+      </dgm:t>
     </dgm:pt>
     <dgm:pt modelId="{2DD0F28A-C3E8-4AC2-B2C7-D422B790DF6F}" type="pres">
-      <dgm:prSet presAssocID="{050179E8-5116-4333-8E15-67A1A02BEE65}" presName="rootConnector" presStyleLbl="node4" presStyleIdx="19" presStyleCnt="28"/>
-      <dgm:spPr/>
+      <dgm:prSet presAssocID="{050179E8-5116-4333-8E15-67A1A02BEE65}" presName="rootConnector" presStyleLbl="node4" presStyleIdx="22" presStyleCnt="31"/>
+      <dgm:spPr/>
+      <dgm:t>
+        <a:bodyPr/>
+        <a:lstStyle/>
+        <a:p>
+          <a:endParaRPr lang="en-US"/>
+        </a:p>
+      </dgm:t>
     </dgm:pt>
     <dgm:pt modelId="{748DC8E6-7C79-43A3-A87E-0D40987A3444}" type="pres">
       <dgm:prSet presAssocID="{050179E8-5116-4333-8E15-67A1A02BEE65}" presName="hierChild4" presStyleCnt="0"/>
@@ -3400,8 +4291,15 @@
       <dgm:spPr/>
     </dgm:pt>
     <dgm:pt modelId="{14D7C8BD-346A-4386-B2BB-EA9AFF997488}" type="pres">
-      <dgm:prSet presAssocID="{2896A8A0-456F-4AD4-B642-34BB5E63603E}" presName="Name64" presStyleLbl="parChTrans1D4" presStyleIdx="20" presStyleCnt="28"/>
-      <dgm:spPr/>
+      <dgm:prSet presAssocID="{2896A8A0-456F-4AD4-B642-34BB5E63603E}" presName="Name64" presStyleLbl="parChTrans1D4" presStyleIdx="23" presStyleCnt="31"/>
+      <dgm:spPr/>
+      <dgm:t>
+        <a:bodyPr/>
+        <a:lstStyle/>
+        <a:p>
+          <a:endParaRPr lang="en-US"/>
+        </a:p>
+      </dgm:t>
     </dgm:pt>
     <dgm:pt modelId="{2A854E1D-4F17-4760-95E9-74C0932218D9}" type="pres">
       <dgm:prSet presAssocID="{1F18D17D-60D9-4DE2-BBB6-03613B3E9956}" presName="hierRoot2" presStyleCnt="0">
@@ -3416,16 +4314,30 @@
       <dgm:spPr/>
     </dgm:pt>
     <dgm:pt modelId="{C9D741BB-59CE-49C8-976B-E77AFA7FB480}" type="pres">
-      <dgm:prSet presAssocID="{1F18D17D-60D9-4DE2-BBB6-03613B3E9956}" presName="rootText" presStyleLbl="node4" presStyleIdx="20" presStyleCnt="28">
+      <dgm:prSet presAssocID="{1F18D17D-60D9-4DE2-BBB6-03613B3E9956}" presName="rootText" presStyleLbl="node4" presStyleIdx="23" presStyleCnt="31">
         <dgm:presLayoutVars>
           <dgm:chPref val="3"/>
         </dgm:presLayoutVars>
       </dgm:prSet>
       <dgm:spPr/>
+      <dgm:t>
+        <a:bodyPr/>
+        <a:lstStyle/>
+        <a:p>
+          <a:endParaRPr lang="en-US"/>
+        </a:p>
+      </dgm:t>
     </dgm:pt>
     <dgm:pt modelId="{EC8754C5-1ABF-4F9A-AC20-0DADFAD7C097}" type="pres">
-      <dgm:prSet presAssocID="{1F18D17D-60D9-4DE2-BBB6-03613B3E9956}" presName="rootConnector" presStyleLbl="node4" presStyleIdx="20" presStyleCnt="28"/>
-      <dgm:spPr/>
+      <dgm:prSet presAssocID="{1F18D17D-60D9-4DE2-BBB6-03613B3E9956}" presName="rootConnector" presStyleLbl="node4" presStyleIdx="23" presStyleCnt="31"/>
+      <dgm:spPr/>
+      <dgm:t>
+        <a:bodyPr/>
+        <a:lstStyle/>
+        <a:p>
+          <a:endParaRPr lang="en-US"/>
+        </a:p>
+      </dgm:t>
     </dgm:pt>
     <dgm:pt modelId="{DACCBF40-721D-4B19-86FB-7232D2966BE1}" type="pres">
       <dgm:prSet presAssocID="{1F18D17D-60D9-4DE2-BBB6-03613B3E9956}" presName="hierChild4" presStyleCnt="0"/>
@@ -3436,8 +4348,15 @@
       <dgm:spPr/>
     </dgm:pt>
     <dgm:pt modelId="{86DF7669-C6B0-4342-8627-66FB34C0597D}" type="pres">
-      <dgm:prSet presAssocID="{88E5C0D4-DC0E-4794-BD4D-C53495160752}" presName="Name64" presStyleLbl="parChTrans1D4" presStyleIdx="21" presStyleCnt="28"/>
-      <dgm:spPr/>
+      <dgm:prSet presAssocID="{88E5C0D4-DC0E-4794-BD4D-C53495160752}" presName="Name64" presStyleLbl="parChTrans1D4" presStyleIdx="24" presStyleCnt="31"/>
+      <dgm:spPr/>
+      <dgm:t>
+        <a:bodyPr/>
+        <a:lstStyle/>
+        <a:p>
+          <a:endParaRPr lang="en-US"/>
+        </a:p>
+      </dgm:t>
     </dgm:pt>
     <dgm:pt modelId="{D86D35EE-65C4-4510-AF65-6BF58BEA1259}" type="pres">
       <dgm:prSet presAssocID="{73A3414D-1E2D-4D1C-BCF8-30ED36519BA9}" presName="hierRoot2" presStyleCnt="0">
@@ -3452,16 +4371,30 @@
       <dgm:spPr/>
     </dgm:pt>
     <dgm:pt modelId="{A00D14BA-D2A5-4C30-AC29-CDFF1DC9AE80}" type="pres">
-      <dgm:prSet presAssocID="{73A3414D-1E2D-4D1C-BCF8-30ED36519BA9}" presName="rootText" presStyleLbl="node4" presStyleIdx="21" presStyleCnt="28">
+      <dgm:prSet presAssocID="{73A3414D-1E2D-4D1C-BCF8-30ED36519BA9}" presName="rootText" presStyleLbl="node4" presStyleIdx="24" presStyleCnt="31">
         <dgm:presLayoutVars>
           <dgm:chPref val="3"/>
         </dgm:presLayoutVars>
       </dgm:prSet>
       <dgm:spPr/>
+      <dgm:t>
+        <a:bodyPr/>
+        <a:lstStyle/>
+        <a:p>
+          <a:endParaRPr lang="en-US"/>
+        </a:p>
+      </dgm:t>
     </dgm:pt>
     <dgm:pt modelId="{1D8F23AF-7BD0-4149-BE4D-E910E7F171A9}" type="pres">
-      <dgm:prSet presAssocID="{73A3414D-1E2D-4D1C-BCF8-30ED36519BA9}" presName="rootConnector" presStyleLbl="node4" presStyleIdx="21" presStyleCnt="28"/>
-      <dgm:spPr/>
+      <dgm:prSet presAssocID="{73A3414D-1E2D-4D1C-BCF8-30ED36519BA9}" presName="rootConnector" presStyleLbl="node4" presStyleIdx="24" presStyleCnt="31"/>
+      <dgm:spPr/>
+      <dgm:t>
+        <a:bodyPr/>
+        <a:lstStyle/>
+        <a:p>
+          <a:endParaRPr lang="en-US"/>
+        </a:p>
+      </dgm:t>
     </dgm:pt>
     <dgm:pt modelId="{FF8D86B6-37D5-47C6-AC3E-5CD9BFBF042F}" type="pres">
       <dgm:prSet presAssocID="{73A3414D-1E2D-4D1C-BCF8-30ED36519BA9}" presName="hierChild4" presStyleCnt="0"/>
@@ -3476,8 +4409,15 @@
       <dgm:spPr/>
     </dgm:pt>
     <dgm:pt modelId="{52A7C32B-B66B-420B-94ED-F9DA2074C39B}" type="pres">
-      <dgm:prSet presAssocID="{05FD8816-D790-42DE-9378-4FB60E831768}" presName="Name64" presStyleLbl="parChTrans1D4" presStyleIdx="22" presStyleCnt="28"/>
-      <dgm:spPr/>
+      <dgm:prSet presAssocID="{05FD8816-D790-42DE-9378-4FB60E831768}" presName="Name64" presStyleLbl="parChTrans1D4" presStyleIdx="25" presStyleCnt="31"/>
+      <dgm:spPr/>
+      <dgm:t>
+        <a:bodyPr/>
+        <a:lstStyle/>
+        <a:p>
+          <a:endParaRPr lang="en-US"/>
+        </a:p>
+      </dgm:t>
     </dgm:pt>
     <dgm:pt modelId="{BCE39FC4-0DF2-4EAE-BCD0-0C24E2F91197}" type="pres">
       <dgm:prSet presAssocID="{3EF700D5-25E4-44CE-80D3-4711AE5F4DC4}" presName="hierRoot2" presStyleCnt="0">
@@ -3492,24 +4432,45 @@
       <dgm:spPr/>
     </dgm:pt>
     <dgm:pt modelId="{8103AEBB-C07A-4163-A2C1-E43FC07B1DEA}" type="pres">
-      <dgm:prSet presAssocID="{3EF700D5-25E4-44CE-80D3-4711AE5F4DC4}" presName="rootText" presStyleLbl="node4" presStyleIdx="22" presStyleCnt="28">
+      <dgm:prSet presAssocID="{3EF700D5-25E4-44CE-80D3-4711AE5F4DC4}" presName="rootText" presStyleLbl="node4" presStyleIdx="25" presStyleCnt="31">
         <dgm:presLayoutVars>
           <dgm:chPref val="3"/>
         </dgm:presLayoutVars>
       </dgm:prSet>
       <dgm:spPr/>
+      <dgm:t>
+        <a:bodyPr/>
+        <a:lstStyle/>
+        <a:p>
+          <a:endParaRPr lang="en-US"/>
+        </a:p>
+      </dgm:t>
     </dgm:pt>
     <dgm:pt modelId="{9A83AA1F-3B18-4AA4-8E88-18F0D33F2379}" type="pres">
-      <dgm:prSet presAssocID="{3EF700D5-25E4-44CE-80D3-4711AE5F4DC4}" presName="rootConnector" presStyleLbl="node4" presStyleIdx="22" presStyleCnt="28"/>
-      <dgm:spPr/>
+      <dgm:prSet presAssocID="{3EF700D5-25E4-44CE-80D3-4711AE5F4DC4}" presName="rootConnector" presStyleLbl="node4" presStyleIdx="25" presStyleCnt="31"/>
+      <dgm:spPr/>
+      <dgm:t>
+        <a:bodyPr/>
+        <a:lstStyle/>
+        <a:p>
+          <a:endParaRPr lang="en-US"/>
+        </a:p>
+      </dgm:t>
     </dgm:pt>
     <dgm:pt modelId="{38FCF79B-23CF-4819-B09B-3A701A60AF6C}" type="pres">
       <dgm:prSet presAssocID="{3EF700D5-25E4-44CE-80D3-4711AE5F4DC4}" presName="hierChild4" presStyleCnt="0"/>
       <dgm:spPr/>
     </dgm:pt>
     <dgm:pt modelId="{1D3C47ED-0E0C-4ECE-B88D-5C3573776B33}" type="pres">
-      <dgm:prSet presAssocID="{1CA8724C-7011-43FD-85FD-66D8BA8E075A}" presName="Name64" presStyleLbl="parChTrans1D4" presStyleIdx="23" presStyleCnt="28"/>
-      <dgm:spPr/>
+      <dgm:prSet presAssocID="{1CA8724C-7011-43FD-85FD-66D8BA8E075A}" presName="Name64" presStyleLbl="parChTrans1D4" presStyleIdx="26" presStyleCnt="31"/>
+      <dgm:spPr/>
+      <dgm:t>
+        <a:bodyPr/>
+        <a:lstStyle/>
+        <a:p>
+          <a:endParaRPr lang="en-US"/>
+        </a:p>
+      </dgm:t>
     </dgm:pt>
     <dgm:pt modelId="{D096495F-68A1-456D-A58B-35AB2D85690B}" type="pres">
       <dgm:prSet presAssocID="{D9542883-6D50-4310-A798-EE96ECD1D170}" presName="hierRoot2" presStyleCnt="0">
@@ -3524,16 +4485,30 @@
       <dgm:spPr/>
     </dgm:pt>
     <dgm:pt modelId="{0361A75A-C6D9-4702-83E6-2F2D57F3C8AD}" type="pres">
-      <dgm:prSet presAssocID="{D9542883-6D50-4310-A798-EE96ECD1D170}" presName="rootText" presStyleLbl="node4" presStyleIdx="23" presStyleCnt="28">
+      <dgm:prSet presAssocID="{D9542883-6D50-4310-A798-EE96ECD1D170}" presName="rootText" presStyleLbl="node4" presStyleIdx="26" presStyleCnt="31">
         <dgm:presLayoutVars>
           <dgm:chPref val="3"/>
         </dgm:presLayoutVars>
       </dgm:prSet>
       <dgm:spPr/>
+      <dgm:t>
+        <a:bodyPr/>
+        <a:lstStyle/>
+        <a:p>
+          <a:endParaRPr lang="en-US"/>
+        </a:p>
+      </dgm:t>
     </dgm:pt>
     <dgm:pt modelId="{B9056D79-D086-4886-A4B9-6F20CB50A2E5}" type="pres">
-      <dgm:prSet presAssocID="{D9542883-6D50-4310-A798-EE96ECD1D170}" presName="rootConnector" presStyleLbl="node4" presStyleIdx="23" presStyleCnt="28"/>
-      <dgm:spPr/>
+      <dgm:prSet presAssocID="{D9542883-6D50-4310-A798-EE96ECD1D170}" presName="rootConnector" presStyleLbl="node4" presStyleIdx="26" presStyleCnt="31"/>
+      <dgm:spPr/>
+      <dgm:t>
+        <a:bodyPr/>
+        <a:lstStyle/>
+        <a:p>
+          <a:endParaRPr lang="en-US"/>
+        </a:p>
+      </dgm:t>
     </dgm:pt>
     <dgm:pt modelId="{C586F64F-1970-4FFF-A781-DDB0566F3F40}" type="pres">
       <dgm:prSet presAssocID="{D9542883-6D50-4310-A798-EE96ECD1D170}" presName="hierChild4" presStyleCnt="0"/>
@@ -3544,8 +4519,15 @@
       <dgm:spPr/>
     </dgm:pt>
     <dgm:pt modelId="{1BBF707A-CB1F-4C85-A60B-43567E74AAA3}" type="pres">
-      <dgm:prSet presAssocID="{EA634B58-FC76-4C63-8B52-9C0D0EA2D728}" presName="Name64" presStyleLbl="parChTrans1D4" presStyleIdx="24" presStyleCnt="28"/>
-      <dgm:spPr/>
+      <dgm:prSet presAssocID="{EA634B58-FC76-4C63-8B52-9C0D0EA2D728}" presName="Name64" presStyleLbl="parChTrans1D4" presStyleIdx="27" presStyleCnt="31"/>
+      <dgm:spPr/>
+      <dgm:t>
+        <a:bodyPr/>
+        <a:lstStyle/>
+        <a:p>
+          <a:endParaRPr lang="en-US"/>
+        </a:p>
+      </dgm:t>
     </dgm:pt>
     <dgm:pt modelId="{918C9256-5F2D-4B2C-9249-8D6FFCC167E4}" type="pres">
       <dgm:prSet presAssocID="{5802BD5D-770E-4E8D-9998-4C9E9A022B7D}" presName="hierRoot2" presStyleCnt="0">
@@ -3560,16 +4542,30 @@
       <dgm:spPr/>
     </dgm:pt>
     <dgm:pt modelId="{CC495A31-DC71-4FE0-8C9F-7C819112AA9B}" type="pres">
-      <dgm:prSet presAssocID="{5802BD5D-770E-4E8D-9998-4C9E9A022B7D}" presName="rootText" presStyleLbl="node4" presStyleIdx="24" presStyleCnt="28">
+      <dgm:prSet presAssocID="{5802BD5D-770E-4E8D-9998-4C9E9A022B7D}" presName="rootText" presStyleLbl="node4" presStyleIdx="27" presStyleCnt="31">
         <dgm:presLayoutVars>
           <dgm:chPref val="3"/>
         </dgm:presLayoutVars>
       </dgm:prSet>
       <dgm:spPr/>
+      <dgm:t>
+        <a:bodyPr/>
+        <a:lstStyle/>
+        <a:p>
+          <a:endParaRPr lang="en-US"/>
+        </a:p>
+      </dgm:t>
     </dgm:pt>
     <dgm:pt modelId="{F0A8C115-A97A-4495-89C5-94067165C4AA}" type="pres">
-      <dgm:prSet presAssocID="{5802BD5D-770E-4E8D-9998-4C9E9A022B7D}" presName="rootConnector" presStyleLbl="node4" presStyleIdx="24" presStyleCnt="28"/>
-      <dgm:spPr/>
+      <dgm:prSet presAssocID="{5802BD5D-770E-4E8D-9998-4C9E9A022B7D}" presName="rootConnector" presStyleLbl="node4" presStyleIdx="27" presStyleCnt="31"/>
+      <dgm:spPr/>
+      <dgm:t>
+        <a:bodyPr/>
+        <a:lstStyle/>
+        <a:p>
+          <a:endParaRPr lang="en-US"/>
+        </a:p>
+      </dgm:t>
     </dgm:pt>
     <dgm:pt modelId="{7A2C31E5-6F2E-4BE4-86D7-C09E1075957F}" type="pres">
       <dgm:prSet presAssocID="{5802BD5D-770E-4E8D-9998-4C9E9A022B7D}" presName="hierChild4" presStyleCnt="0"/>
@@ -3580,8 +4576,15 @@
       <dgm:spPr/>
     </dgm:pt>
     <dgm:pt modelId="{9F851AA1-951E-4CC8-ADA1-805E57872B0B}" type="pres">
-      <dgm:prSet presAssocID="{DF682FBF-1F42-4642-A9BB-1C073A60DC82}" presName="Name64" presStyleLbl="parChTrans1D4" presStyleIdx="25" presStyleCnt="28"/>
-      <dgm:spPr/>
+      <dgm:prSet presAssocID="{DF682FBF-1F42-4642-A9BB-1C073A60DC82}" presName="Name64" presStyleLbl="parChTrans1D4" presStyleIdx="28" presStyleCnt="31"/>
+      <dgm:spPr/>
+      <dgm:t>
+        <a:bodyPr/>
+        <a:lstStyle/>
+        <a:p>
+          <a:endParaRPr lang="en-US"/>
+        </a:p>
+      </dgm:t>
     </dgm:pt>
     <dgm:pt modelId="{BE9C7058-9B8F-4EAF-9275-3109B475CBD2}" type="pres">
       <dgm:prSet presAssocID="{728D8AAE-C569-4DD1-8177-0025F7C97B80}" presName="hierRoot2" presStyleCnt="0">
@@ -3596,16 +4599,30 @@
       <dgm:spPr/>
     </dgm:pt>
     <dgm:pt modelId="{29CDDB1C-E7E9-4286-A8DE-4050011395CC}" type="pres">
-      <dgm:prSet presAssocID="{728D8AAE-C569-4DD1-8177-0025F7C97B80}" presName="rootText" presStyleLbl="node4" presStyleIdx="25" presStyleCnt="28">
+      <dgm:prSet presAssocID="{728D8AAE-C569-4DD1-8177-0025F7C97B80}" presName="rootText" presStyleLbl="node4" presStyleIdx="28" presStyleCnt="31">
         <dgm:presLayoutVars>
           <dgm:chPref val="3"/>
         </dgm:presLayoutVars>
       </dgm:prSet>
       <dgm:spPr/>
+      <dgm:t>
+        <a:bodyPr/>
+        <a:lstStyle/>
+        <a:p>
+          <a:endParaRPr lang="en-US"/>
+        </a:p>
+      </dgm:t>
     </dgm:pt>
     <dgm:pt modelId="{B17B88C9-AC2A-458C-B484-BC3045D11AF8}" type="pres">
-      <dgm:prSet presAssocID="{728D8AAE-C569-4DD1-8177-0025F7C97B80}" presName="rootConnector" presStyleLbl="node4" presStyleIdx="25" presStyleCnt="28"/>
-      <dgm:spPr/>
+      <dgm:prSet presAssocID="{728D8AAE-C569-4DD1-8177-0025F7C97B80}" presName="rootConnector" presStyleLbl="node4" presStyleIdx="28" presStyleCnt="31"/>
+      <dgm:spPr/>
+      <dgm:t>
+        <a:bodyPr/>
+        <a:lstStyle/>
+        <a:p>
+          <a:endParaRPr lang="en-US"/>
+        </a:p>
+      </dgm:t>
     </dgm:pt>
     <dgm:pt modelId="{4F23BF76-3BDD-4CE0-B44C-6CEE9583F385}" type="pres">
       <dgm:prSet presAssocID="{728D8AAE-C569-4DD1-8177-0025F7C97B80}" presName="hierChild4" presStyleCnt="0"/>
@@ -3628,8 +4645,15 @@
       <dgm:spPr/>
     </dgm:pt>
     <dgm:pt modelId="{1E71000E-0FDF-4F53-9DA9-A22DFCDBC5E1}" type="pres">
-      <dgm:prSet presAssocID="{2B1D28F4-E944-406A-93C5-38EC43029839}" presName="Name64" presStyleLbl="parChTrans1D4" presStyleIdx="26" presStyleCnt="28"/>
-      <dgm:spPr/>
+      <dgm:prSet presAssocID="{2B1D28F4-E944-406A-93C5-38EC43029839}" presName="Name64" presStyleLbl="parChTrans1D4" presStyleIdx="29" presStyleCnt="31"/>
+      <dgm:spPr/>
+      <dgm:t>
+        <a:bodyPr/>
+        <a:lstStyle/>
+        <a:p>
+          <a:endParaRPr lang="en-US"/>
+        </a:p>
+      </dgm:t>
     </dgm:pt>
     <dgm:pt modelId="{FF799924-D54C-4F0E-AC4D-AFABCDF5389C}" type="pres">
       <dgm:prSet presAssocID="{F36960F5-3AEE-415A-B940-D7FAC1ECD2F3}" presName="hierRoot2" presStyleCnt="0">
@@ -3644,16 +4668,30 @@
       <dgm:spPr/>
     </dgm:pt>
     <dgm:pt modelId="{E9865A3A-0094-45BB-A131-B43C4C440157}" type="pres">
-      <dgm:prSet presAssocID="{F36960F5-3AEE-415A-B940-D7FAC1ECD2F3}" presName="rootText" presStyleLbl="node4" presStyleIdx="26" presStyleCnt="28">
+      <dgm:prSet presAssocID="{F36960F5-3AEE-415A-B940-D7FAC1ECD2F3}" presName="rootText" presStyleLbl="node4" presStyleIdx="29" presStyleCnt="31">
         <dgm:presLayoutVars>
           <dgm:chPref val="3"/>
         </dgm:presLayoutVars>
       </dgm:prSet>
       <dgm:spPr/>
+      <dgm:t>
+        <a:bodyPr/>
+        <a:lstStyle/>
+        <a:p>
+          <a:endParaRPr lang="en-US"/>
+        </a:p>
+      </dgm:t>
     </dgm:pt>
     <dgm:pt modelId="{C186BE7E-EA89-4BD4-B35D-473B8715843F}" type="pres">
-      <dgm:prSet presAssocID="{F36960F5-3AEE-415A-B940-D7FAC1ECD2F3}" presName="rootConnector" presStyleLbl="node4" presStyleIdx="26" presStyleCnt="28"/>
-      <dgm:spPr/>
+      <dgm:prSet presAssocID="{F36960F5-3AEE-415A-B940-D7FAC1ECD2F3}" presName="rootConnector" presStyleLbl="node4" presStyleIdx="29" presStyleCnt="31"/>
+      <dgm:spPr/>
+      <dgm:t>
+        <a:bodyPr/>
+        <a:lstStyle/>
+        <a:p>
+          <a:endParaRPr lang="en-US"/>
+        </a:p>
+      </dgm:t>
     </dgm:pt>
     <dgm:pt modelId="{7504CA7D-F091-4D93-B647-078BF9313027}" type="pres">
       <dgm:prSet presAssocID="{F36960F5-3AEE-415A-B940-D7FAC1ECD2F3}" presName="hierChild4" presStyleCnt="0"/>
@@ -3664,8 +4702,15 @@
       <dgm:spPr/>
     </dgm:pt>
     <dgm:pt modelId="{3AC9A39D-D756-4D02-87DA-FC99E61710E2}" type="pres">
-      <dgm:prSet presAssocID="{F4B83DC5-C5BB-4395-851F-0ECE7018F7F2}" presName="Name64" presStyleLbl="parChTrans1D4" presStyleIdx="27" presStyleCnt="28"/>
-      <dgm:spPr/>
+      <dgm:prSet presAssocID="{F4B83DC5-C5BB-4395-851F-0ECE7018F7F2}" presName="Name64" presStyleLbl="parChTrans1D4" presStyleIdx="30" presStyleCnt="31"/>
+      <dgm:spPr/>
+      <dgm:t>
+        <a:bodyPr/>
+        <a:lstStyle/>
+        <a:p>
+          <a:endParaRPr lang="en-US"/>
+        </a:p>
+      </dgm:t>
     </dgm:pt>
     <dgm:pt modelId="{EFA516EA-51C5-408D-ABFA-FF52327572F3}" type="pres">
       <dgm:prSet presAssocID="{8EC725FB-963C-4D1E-9617-A90C6E87B24D}" presName="hierRoot2" presStyleCnt="0">
@@ -3680,16 +4725,30 @@
       <dgm:spPr/>
     </dgm:pt>
     <dgm:pt modelId="{722EE2AB-E8D7-4F6E-B1F9-F03687DC37CB}" type="pres">
-      <dgm:prSet presAssocID="{8EC725FB-963C-4D1E-9617-A90C6E87B24D}" presName="rootText" presStyleLbl="node4" presStyleIdx="27" presStyleCnt="28">
+      <dgm:prSet presAssocID="{8EC725FB-963C-4D1E-9617-A90C6E87B24D}" presName="rootText" presStyleLbl="node4" presStyleIdx="30" presStyleCnt="31">
         <dgm:presLayoutVars>
           <dgm:chPref val="3"/>
         </dgm:presLayoutVars>
       </dgm:prSet>
       <dgm:spPr/>
+      <dgm:t>
+        <a:bodyPr/>
+        <a:lstStyle/>
+        <a:p>
+          <a:endParaRPr lang="en-US"/>
+        </a:p>
+      </dgm:t>
     </dgm:pt>
     <dgm:pt modelId="{ABA353C8-B1DE-4399-81E3-6452DE8ECF70}" type="pres">
-      <dgm:prSet presAssocID="{8EC725FB-963C-4D1E-9617-A90C6E87B24D}" presName="rootConnector" presStyleLbl="node4" presStyleIdx="27" presStyleCnt="28"/>
-      <dgm:spPr/>
+      <dgm:prSet presAssocID="{8EC725FB-963C-4D1E-9617-A90C6E87B24D}" presName="rootConnector" presStyleLbl="node4" presStyleIdx="30" presStyleCnt="31"/>
+      <dgm:spPr/>
+      <dgm:t>
+        <a:bodyPr/>
+        <a:lstStyle/>
+        <a:p>
+          <a:endParaRPr lang="en-US"/>
+        </a:p>
+      </dgm:t>
     </dgm:pt>
     <dgm:pt modelId="{E63A1CEB-A60A-453B-9698-778E342DFAEE}" type="pres">
       <dgm:prSet presAssocID="{8EC725FB-963C-4D1E-9617-A90C6E87B24D}" presName="hierChild4" presStyleCnt="0"/>
@@ -3713,158 +4772,170 @@
     </dgm:pt>
   </dgm:ptLst>
   <dgm:cxnLst>
+    <dgm:cxn modelId="{31ED5000-9B21-4F21-A20F-EEEF8A4C052B}" type="presOf" srcId="{CAD89E09-8EE5-4A0A-AD2F-9EFE5ECBD847}" destId="{FF9E96B1-5A7C-4F67-BEA0-5B7F3F3BE427}" srcOrd="0" destOrd="0" presId="urn:microsoft.com/office/officeart/2009/3/layout/HorizontalOrganizationChart"/>
+    <dgm:cxn modelId="{3F055314-1FA9-4143-BB0B-262577AF04D5}" type="presOf" srcId="{D9542883-6D50-4310-A798-EE96ECD1D170}" destId="{B9056D79-D086-4886-A4B9-6F20CB50A2E5}" srcOrd="1" destOrd="0" presId="urn:microsoft.com/office/officeart/2009/3/layout/HorizontalOrganizationChart"/>
+    <dgm:cxn modelId="{328FC83F-8FAC-4D6F-8A16-387C510E9C30}" srcId="{3EF700D5-25E4-44CE-80D3-4711AE5F4DC4}" destId="{728D8AAE-C569-4DD1-8177-0025F7C97B80}" srcOrd="2" destOrd="0" parTransId="{DF682FBF-1F42-4642-A9BB-1C073A60DC82}" sibTransId="{41B8A5F1-99F2-4FD6-BAA8-089084748377}"/>
+    <dgm:cxn modelId="{61E74200-727E-4AB4-8559-4DA05495D770}" srcId="{1DE97DD3-D731-4FD2-B4B5-65CFE2BAB3E4}" destId="{7F28A717-E53E-4902-AEFC-AC3BB915C715}" srcOrd="1" destOrd="0" parTransId="{3CF64D1F-FBE7-45DE-827C-A38DCA51519E}" sibTransId="{59A0FCF8-CCB3-4ABA-A27A-0ACF5740A6C6}"/>
+    <dgm:cxn modelId="{BEC490F5-2242-44BA-90A5-B6195FF3CD94}" srcId="{5A4EB3B9-72FC-4A8C-8904-B15A939FF163}" destId="{CDC8CB8D-2F6D-4F29-9A2E-9EF932CCA58C}" srcOrd="0" destOrd="0" parTransId="{962D5D3C-B884-420C-A6CF-1A49DDDD636B}" sibTransId="{02BB0787-EC78-41DA-ADC8-CF0C9BD7E28A}"/>
+    <dgm:cxn modelId="{7133F40A-9351-45A4-93C2-DC9DED45D27B}" type="presOf" srcId="{83F0FFD6-E1D0-4C7B-8BAA-48FFE2E9BEF3}" destId="{B7A51AEC-2AEA-4ED7-A2F1-5577E114EC4C}" srcOrd="0" destOrd="0" presId="urn:microsoft.com/office/officeart/2009/3/layout/HorizontalOrganizationChart"/>
+    <dgm:cxn modelId="{FEB351E7-A78F-4CE0-939A-52732C3C5941}" type="presOf" srcId="{69EECADE-BBBC-496E-969F-BE83E1648D81}" destId="{EE96291E-0D7D-44AE-BA5D-19A060835207}" srcOrd="0" destOrd="0" presId="urn:microsoft.com/office/officeart/2009/3/layout/HorizontalOrganizationChart"/>
+    <dgm:cxn modelId="{ACFFD512-21F0-4483-B584-12996ACC995D}" srcId="{154AE182-EA44-4588-BEC5-833BA0B62657}" destId="{D9A4BA73-A22A-478B-B8E3-409C8720D788}" srcOrd="0" destOrd="0" parTransId="{DF31F1EF-FB05-4D73-BE73-7BACE4019D56}" sibTransId="{5D339CC4-4303-46C4-9665-29E21E54F834}"/>
+    <dgm:cxn modelId="{28CA56F4-2266-4361-BD08-6F3C5143B313}" type="presOf" srcId="{1D5CBDD9-4DA3-46C3-A05E-4B2F1ED96C55}" destId="{432AB22B-E4E7-4D74-8FBB-7C601FFC2033}" srcOrd="0" destOrd="0" presId="urn:microsoft.com/office/officeart/2009/3/layout/HorizontalOrganizationChart"/>
+    <dgm:cxn modelId="{FA23A3B4-EB25-4DE3-86B0-7AA17DCF7935}" type="presOf" srcId="{73A3414D-1E2D-4D1C-BCF8-30ED36519BA9}" destId="{A00D14BA-D2A5-4C30-AC29-CDFF1DC9AE80}" srcOrd="0" destOrd="0" presId="urn:microsoft.com/office/officeart/2009/3/layout/HorizontalOrganizationChart"/>
+    <dgm:cxn modelId="{010B9216-8DD0-49A6-83DF-0AA54061DFA6}" type="presOf" srcId="{DAA4A38E-2FE5-4D70-A34B-7BA93F490450}" destId="{90180D28-A63F-4EE9-8FD4-F78B964A87BF}" srcOrd="1" destOrd="0" presId="urn:microsoft.com/office/officeart/2009/3/layout/HorizontalOrganizationChart"/>
+    <dgm:cxn modelId="{703BA24E-F206-43BD-AD7B-DEDB77F4B102}" type="presOf" srcId="{D9A4BA73-A22A-478B-B8E3-409C8720D788}" destId="{5DA55C99-7957-4B6D-8488-30F7087B14A0}" srcOrd="0" destOrd="0" presId="urn:microsoft.com/office/officeart/2009/3/layout/HorizontalOrganizationChart"/>
     <dgm:cxn modelId="{0D65153C-DC41-4BEE-8ECD-D3CBA3D792B7}" type="presOf" srcId="{0E69900A-F490-49C7-AAAF-638D5E566FC6}" destId="{3B0EC5BA-F984-4C77-BD56-F47B124D6925}" srcOrd="1" destOrd="0" presId="urn:microsoft.com/office/officeart/2009/3/layout/HorizontalOrganizationChart"/>
+    <dgm:cxn modelId="{650DEDE8-F56C-48BE-B871-ED2CCA1CF801}" type="presOf" srcId="{DF682FBF-1F42-4642-A9BB-1C073A60DC82}" destId="{9F851AA1-951E-4CC8-ADA1-805E57872B0B}" srcOrd="0" destOrd="0" presId="urn:microsoft.com/office/officeart/2009/3/layout/HorizontalOrganizationChart"/>
+    <dgm:cxn modelId="{43C032D2-470D-42CE-A226-6E52AE9F8A60}" type="presOf" srcId="{FDDA2F9C-1EC2-4803-B4BD-F2ED58E344CC}" destId="{25AFB06D-2B42-4B09-B16E-4CA880D4D752}" srcOrd="1" destOrd="0" presId="urn:microsoft.com/office/officeart/2009/3/layout/HorizontalOrganizationChart"/>
+    <dgm:cxn modelId="{9C6FE5DF-D768-402A-86FE-01F418AB6252}" type="presOf" srcId="{20E6E329-1A83-450F-860A-57FA1D355B72}" destId="{29537ABE-1AF6-4B89-8967-57CB21D9C16C}" srcOrd="0" destOrd="0" presId="urn:microsoft.com/office/officeart/2009/3/layout/HorizontalOrganizationChart"/>
+    <dgm:cxn modelId="{45DC1075-8005-4B07-8E62-6D3F0EB48947}" type="presOf" srcId="{DAA4A38E-2FE5-4D70-A34B-7BA93F490450}" destId="{3F94B6E2-CAC1-4C92-8B76-03A8D16F3199}" srcOrd="0" destOrd="0" presId="urn:microsoft.com/office/officeart/2009/3/layout/HorizontalOrganizationChart"/>
+    <dgm:cxn modelId="{7E61E91C-4163-4A4D-B228-C34F8A680E51}" type="presOf" srcId="{5802BD5D-770E-4E8D-9998-4C9E9A022B7D}" destId="{F0A8C115-A97A-4495-89C5-94067165C4AA}" srcOrd="1" destOrd="0" presId="urn:microsoft.com/office/officeart/2009/3/layout/HorizontalOrganizationChart"/>
+    <dgm:cxn modelId="{0BD1021F-DE5C-4692-B563-63BFEFAC02BC}" type="presOf" srcId="{7F28A717-E53E-4902-AEFC-AC3BB915C715}" destId="{A041A89E-B022-4BF6-B32B-749BB764EC4A}" srcOrd="1" destOrd="0" presId="urn:microsoft.com/office/officeart/2009/3/layout/HorizontalOrganizationChart"/>
+    <dgm:cxn modelId="{4AE2AA40-D35A-44AA-BFB3-7C5F2F0FC06F}" srcId="{2727E88E-744E-4201-AD9F-B6E177540074}" destId="{23B04188-5B67-4BB9-8A60-CDD9E9D7D705}" srcOrd="1" destOrd="0" parTransId="{3447CD4A-6DF2-4E91-86FC-86AC50FCD0F3}" sibTransId="{5444727C-2FC1-4DB3-B55F-CB8FC2DB062D}"/>
+    <dgm:cxn modelId="{D5C81FBC-12DA-4145-BC88-BE663909CF50}" type="presOf" srcId="{340A3955-AE07-44F2-89BE-0679CF9D78BE}" destId="{C89CDFFA-B4BD-40F1-9E74-F7827D56A3C8}" srcOrd="0" destOrd="0" presId="urn:microsoft.com/office/officeart/2009/3/layout/HorizontalOrganizationChart"/>
+    <dgm:cxn modelId="{72D9B0B5-D096-41E1-9C9C-23BCA05CE095}" type="presOf" srcId="{0A1842D5-F06A-4B7D-9BA0-64DED0EDC33B}" destId="{700BB637-39C3-447D-8B13-34C5ED3CA86C}" srcOrd="1" destOrd="0" presId="urn:microsoft.com/office/officeart/2009/3/layout/HorizontalOrganizationChart"/>
+    <dgm:cxn modelId="{8AFC31F2-776A-4A05-9BEA-B001DD5A6A46}" type="presOf" srcId="{5802BD5D-770E-4E8D-9998-4C9E9A022B7D}" destId="{CC495A31-DC71-4FE0-8C9F-7C819112AA9B}" srcOrd="0" destOrd="0" presId="urn:microsoft.com/office/officeart/2009/3/layout/HorizontalOrganizationChart"/>
+    <dgm:cxn modelId="{A85D5C66-0EF1-4651-90EE-6E8BA8535242}" srcId="{95E92A9E-5634-4047-95A3-B25786525116}" destId="{0A1842D5-F06A-4B7D-9BA0-64DED0EDC33B}" srcOrd="0" destOrd="0" parTransId="{B1D80150-1671-4B02-A5C2-B0B5BD6D1E06}" sibTransId="{BBB888CC-79FC-4A48-990E-EDF40DD778BA}"/>
+    <dgm:cxn modelId="{5CAE9935-63D7-4FA5-B182-DF7E22B23CA1}" srcId="{DAA4A38E-2FE5-4D70-A34B-7BA93F490450}" destId="{65779BB9-F557-440E-BAE1-DC80B05AC063}" srcOrd="1" destOrd="0" parTransId="{DFF9BA56-4846-4E90-8684-544253093FA3}" sibTransId="{828A2846-2582-4907-9DF4-B0355C2708F4}"/>
+    <dgm:cxn modelId="{CB237E5C-D4F3-48F2-84D7-5C3C2300FE70}" type="presOf" srcId="{683A1864-46F8-47ED-8B3D-CDCE9B653E2E}" destId="{244122AB-C47F-4E50-A475-58BC3A340813}" srcOrd="0" destOrd="0" presId="urn:microsoft.com/office/officeart/2009/3/layout/HorizontalOrganizationChart"/>
+    <dgm:cxn modelId="{3B2E4E68-A712-4095-9CD3-923E13EE4F93}" type="presOf" srcId="{DEBEE854-2033-4F0A-9167-F6C4D529E60D}" destId="{B284BF26-649C-4541-B45B-183EFBF8B21D}" srcOrd="1" destOrd="0" presId="urn:microsoft.com/office/officeart/2009/3/layout/HorizontalOrganizationChart"/>
+    <dgm:cxn modelId="{B8CF334C-F4A4-46F3-B3DF-D48762662BEF}" type="presOf" srcId="{E0C30AB5-085E-404F-93DE-5B75ABA7AA23}" destId="{6658318E-BC26-44F0-809B-E3403B390C9F}" srcOrd="0" destOrd="0" presId="urn:microsoft.com/office/officeart/2009/3/layout/HorizontalOrganizationChart"/>
+    <dgm:cxn modelId="{D61BA534-FDC9-42A0-AD04-24835266BC24}" type="presOf" srcId="{4E47AF21-4D04-4EC2-8510-9D9E72D30281}" destId="{9CAAB6B5-711C-4F1D-8D2E-045ED2F6358D}" srcOrd="0" destOrd="0" presId="urn:microsoft.com/office/officeart/2009/3/layout/HorizontalOrganizationChart"/>
+    <dgm:cxn modelId="{FA50CBE5-1D6D-4C84-AB9C-284E9D0453FF}" type="presOf" srcId="{6B76E167-3110-4BC5-A3D7-E4406D4A9E85}" destId="{BCF63271-6A27-490B-B0B9-4B0E83B390AB}" srcOrd="1" destOrd="0" presId="urn:microsoft.com/office/officeart/2009/3/layout/HorizontalOrganizationChart"/>
+    <dgm:cxn modelId="{671D4F85-2F54-47CA-A0B8-64B09B1E5C05}" type="presOf" srcId="{A0421A88-7D47-4481-812E-536A1D4A8CE1}" destId="{2DD8824D-5463-4206-93A1-C294CC9FBBD5}" srcOrd="0" destOrd="0" presId="urn:microsoft.com/office/officeart/2009/3/layout/HorizontalOrganizationChart"/>
+    <dgm:cxn modelId="{AE55F31B-71C3-4ADA-93B0-5F74E0ADD74A}" srcId="{5BAF864A-1259-4C10-81C0-19376C49EB8A}" destId="{2727E88E-744E-4201-AD9F-B6E177540074}" srcOrd="0" destOrd="0" parTransId="{ABE86617-5B92-40E2-8511-488EA1C4D75F}" sibTransId="{C64610CE-6C05-4E68-9AD9-37E07A03BC5F}"/>
+    <dgm:cxn modelId="{EC608849-8D75-43E9-B4DB-B85B2418A594}" type="presOf" srcId="{88E5C0D4-DC0E-4794-BD4D-C53495160752}" destId="{86DF7669-C6B0-4342-8627-66FB34C0597D}" srcOrd="0" destOrd="0" presId="urn:microsoft.com/office/officeart/2009/3/layout/HorizontalOrganizationChart"/>
+    <dgm:cxn modelId="{D5BBF652-5565-41CD-AEC2-B7F7CF890037}" type="presOf" srcId="{050179E8-5116-4333-8E15-67A1A02BEE65}" destId="{2DD0F28A-C3E8-4AC2-B2C7-D422B790DF6F}" srcOrd="1" destOrd="0" presId="urn:microsoft.com/office/officeart/2009/3/layout/HorizontalOrganizationChart"/>
+    <dgm:cxn modelId="{74126AB4-ED82-4ABC-8E0D-494C008B7160}" type="presOf" srcId="{3EF700D5-25E4-44CE-80D3-4711AE5F4DC4}" destId="{9A83AA1F-3B18-4AA4-8E88-18F0D33F2379}" srcOrd="1" destOrd="0" presId="urn:microsoft.com/office/officeart/2009/3/layout/HorizontalOrganizationChart"/>
+    <dgm:cxn modelId="{6EC6E7B7-276C-4487-B000-09EF13F279F3}" type="presOf" srcId="{CDC8CB8D-2F6D-4F29-9A2E-9EF932CCA58C}" destId="{F25DBF8B-B53C-4879-A8A3-1FB0CAABC7CE}" srcOrd="1" destOrd="0" presId="urn:microsoft.com/office/officeart/2009/3/layout/HorizontalOrganizationChart"/>
+    <dgm:cxn modelId="{1964A656-F4B3-42D5-89ED-45B9FFC4594C}" srcId="{9782AB34-75E5-4DAD-B0DF-7442009D0A30}" destId="{1F18D17D-60D9-4DE2-BBB6-03613B3E9956}" srcOrd="1" destOrd="0" parTransId="{2896A8A0-456F-4AD4-B642-34BB5E63603E}" sibTransId="{E5EE74D7-B8D7-4F29-ACD8-CCFDF490CBEC}"/>
+    <dgm:cxn modelId="{14FC2ACF-CA54-4D38-88EB-21AF48E4D65B}" srcId="{5A4EB3B9-72FC-4A8C-8904-B15A939FF163}" destId="{95E92A9E-5634-4047-95A3-B25786525116}" srcOrd="1" destOrd="0" parTransId="{67AE0F58-AA43-4422-96C9-F8D3DEB031B9}" sibTransId="{764E8C30-9BBD-4CC6-9E3A-4CA9782C0148}"/>
+    <dgm:cxn modelId="{B2375AFF-8735-4B8E-B465-6DE01C58E67E}" type="presOf" srcId="{ABE86617-5B92-40E2-8511-488EA1C4D75F}" destId="{D15BDCE5-34F6-4C64-A768-D933E30D9E44}" srcOrd="0" destOrd="0" presId="urn:microsoft.com/office/officeart/2009/3/layout/HorizontalOrganizationChart"/>
     <dgm:cxn modelId="{B603D3E4-A5F9-40B5-992C-FFEB80041C4C}" type="presOf" srcId="{FA9E8AAE-06B8-42FA-99C3-D3F1B7CD5F3F}" destId="{6E0DFEEE-FA4C-46BE-86A2-F52A5E6FDD1E}" srcOrd="0" destOrd="0" presId="urn:microsoft.com/office/officeart/2009/3/layout/HorizontalOrganizationChart"/>
+    <dgm:cxn modelId="{68EEE943-CED8-4D51-9985-8EA3036536B2}" type="presOf" srcId="{DFF9BA56-4846-4E90-8684-544253093FA3}" destId="{8A14BE25-F2F1-4E55-96B9-49AF0280FAA5}" srcOrd="0" destOrd="0" presId="urn:microsoft.com/office/officeart/2009/3/layout/HorizontalOrganizationChart"/>
+    <dgm:cxn modelId="{5F4E793A-0435-4191-AED7-1F2604F37360}" type="presOf" srcId="{2727E88E-744E-4201-AD9F-B6E177540074}" destId="{3C6C1E57-DA86-4341-80B7-92D687F4B9E1}" srcOrd="1" destOrd="0" presId="urn:microsoft.com/office/officeart/2009/3/layout/HorizontalOrganizationChart"/>
+    <dgm:cxn modelId="{B3190208-89E4-4193-AA00-C855BB756C81}" type="presOf" srcId="{FDDA2F9C-1EC2-4803-B4BD-F2ED58E344CC}" destId="{90FD7325-4B60-4098-B8F7-7312F3B72905}" srcOrd="0" destOrd="0" presId="urn:microsoft.com/office/officeart/2009/3/layout/HorizontalOrganizationChart"/>
+    <dgm:cxn modelId="{EFBF251F-67FE-4D99-AFD5-531B9DD33DD0}" srcId="{1DE97DD3-D731-4FD2-B4B5-65CFE2BAB3E4}" destId="{6B76E167-3110-4BC5-A3D7-E4406D4A9E85}" srcOrd="0" destOrd="0" parTransId="{A0421A88-7D47-4481-812E-536A1D4A8CE1}" sibTransId="{48078578-DDB6-4A33-83FD-B3D0878E287C}"/>
+    <dgm:cxn modelId="{7450532E-DDBF-43D2-98FB-C34CDBF7F8E8}" srcId="{016CCFD7-EE1D-4653-8070-FE44E4A75357}" destId="{4E47AF21-4D04-4EC2-8510-9D9E72D30281}" srcOrd="1" destOrd="0" parTransId="{C496B86C-CB2F-44BE-8907-2738B746B183}" sibTransId="{0A403A13-79E0-4B48-B02B-948F479E65D4}"/>
+    <dgm:cxn modelId="{43D6366E-B6D9-4778-BC54-A57C400629FF}" type="presOf" srcId="{728D8AAE-C569-4DD1-8177-0025F7C97B80}" destId="{29CDDB1C-E7E9-4286-A8DE-4050011395CC}" srcOrd="0" destOrd="0" presId="urn:microsoft.com/office/officeart/2009/3/layout/HorizontalOrganizationChart"/>
+    <dgm:cxn modelId="{425AD1BD-1BCF-4D11-907A-146D8BE0C043}" type="presOf" srcId="{23B04188-5B67-4BB9-8A60-CDD9E9D7D705}" destId="{C63CF3BB-94AB-4A78-9B45-D7AA3579AC11}" srcOrd="0" destOrd="0" presId="urn:microsoft.com/office/officeart/2009/3/layout/HorizontalOrganizationChart"/>
+    <dgm:cxn modelId="{303781B2-AD1C-4681-A67B-78BD40DC5215}" type="presOf" srcId="{9782AB34-75E5-4DAD-B0DF-7442009D0A30}" destId="{1FAAE092-431C-4260-B111-457DBC6D5796}" srcOrd="0" destOrd="0" presId="urn:microsoft.com/office/officeart/2009/3/layout/HorizontalOrganizationChart"/>
+    <dgm:cxn modelId="{7F31F436-00B6-46A9-9ACD-826394C186F9}" srcId="{FDDA2F9C-1EC2-4803-B4BD-F2ED58E344CC}" destId="{1DE97DD3-D731-4FD2-B4B5-65CFE2BAB3E4}" srcOrd="0" destOrd="0" parTransId="{EA40D8AE-7E7D-430F-A763-AA54D3341DFA}" sibTransId="{AC3BEDD8-D013-4764-8256-A6FB6FFEF55A}"/>
+    <dgm:cxn modelId="{EA2C2A02-D506-4B34-BC02-6DA8951FB841}" type="presOf" srcId="{761CD822-D85B-4764-AEE2-5C7A35941767}" destId="{3A100798-674D-403B-B1E0-98A8D6555C96}" srcOrd="0" destOrd="0" presId="urn:microsoft.com/office/officeart/2009/3/layout/HorizontalOrganizationChart"/>
+    <dgm:cxn modelId="{6EEC4035-9686-4B99-9AF9-0C49BDD828B8}" type="presOf" srcId="{5A02F2B5-11C7-4A88-BA4C-C045792616C3}" destId="{38B3AA38-B114-4FBD-8B9B-5E1B8B5B0D21}" srcOrd="0" destOrd="0" presId="urn:microsoft.com/office/officeart/2009/3/layout/HorizontalOrganizationChart"/>
+    <dgm:cxn modelId="{06EAD557-A372-4F09-8F45-2DE20D4FC03F}" type="presOf" srcId="{0055C9ED-953D-433A-979F-61A24DC5288D}" destId="{74D87C80-D895-49DE-897C-0EF68850B7F9}" srcOrd="0" destOrd="0" presId="urn:microsoft.com/office/officeart/2009/3/layout/HorizontalOrganizationChart"/>
+    <dgm:cxn modelId="{00BE7C3B-178B-4424-9B29-C2B74D7B2EBA}" srcId="{CDC8CB8D-2F6D-4F29-9A2E-9EF932CCA58C}" destId="{38F5B81C-AFD6-4240-8172-ED07ADBB3458}" srcOrd="1" destOrd="0" parTransId="{7486CC4A-371F-44BB-961E-FC658567B17D}" sibTransId="{F1E07F7A-4E47-4C04-91C3-F25B6AED41C4}"/>
+    <dgm:cxn modelId="{0FAF8AF2-AB7A-476A-84F8-F7490C7C2158}" type="presOf" srcId="{2727E88E-744E-4201-AD9F-B6E177540074}" destId="{550E9EE0-19D0-489D-B695-43CB8B13D45F}" srcOrd="0" destOrd="0" presId="urn:microsoft.com/office/officeart/2009/3/layout/HorizontalOrganizationChart"/>
+    <dgm:cxn modelId="{A78E17F0-EB16-413F-86F0-855B16CC4649}" type="presOf" srcId="{181DB21A-3A63-456B-B30D-0DB82072FD79}" destId="{F032FBFF-8253-4715-9A61-D4EFB30A16F0}" srcOrd="0" destOrd="0" presId="urn:microsoft.com/office/officeart/2009/3/layout/HorizontalOrganizationChart"/>
+    <dgm:cxn modelId="{545EF984-727B-429C-8972-54421DA12F8A}" type="presOf" srcId="{356B4961-C1AC-4701-9D80-187415252939}" destId="{9961A975-9083-49AD-A21D-9C2C1942648F}" srcOrd="0" destOrd="0" presId="urn:microsoft.com/office/officeart/2009/3/layout/HorizontalOrganizationChart"/>
+    <dgm:cxn modelId="{38F5025F-931C-4637-86A2-98B7ECC71C12}" srcId="{0A1842D5-F06A-4B7D-9BA0-64DED0EDC33B}" destId="{20E6E329-1A83-450F-860A-57FA1D355B72}" srcOrd="1" destOrd="0" parTransId="{69EECADE-BBBC-496E-969F-BE83E1648D81}" sibTransId="{1DCEB808-97F6-4064-A1BB-54030A3F54DD}"/>
+    <dgm:cxn modelId="{9BFA3AB0-D339-4094-928E-4F20CDC21E81}" type="presOf" srcId="{92CA00B5-54BE-4085-A6B9-413D76F5AEB5}" destId="{E68B22A0-1626-45D3-8F2A-87B71FEDA138}" srcOrd="0" destOrd="0" presId="urn:microsoft.com/office/officeart/2009/3/layout/HorizontalOrganizationChart"/>
+    <dgm:cxn modelId="{0C77EEF6-DFBC-4B56-8B37-F6FFA6134502}" srcId="{23B04188-5B67-4BB9-8A60-CDD9E9D7D705}" destId="{DEBEE854-2033-4F0A-9167-F6C4D529E60D}" srcOrd="0" destOrd="0" parTransId="{92CA00B5-54BE-4085-A6B9-413D76F5AEB5}" sibTransId="{ADA34E7E-FA9F-4A76-9FF7-93181AAE15B2}"/>
+    <dgm:cxn modelId="{E643F7EB-2417-47DD-9260-D736869F2255}" type="presOf" srcId="{5A4EB3B9-72FC-4A8C-8904-B15A939FF163}" destId="{042C7BE6-1326-45CE-AA00-B81A3FE16479}" srcOrd="1" destOrd="0" presId="urn:microsoft.com/office/officeart/2009/3/layout/HorizontalOrganizationChart"/>
+    <dgm:cxn modelId="{5632097A-1C33-41FA-8D2A-2FF4E2681152}" type="presOf" srcId="{68081D6E-116A-4DC4-AABD-7FB74799BE7C}" destId="{4725B574-D856-488F-9008-039D86BA8A6C}" srcOrd="0" destOrd="0" presId="urn:microsoft.com/office/officeart/2009/3/layout/HorizontalOrganizationChart"/>
+    <dgm:cxn modelId="{3DD748F0-55D1-40B9-8E76-2EB570C62781}" type="presOf" srcId="{04A8D58E-13A5-400B-90A8-D469145C8279}" destId="{AFBA0E28-233E-4B2D-BB7F-A04D4EC362FE}" srcOrd="0" destOrd="0" presId="urn:microsoft.com/office/officeart/2009/3/layout/HorizontalOrganizationChart"/>
+    <dgm:cxn modelId="{7C4204BD-DAD5-4906-80A0-5E5C6A4321B3}" type="presOf" srcId="{D03E09C4-6C63-4E91-B26D-AA2A72FAEE7C}" destId="{F1B498A8-E1DF-4BA9-A45B-57C18F498FE4}" srcOrd="0" destOrd="0" presId="urn:microsoft.com/office/officeart/2009/3/layout/HorizontalOrganizationChart"/>
+    <dgm:cxn modelId="{413814E4-869A-4E9A-AE61-56822C6CB152}" type="presOf" srcId="{EA40D8AE-7E7D-430F-A763-AA54D3341DFA}" destId="{8C47DF9F-34AE-418C-B313-AB87141FF415}" srcOrd="0" destOrd="0" presId="urn:microsoft.com/office/officeart/2009/3/layout/HorizontalOrganizationChart"/>
+    <dgm:cxn modelId="{80E81C8D-DFDB-43E9-B46D-0E19B1579DF2}" type="presOf" srcId="{181020BB-05F4-4525-908B-D1B14E657C73}" destId="{354F4FF5-9E03-471F-80A8-4D58800B70D6}" srcOrd="0" destOrd="0" presId="urn:microsoft.com/office/officeart/2009/3/layout/HorizontalOrganizationChart"/>
+    <dgm:cxn modelId="{09AB4B69-DD08-46C5-8C86-FE769EF2A38F}" type="presOf" srcId="{1DE97DD3-D731-4FD2-B4B5-65CFE2BAB3E4}" destId="{C5229DC7-6C36-4ACF-A188-133E9AA85652}" srcOrd="1" destOrd="0" presId="urn:microsoft.com/office/officeart/2009/3/layout/HorizontalOrganizationChart"/>
+    <dgm:cxn modelId="{231A2AC6-D8FB-4674-9BBF-79D86D7E249A}" type="presOf" srcId="{7FC247F3-2B6E-46E4-985A-A8A8118A68FD}" destId="{0F967127-B30D-448B-9644-7B946C627416}" srcOrd="0" destOrd="0" presId="urn:microsoft.com/office/officeart/2009/3/layout/HorizontalOrganizationChart"/>
+    <dgm:cxn modelId="{EDD9DA9E-2F7F-42AE-A228-31266603E4E4}" type="presOf" srcId="{D9542883-6D50-4310-A798-EE96ECD1D170}" destId="{0361A75A-C6D9-4702-83E6-2F2D57F3C8AD}" srcOrd="0" destOrd="0" presId="urn:microsoft.com/office/officeart/2009/3/layout/HorizontalOrganizationChart"/>
+    <dgm:cxn modelId="{4FDA23DA-2FC7-4CE9-964D-2E7FE252AEB4}" srcId="{68081D6E-116A-4DC4-AABD-7FB74799BE7C}" destId="{9782AB34-75E5-4DAD-B0DF-7442009D0A30}" srcOrd="0" destOrd="0" parTransId="{9CA42190-7F04-4F58-8AF1-706BAD190A16}" sibTransId="{EA6A59C8-D487-46CC-8FC3-A20622AD2D6A}"/>
+    <dgm:cxn modelId="{2D3724A1-2F57-49B6-98E2-F3B1A5363FB5}" type="presOf" srcId="{8EC725FB-963C-4D1E-9617-A90C6E87B24D}" destId="{722EE2AB-E8D7-4F6E-B1F9-F03687DC37CB}" srcOrd="0" destOrd="0" presId="urn:microsoft.com/office/officeart/2009/3/layout/HorizontalOrganizationChart"/>
+    <dgm:cxn modelId="{3FB10735-67AE-49D6-962A-242F3A4C3C95}" srcId="{3EF700D5-25E4-44CE-80D3-4711AE5F4DC4}" destId="{5802BD5D-770E-4E8D-9998-4C9E9A022B7D}" srcOrd="1" destOrd="0" parTransId="{EA634B58-FC76-4C63-8B52-9C0D0EA2D728}" sibTransId="{82E6CF48-E6C3-4D66-A9CC-48BE1360FEF3}"/>
+    <dgm:cxn modelId="{2CD5672C-A205-4855-95F1-B3887A6553FC}" srcId="{DAA4A38E-2FE5-4D70-A34B-7BA93F490450}" destId="{FDDA2F9C-1EC2-4803-B4BD-F2ED58E344CC}" srcOrd="0" destOrd="0" parTransId="{1D5CBDD9-4DA3-46C3-A05E-4B2F1ED96C55}" sibTransId="{A3DAC4F0-15DC-465D-B46D-48D13132CBF2}"/>
+    <dgm:cxn modelId="{2563AA49-D2E0-485D-BE01-CDE01E23438B}" type="presOf" srcId="{3447CD4A-6DF2-4E91-86FC-86AC50FCD0F3}" destId="{A8B4C6FB-F707-4939-8FB3-A43478CFCBEB}" srcOrd="0" destOrd="0" presId="urn:microsoft.com/office/officeart/2009/3/layout/HorizontalOrganizationChart"/>
+    <dgm:cxn modelId="{F4B93ECE-EEDC-44EE-8C53-95F7A144292F}" type="presOf" srcId="{D9A4BA73-A22A-478B-B8E3-409C8720D788}" destId="{4155F606-518B-4639-AFAB-DB72DEFC4299}" srcOrd="1" destOrd="0" presId="urn:microsoft.com/office/officeart/2009/3/layout/HorizontalOrganizationChart"/>
+    <dgm:cxn modelId="{5BAB8363-30E6-4874-B9FE-519850B57DC6}" type="presOf" srcId="{F4B83DC5-C5BB-4395-851F-0ECE7018F7F2}" destId="{3AC9A39D-D756-4D02-87DA-FC99E61710E2}" srcOrd="0" destOrd="0" presId="urn:microsoft.com/office/officeart/2009/3/layout/HorizontalOrganizationChart"/>
+    <dgm:cxn modelId="{BAC3BC18-B6EF-4683-933C-9C5AA9683AF6}" type="presOf" srcId="{1F18D17D-60D9-4DE2-BBB6-03613B3E9956}" destId="{C9D741BB-59CE-49C8-976B-E77AFA7FB480}" srcOrd="0" destOrd="0" presId="urn:microsoft.com/office/officeart/2009/3/layout/HorizontalOrganizationChart"/>
+    <dgm:cxn modelId="{FFDFDEDA-F15E-4831-A829-819B8F573012}" srcId="{68081D6E-116A-4DC4-AABD-7FB74799BE7C}" destId="{3EF700D5-25E4-44CE-80D3-4711AE5F4DC4}" srcOrd="1" destOrd="0" parTransId="{05FD8816-D790-42DE-9378-4FB60E831768}" sibTransId="{9CD78C14-F539-4D6B-A5B2-252787F9963B}"/>
+    <dgm:cxn modelId="{884046C1-E93C-44B3-9677-31D2EF687B8B}" srcId="{FDDA2F9C-1EC2-4803-B4BD-F2ED58E344CC}" destId="{D659E9CF-5FAF-436A-91FE-FD85A3068E5E}" srcOrd="1" destOrd="0" parTransId="{A50A30A6-B689-4E34-98A7-CFEC565931F8}" sibTransId="{3CD98C19-459C-4A3C-B5C5-283EC8E5BA62}"/>
+    <dgm:cxn modelId="{D7BB6D1D-7955-43B0-B09E-8F180483876B}" type="presOf" srcId="{5BAF864A-1259-4C10-81C0-19376C49EB8A}" destId="{7C5A6795-DA52-43DB-A69D-FCF1A46F96AB}" srcOrd="1" destOrd="0" presId="urn:microsoft.com/office/officeart/2009/3/layout/HorizontalOrganizationChart"/>
+    <dgm:cxn modelId="{E8369F7F-50F5-4A58-B1E8-5BB883311667}" type="presOf" srcId="{5BAF864A-1259-4C10-81C0-19376C49EB8A}" destId="{57E7F39D-325C-46B1-B057-EB72B0261FDC}" srcOrd="0" destOrd="0" presId="urn:microsoft.com/office/officeart/2009/3/layout/HorizontalOrganizationChart"/>
+    <dgm:cxn modelId="{A8C644D1-CB90-49A7-B97A-B20C6C74CB38}" type="presOf" srcId="{D659E9CF-5FAF-436A-91FE-FD85A3068E5E}" destId="{0CCCC145-51CB-4F4E-A36C-EFD45483B9DE}" srcOrd="0" destOrd="0" presId="urn:microsoft.com/office/officeart/2009/3/layout/HorizontalOrganizationChart"/>
+    <dgm:cxn modelId="{3FC0F062-6426-42DB-ACD1-4655AFDA3063}" type="presOf" srcId="{F36960F5-3AEE-415A-B940-D7FAC1ECD2F3}" destId="{E9865A3A-0094-45BB-A131-B43C4C440157}" srcOrd="0" destOrd="0" presId="urn:microsoft.com/office/officeart/2009/3/layout/HorizontalOrganizationChart"/>
+    <dgm:cxn modelId="{D602D6D5-9111-4F2E-B7DE-DF2EE3275AB8}" type="presOf" srcId="{38F5B81C-AFD6-4240-8172-ED07ADBB3458}" destId="{03B4F3A9-8DB2-43C0-849B-802D884A2744}" srcOrd="1" destOrd="0" presId="urn:microsoft.com/office/officeart/2009/3/layout/HorizontalOrganizationChart"/>
+    <dgm:cxn modelId="{FB2B638A-0BB1-4998-859B-D794D01F27D0}" type="presOf" srcId="{154AE182-EA44-4588-BEC5-833BA0B62657}" destId="{56CC8F34-266D-416C-95FD-AD219F200234}" srcOrd="0" destOrd="0" presId="urn:microsoft.com/office/officeart/2009/3/layout/HorizontalOrganizationChart"/>
+    <dgm:cxn modelId="{B3252C30-1FCE-41EE-8799-0B3161E4943B}" type="presOf" srcId="{698C12D4-4C18-44A1-837D-4382589F15DB}" destId="{9DD50086-5052-4CC1-A35E-BC94ECEE78CF}" srcOrd="0" destOrd="0" presId="urn:microsoft.com/office/officeart/2009/3/layout/HorizontalOrganizationChart"/>
+    <dgm:cxn modelId="{91C56E9D-341F-4D86-B4D1-D282D8CEF8BB}" srcId="{9782AB34-75E5-4DAD-B0DF-7442009D0A30}" destId="{050179E8-5116-4333-8E15-67A1A02BEE65}" srcOrd="0" destOrd="0" parTransId="{356B4961-C1AC-4701-9D80-187415252939}" sibTransId="{948E35D4-5DE3-49EA-9F67-A13093B5DBD4}"/>
+    <dgm:cxn modelId="{A5B153D2-9969-4068-9C84-A8206E5C63A6}" srcId="{D9A4BA73-A22A-478B-B8E3-409C8720D788}" destId="{04A8D58E-13A5-400B-90A8-D469145C8279}" srcOrd="2" destOrd="0" parTransId="{0CD5E165-12AE-4B22-BEA3-6B7496EC31DF}" sibTransId="{5E3AF8EE-0058-41E1-955E-B4B31D32F882}"/>
+    <dgm:cxn modelId="{DE4D6ED3-EFF6-452F-8D4F-9E36DDD0F208}" type="presOf" srcId="{EA634B58-FC76-4C63-8B52-9C0D0EA2D728}" destId="{1BBF707A-CB1F-4C85-A60B-43567E74AAA3}" srcOrd="0" destOrd="0" presId="urn:microsoft.com/office/officeart/2009/3/layout/HorizontalOrganizationChart"/>
+    <dgm:cxn modelId="{E0C6E429-CFB6-4D8A-83C5-FCB15D20C8FF}" srcId="{016CCFD7-EE1D-4653-8070-FE44E4A75357}" destId="{8EC725FB-963C-4D1E-9617-A90C6E87B24D}" srcOrd="3" destOrd="0" parTransId="{F4B83DC5-C5BB-4395-851F-0ECE7018F7F2}" sibTransId="{2A088765-2FAC-4712-B784-C804998C1F9D}"/>
+    <dgm:cxn modelId="{EE5E9601-4715-43AC-BCD2-825C942B78AC}" type="presOf" srcId="{728D8AAE-C569-4DD1-8177-0025F7C97B80}" destId="{B17B88C9-AC2A-458C-B484-BC3045D11AF8}" srcOrd="1" destOrd="0" presId="urn:microsoft.com/office/officeart/2009/3/layout/HorizontalOrganizationChart"/>
+    <dgm:cxn modelId="{4EFA68CC-CA8B-4FEC-B627-1DE269B8A2FF}" type="presOf" srcId="{016CCFD7-EE1D-4653-8070-FE44E4A75357}" destId="{9022D5A9-505E-4978-8878-432398FF369F}" srcOrd="1" destOrd="0" presId="urn:microsoft.com/office/officeart/2009/3/layout/HorizontalOrganizationChart"/>
+    <dgm:cxn modelId="{B07B05E0-7B6A-4855-99F7-B1EBD20EE98A}" type="presOf" srcId="{0E69900A-F490-49C7-AAAF-638D5E566FC6}" destId="{9929B529-38BC-45FB-88A1-0A532B70868F}" srcOrd="0" destOrd="0" presId="urn:microsoft.com/office/officeart/2009/3/layout/HorizontalOrganizationChart"/>
+    <dgm:cxn modelId="{13FDD9A3-6C64-4996-AD7C-A563A6AB8395}" type="presOf" srcId="{016CCFD7-EE1D-4653-8070-FE44E4A75357}" destId="{F2F1A06E-934A-47D9-A3BA-4A905A5205A5}" srcOrd="0" destOrd="0" presId="urn:microsoft.com/office/officeart/2009/3/layout/HorizontalOrganizationChart"/>
+    <dgm:cxn modelId="{BC2639E9-E647-4F57-A946-E228ED8397D2}" type="presOf" srcId="{67AE0F58-AA43-4422-96C9-F8D3DEB031B9}" destId="{9F545195-F944-4F2A-A37C-061F1D1A39CA}" srcOrd="0" destOrd="0" presId="urn:microsoft.com/office/officeart/2009/3/layout/HorizontalOrganizationChart"/>
+    <dgm:cxn modelId="{416440D4-3C8C-447D-9E74-584C96ED5121}" srcId="{5BAF864A-1259-4C10-81C0-19376C49EB8A}" destId="{016CCFD7-EE1D-4653-8070-FE44E4A75357}" srcOrd="1" destOrd="0" parTransId="{EBCC300B-8B89-463A-BE1B-EBC57A2E7D07}" sibTransId="{4945FE99-FAAB-468C-8A35-4624A2F0A8D2}"/>
+    <dgm:cxn modelId="{F1E91AE2-5BC1-4F11-8A97-C6FBBCDE32AC}" srcId="{4E47AF21-4D04-4EC2-8510-9D9E72D30281}" destId="{68081D6E-116A-4DC4-AABD-7FB74799BE7C}" srcOrd="1" destOrd="0" parTransId="{474C0BE3-B46C-4D0B-B48E-5C26DCF42C05}" sibTransId="{407575CD-1AC2-4138-BFCC-A411350FC4CF}"/>
+    <dgm:cxn modelId="{6ED3605C-9B8E-496B-90EB-49FFDA21DF29}" type="presOf" srcId="{0A1842D5-F06A-4B7D-9BA0-64DED0EDC33B}" destId="{4196C92A-8C2C-4BF8-B3B2-B0DF94257A08}" srcOrd="0" destOrd="0" presId="urn:microsoft.com/office/officeart/2009/3/layout/HorizontalOrganizationChart"/>
+    <dgm:cxn modelId="{A426D704-A0AC-4190-AAA2-6242D506BF0C}" type="presOf" srcId="{8EC725FB-963C-4D1E-9617-A90C6E87B24D}" destId="{ABA353C8-B1DE-4399-81E3-6452DE8ECF70}" srcOrd="1" destOrd="0" presId="urn:microsoft.com/office/officeart/2009/3/layout/HorizontalOrganizationChart"/>
+    <dgm:cxn modelId="{B4784C25-9553-4B3A-8002-110617D8D532}" type="presOf" srcId="{A50A30A6-B689-4E34-98A7-CFEC565931F8}" destId="{C7DC6168-F961-43ED-8ECC-D74C3B965858}" srcOrd="0" destOrd="0" presId="urn:microsoft.com/office/officeart/2009/3/layout/HorizontalOrganizationChart"/>
+    <dgm:cxn modelId="{9C139367-230C-4BBA-8F1A-B1EF206D1ED7}" type="presOf" srcId="{271EF062-6193-480E-9133-608F1C97F672}" destId="{52DDDCB0-72EE-4C99-968C-03513CC50932}" srcOrd="1" destOrd="0" presId="urn:microsoft.com/office/officeart/2009/3/layout/HorizontalOrganizationChart"/>
+    <dgm:cxn modelId="{EF2AF094-EDF6-4B3E-992C-38F70412D327}" type="presOf" srcId="{65779BB9-F557-440E-BAE1-DC80B05AC063}" destId="{12EB9A03-D9B5-40C5-8C30-E7B76B21CCC5}" srcOrd="1" destOrd="0" presId="urn:microsoft.com/office/officeart/2009/3/layout/HorizontalOrganizationChart"/>
+    <dgm:cxn modelId="{D18F0B87-D742-443E-B6F3-CF0C38484CA3}" type="presOf" srcId="{1F18D17D-60D9-4DE2-BBB6-03613B3E9956}" destId="{EC8754C5-1ABF-4F9A-AC20-0DADFAD7C097}" srcOrd="1" destOrd="0" presId="urn:microsoft.com/office/officeart/2009/3/layout/HorizontalOrganizationChart"/>
+    <dgm:cxn modelId="{87A07144-D549-483E-9DEC-C7BD6C061D48}" type="presOf" srcId="{95E92A9E-5634-4047-95A3-B25786525116}" destId="{AC3BF161-325C-4A27-83A9-2C4D3FB85B36}" srcOrd="0" destOrd="0" presId="urn:microsoft.com/office/officeart/2009/3/layout/HorizontalOrganizationChart"/>
+    <dgm:cxn modelId="{22FE9273-8859-49E0-80F5-713B0EA18341}" type="presOf" srcId="{79691467-F3B5-458E-9BCE-7B04744CC693}" destId="{6F499131-600B-4D82-B6BC-02C47B243689}" srcOrd="0" destOrd="0" presId="urn:microsoft.com/office/officeart/2009/3/layout/HorizontalOrganizationChart"/>
+    <dgm:cxn modelId="{8C3B1CCE-A947-4AC0-A7F0-1979B9ABA48E}" type="presOf" srcId="{474C0BE3-B46C-4D0B-B48E-5C26DCF42C05}" destId="{A79C6B22-7A40-4784-9C1F-EAEB6529371D}" srcOrd="0" destOrd="0" presId="urn:microsoft.com/office/officeart/2009/3/layout/HorizontalOrganizationChart"/>
+    <dgm:cxn modelId="{F1ABC466-3F9B-4B18-BB16-979CB0D6DA8F}" srcId="{D9A4BA73-A22A-478B-B8E3-409C8720D788}" destId="{5A4EB3B9-72FC-4A8C-8904-B15A939FF163}" srcOrd="1" destOrd="0" parTransId="{761CD822-D85B-4764-AEE2-5C7A35941767}" sibTransId="{43D9B15D-7089-4AA3-978D-E6AA8988CDF3}"/>
+    <dgm:cxn modelId="{E32A3A2E-7451-409A-9F86-AF563D919564}" srcId="{2727E88E-744E-4201-AD9F-B6E177540074}" destId="{0E69900A-F490-49C7-AAAF-638D5E566FC6}" srcOrd="0" destOrd="0" parTransId="{CAD89E09-8EE5-4A0A-AD2F-9EFE5ECBD847}" sibTransId="{4B6E0D62-F7B3-45DE-8CC5-0FA52E36BCFC}"/>
+    <dgm:cxn modelId="{E721F174-66F1-4B30-835E-794BAD473FC7}" type="presOf" srcId="{D5843F2A-7D99-4341-9D1B-D0D6FA665FF1}" destId="{F0E40D20-2186-4E2C-B820-4CE697102C33}" srcOrd="0" destOrd="0" presId="urn:microsoft.com/office/officeart/2009/3/layout/HorizontalOrganizationChart"/>
+    <dgm:cxn modelId="{5712F602-5C35-42E3-B81D-64ADFA843550}" type="presOf" srcId="{73A3414D-1E2D-4D1C-BCF8-30ED36519BA9}" destId="{1D8F23AF-7BD0-4149-BE4D-E910E7F171A9}" srcOrd="1" destOrd="0" presId="urn:microsoft.com/office/officeart/2009/3/layout/HorizontalOrganizationChart"/>
+    <dgm:cxn modelId="{3210E76C-B2E7-4E59-9A60-2C82F35D100B}" type="presOf" srcId="{65779BB9-F557-440E-BAE1-DC80B05AC063}" destId="{A60BF2BF-60CC-451B-A0F1-F63768BADF39}" srcOrd="0" destOrd="0" presId="urn:microsoft.com/office/officeart/2009/3/layout/HorizontalOrganizationChart"/>
+    <dgm:cxn modelId="{546B78B0-D142-4243-926D-50E2DB523576}" srcId="{4E47AF21-4D04-4EC2-8510-9D9E72D30281}" destId="{9B3DFB51-4F40-4C99-922E-67872A0FB1BB}" srcOrd="0" destOrd="0" parTransId="{0055C9ED-953D-433A-979F-61A24DC5288D}" sibTransId="{9F889B0E-5566-4272-9A40-F783C6012F9C}"/>
+    <dgm:cxn modelId="{516972EB-2B86-487A-9ECF-4B39E1B7AE8A}" type="presOf" srcId="{181020BB-05F4-4525-908B-D1B14E657C73}" destId="{E9F41E16-B115-4E28-9E40-6883CF63D08C}" srcOrd="1" destOrd="0" presId="urn:microsoft.com/office/officeart/2009/3/layout/HorizontalOrganizationChart"/>
     <dgm:cxn modelId="{6679A366-354F-411E-AF4E-EC5FCA4B179F}" type="presOf" srcId="{9B3DFB51-4F40-4C99-922E-67872A0FB1BB}" destId="{AEE9A48C-703E-4834-A6C8-EEA9766D113B}" srcOrd="1" destOrd="0" presId="urn:microsoft.com/office/officeart/2009/3/layout/HorizontalOrganizationChart"/>
+    <dgm:cxn modelId="{5F3FDBDC-13CC-4D01-89D5-A0E5ABF67CE6}" type="presOf" srcId="{340A3955-AE07-44F2-89BE-0679CF9D78BE}" destId="{0C6316AA-46EA-4437-920C-5390E2143E30}" srcOrd="1" destOrd="0" presId="urn:microsoft.com/office/officeart/2009/3/layout/HorizontalOrganizationChart"/>
+    <dgm:cxn modelId="{FAF29500-5F16-465D-BE33-5A103A4FAE1C}" type="presOf" srcId="{EBCC300B-8B89-463A-BE1B-EBC57A2E7D07}" destId="{644A4F60-CB16-4B78-8BDE-BD0F0662D1C2}" srcOrd="0" destOrd="0" presId="urn:microsoft.com/office/officeart/2009/3/layout/HorizontalOrganizationChart"/>
+    <dgm:cxn modelId="{FE052708-76CC-4F6C-8AA4-E1E0B815B7C8}" type="presOf" srcId="{4E47AF21-4D04-4EC2-8510-9D9E72D30281}" destId="{B487BA94-86B8-4FF1-A3B0-387A97812BA0}" srcOrd="1" destOrd="0" presId="urn:microsoft.com/office/officeart/2009/3/layout/HorizontalOrganizationChart"/>
+    <dgm:cxn modelId="{D821EFA8-8622-477A-A09C-2ACF77922465}" type="presOf" srcId="{23B04188-5B67-4BB9-8A60-CDD9E9D7D705}" destId="{68E118D8-09AE-49E9-AD08-ADA2E96C2644}" srcOrd="1" destOrd="0" presId="urn:microsoft.com/office/officeart/2009/3/layout/HorizontalOrganizationChart"/>
+    <dgm:cxn modelId="{B71A45BB-A966-4E67-8A67-80F072ABDD80}" type="presOf" srcId="{7F28A717-E53E-4902-AEFC-AC3BB915C715}" destId="{74AE7DFC-9BF6-43B2-962C-A31168E4FE32}" srcOrd="0" destOrd="0" presId="urn:microsoft.com/office/officeart/2009/3/layout/HorizontalOrganizationChart"/>
+    <dgm:cxn modelId="{B5CE26C1-6874-4D27-9568-FAE6D5978004}" type="presOf" srcId="{D659E9CF-5FAF-436A-91FE-FD85A3068E5E}" destId="{490BC91B-E5FB-4619-8F54-5DBA8F631DE5}" srcOrd="1" destOrd="0" presId="urn:microsoft.com/office/officeart/2009/3/layout/HorizontalOrganizationChart"/>
+    <dgm:cxn modelId="{1453191A-13CE-4975-821B-75F239C44551}" type="presOf" srcId="{CDC8CB8D-2F6D-4F29-9A2E-9EF932CCA58C}" destId="{FCD2EB90-1BC2-4DB6-A265-A56A2AFDDF60}" srcOrd="0" destOrd="0" presId="urn:microsoft.com/office/officeart/2009/3/layout/HorizontalOrganizationChart"/>
+    <dgm:cxn modelId="{6FD84025-36F6-485D-99A4-551331C98A01}" type="presOf" srcId="{8BE6B78B-55D8-4E9F-8DBA-8238E3BA9663}" destId="{9A64489B-09E4-4FFC-8440-07CC423446D8}" srcOrd="1" destOrd="0" presId="urn:microsoft.com/office/officeart/2009/3/layout/HorizontalOrganizationChart"/>
+    <dgm:cxn modelId="{980EC5C9-ECAB-4E6A-9082-DC93DE9B7E50}" type="presOf" srcId="{05FD8816-D790-42DE-9378-4FB60E831768}" destId="{52A7C32B-B66B-420B-94ED-F9DA2074C39B}" srcOrd="0" destOrd="0" presId="urn:microsoft.com/office/officeart/2009/3/layout/HorizontalOrganizationChart"/>
+    <dgm:cxn modelId="{DC15C4AE-E537-40A8-A145-CF0C788E2A20}" type="presOf" srcId="{9CA42190-7F04-4F58-8AF1-706BAD190A16}" destId="{089EB023-2ACB-488E-9E7E-CF11A549B421}" srcOrd="0" destOrd="0" presId="urn:microsoft.com/office/officeart/2009/3/layout/HorizontalOrganizationChart"/>
+    <dgm:cxn modelId="{82BDF055-F95E-4D8E-ABEA-9429CFCB91F8}" type="presOf" srcId="{9B3DFB51-4F40-4C99-922E-67872A0FB1BB}" destId="{BBBDB6D9-02F0-4C80-8B79-00DDF0F60F33}" srcOrd="0" destOrd="0" presId="urn:microsoft.com/office/officeart/2009/3/layout/HorizontalOrganizationChart"/>
+    <dgm:cxn modelId="{E5D2C135-54E1-414F-AF8E-3040F5109FD7}" type="presOf" srcId="{D03E09C4-6C63-4E91-B26D-AA2A72FAEE7C}" destId="{55F7ACFC-1588-4BE1-85E3-B4182E5A7A48}" srcOrd="1" destOrd="0" presId="urn:microsoft.com/office/officeart/2009/3/layout/HorizontalOrganizationChart"/>
+    <dgm:cxn modelId="{708B748D-43E7-4BA2-B5BD-7506B94BEA26}" type="presOf" srcId="{B1D80150-1671-4B02-A5C2-B0B5BD6D1E06}" destId="{2371CFEC-784A-437C-9E66-462BD2CB266F}" srcOrd="0" destOrd="0" presId="urn:microsoft.com/office/officeart/2009/3/layout/HorizontalOrganizationChart"/>
+    <dgm:cxn modelId="{F6D65665-C0E7-4FBA-9C7D-3F852B6C9AD8}" srcId="{9782AB34-75E5-4DAD-B0DF-7442009D0A30}" destId="{73A3414D-1E2D-4D1C-BCF8-30ED36519BA9}" srcOrd="2" destOrd="0" parTransId="{88E5C0D4-DC0E-4794-BD4D-C53495160752}" sibTransId="{67AED2B2-FF0C-494D-AADA-059E760BEF5F}"/>
+    <dgm:cxn modelId="{9718CC97-45A8-44BF-8AAD-AF04C79761B3}" type="presOf" srcId="{20E6E329-1A83-450F-860A-57FA1D355B72}" destId="{79C0278B-C2F9-49D2-BFBE-7D35B9C437B0}" srcOrd="1" destOrd="0" presId="urn:microsoft.com/office/officeart/2009/3/layout/HorizontalOrganizationChart"/>
+    <dgm:cxn modelId="{81061DE8-4B00-4B74-9899-23CFF03087F6}" srcId="{04A8D58E-13A5-400B-90A8-D469145C8279}" destId="{DAA4A38E-2FE5-4D70-A34B-7BA93F490450}" srcOrd="0" destOrd="0" parTransId="{683A1864-46F8-47ED-8B3D-CDCE9B653E2E}" sibTransId="{B8596ACB-3646-4AF9-B616-2E90C4F9359F}"/>
+    <dgm:cxn modelId="{2F80A295-60C5-4CC2-89DF-C972A89DD2C8}" type="presOf" srcId="{1FCAA312-BC87-4D1B-8B22-A91D2B7CC7F0}" destId="{F79A6566-8BF7-4D25-BC75-FAE48935F93D}" srcOrd="0" destOrd="0" presId="urn:microsoft.com/office/officeart/2009/3/layout/HorizontalOrganizationChart"/>
+    <dgm:cxn modelId="{2640D52E-8825-4485-AD5E-5CD7A5423247}" srcId="{1DE97DD3-D731-4FD2-B4B5-65CFE2BAB3E4}" destId="{79691467-F3B5-458E-9BCE-7B04744CC693}" srcOrd="2" destOrd="0" parTransId="{83F0FFD6-E1D0-4C7B-8BAA-48FFE2E9BEF3}" sibTransId="{A4297ECC-5565-435E-A520-28E6173E8BA9}"/>
+    <dgm:cxn modelId="{1D494E99-95B4-4622-BD92-50C9F103093A}" type="presOf" srcId="{D5843F2A-7D99-4341-9D1B-D0D6FA665FF1}" destId="{B4FB2FBD-4731-4D25-869A-340EB2256EE3}" srcOrd="1" destOrd="0" presId="urn:microsoft.com/office/officeart/2009/3/layout/HorizontalOrganizationChart"/>
+    <dgm:cxn modelId="{1D0F1686-9A31-46C5-A855-3B66FAFD2DB3}" type="presOf" srcId="{DEBEE854-2033-4F0A-9167-F6C4D529E60D}" destId="{7DF42D00-B3A6-4392-997E-143569E4E0D5}" srcOrd="0" destOrd="0" presId="urn:microsoft.com/office/officeart/2009/3/layout/HorizontalOrganizationChart"/>
+    <dgm:cxn modelId="{6843BC1F-E955-4D1C-B843-8C4F4031C691}" type="presOf" srcId="{04A8D58E-13A5-400B-90A8-D469145C8279}" destId="{660BF8C7-04B5-4FC1-9138-CABFFAC5283C}" srcOrd="1" destOrd="0" presId="urn:microsoft.com/office/officeart/2009/3/layout/HorizontalOrganizationChart"/>
+    <dgm:cxn modelId="{EFEDC8E0-B106-4414-8AAA-7B89B1858DBB}" type="presOf" srcId="{38F5B81C-AFD6-4240-8172-ED07ADBB3458}" destId="{B2B02428-1400-4E62-BD77-151F70080641}" srcOrd="0" destOrd="0" presId="urn:microsoft.com/office/officeart/2009/3/layout/HorizontalOrganizationChart"/>
+    <dgm:cxn modelId="{649AD70F-7461-446D-9B6B-A81D9A2232D2}" type="presOf" srcId="{050179E8-5116-4333-8E15-67A1A02BEE65}" destId="{550998FB-C381-4CA4-ABCD-175189088578}" srcOrd="0" destOrd="0" presId="urn:microsoft.com/office/officeart/2009/3/layout/HorizontalOrganizationChart"/>
+    <dgm:cxn modelId="{E75E4E3A-ED92-4D22-AE74-BD5CB6521799}" srcId="{D9A4BA73-A22A-478B-B8E3-409C8720D788}" destId="{D03E09C4-6C63-4E91-B26D-AA2A72FAEE7C}" srcOrd="0" destOrd="0" parTransId="{698C12D4-4C18-44A1-837D-4382589F15DB}" sibTransId="{F8A0B110-AEBA-4DD2-B625-7066347A30C3}"/>
+    <dgm:cxn modelId="{5AA672A9-9CA8-4A26-9330-94AD8FD90248}" type="presOf" srcId="{2896A8A0-456F-4AD4-B642-34BB5E63603E}" destId="{14D7C8BD-346A-4386-B2BB-EA9AFF997488}" srcOrd="0" destOrd="0" presId="urn:microsoft.com/office/officeart/2009/3/layout/HorizontalOrganizationChart"/>
+    <dgm:cxn modelId="{52E283C7-AD80-4303-949A-A920FD745AB5}" type="presOf" srcId="{271EF062-6193-480E-9133-608F1C97F672}" destId="{1F8F4A31-A7E3-4C7A-A275-4FE8BDCC199B}" srcOrd="0" destOrd="0" presId="urn:microsoft.com/office/officeart/2009/3/layout/HorizontalOrganizationChart"/>
+    <dgm:cxn modelId="{2AD6B146-EDEE-4DDE-990D-905325E737DD}" srcId="{016CCFD7-EE1D-4653-8070-FE44E4A75357}" destId="{271EF062-6193-480E-9133-608F1C97F672}" srcOrd="0" destOrd="0" parTransId="{E0C30AB5-085E-404F-93DE-5B75ABA7AA23}" sibTransId="{B00F1252-A16A-436C-8270-1519F6CAFF0F}"/>
+    <dgm:cxn modelId="{4641D057-8B05-4AF6-9669-22F7BC7A3CE9}" type="presOf" srcId="{962D5D3C-B884-420C-A6CF-1A49DDDD636B}" destId="{B10B4B01-3938-47AC-93FC-138B2A45439F}" srcOrd="0" destOrd="0" presId="urn:microsoft.com/office/officeart/2009/3/layout/HorizontalOrganizationChart"/>
     <dgm:cxn modelId="{B7F6D5B5-8DED-4FCE-979E-74B698C73EA7}" type="presOf" srcId="{95E92A9E-5634-4047-95A3-B25786525116}" destId="{831999EC-3A07-491C-AEC2-386203D019DB}" srcOrd="1" destOrd="0" presId="urn:microsoft.com/office/officeart/2009/3/layout/HorizontalOrganizationChart"/>
+    <dgm:cxn modelId="{C3849AFE-C50B-43D0-8D06-D642BC9B958D}" type="presOf" srcId="{1DE97DD3-D731-4FD2-B4B5-65CFE2BAB3E4}" destId="{AA5769C6-4BCE-490E-AB9D-AAE58DFEA0ED}" srcOrd="0" destOrd="0" presId="urn:microsoft.com/office/officeart/2009/3/layout/HorizontalOrganizationChart"/>
     <dgm:cxn modelId="{2C342067-C487-4707-B72D-8A55EE6E7904}" type="presOf" srcId="{9782AB34-75E5-4DAD-B0DF-7442009D0A30}" destId="{25AC5798-A652-44DF-8637-89B964AF7D84}" srcOrd="1" destOrd="0" presId="urn:microsoft.com/office/officeart/2009/3/layout/HorizontalOrganizationChart"/>
-    <dgm:cxn modelId="{1D0F1686-9A31-46C5-A855-3B66FAFD2DB3}" type="presOf" srcId="{DEBEE854-2033-4F0A-9167-F6C4D529E60D}" destId="{7DF42D00-B3A6-4392-997E-143569E4E0D5}" srcOrd="0" destOrd="0" presId="urn:microsoft.com/office/officeart/2009/3/layout/HorizontalOrganizationChart"/>
-    <dgm:cxn modelId="{06EAD557-A372-4F09-8F45-2DE20D4FC03F}" type="presOf" srcId="{0055C9ED-953D-433A-979F-61A24DC5288D}" destId="{74D87C80-D895-49DE-897C-0EF68850B7F9}" srcOrd="0" destOrd="0" presId="urn:microsoft.com/office/officeart/2009/3/layout/HorizontalOrganizationChart"/>
-    <dgm:cxn modelId="{546B78B0-D142-4243-926D-50E2DB523576}" srcId="{4E47AF21-4D04-4EC2-8510-9D9E72D30281}" destId="{9B3DFB51-4F40-4C99-922E-67872A0FB1BB}" srcOrd="0" destOrd="0" parTransId="{0055C9ED-953D-433A-979F-61A24DC5288D}" sibTransId="{9F889B0E-5566-4272-9A40-F783C6012F9C}"/>
-    <dgm:cxn modelId="{649AD70F-7461-446D-9B6B-A81D9A2232D2}" type="presOf" srcId="{050179E8-5116-4333-8E15-67A1A02BEE65}" destId="{550998FB-C381-4CA4-ABCD-175189088578}" srcOrd="0" destOrd="0" presId="urn:microsoft.com/office/officeart/2009/3/layout/HorizontalOrganizationChart"/>
+    <dgm:cxn modelId="{CDDAF585-9397-442D-8296-1E51DBDE2D5A}" type="presOf" srcId="{0CD5E165-12AE-4B22-BEA3-6B7496EC31DF}" destId="{14AF7544-2AEC-4BBA-8FDA-2EA98BF989B1}" srcOrd="0" destOrd="0" presId="urn:microsoft.com/office/officeart/2009/3/layout/HorizontalOrganizationChart"/>
+    <dgm:cxn modelId="{49DD8B32-F14B-45B2-A823-BA4DFE8847C5}" type="presOf" srcId="{F36960F5-3AEE-415A-B940-D7FAC1ECD2F3}" destId="{C186BE7E-EA89-4BD4-B35D-473B8715843F}" srcOrd="1" destOrd="0" presId="urn:microsoft.com/office/officeart/2009/3/layout/HorizontalOrganizationChart"/>
+    <dgm:cxn modelId="{F7934866-0B80-4EC4-BF1D-56E216CE9CB6}" type="presOf" srcId="{7486CC4A-371F-44BB-961E-FC658567B17D}" destId="{4EA3295F-3010-4DC5-B155-0AB38337E266}" srcOrd="0" destOrd="0" presId="urn:microsoft.com/office/officeart/2009/3/layout/HorizontalOrganizationChart"/>
+    <dgm:cxn modelId="{7746C28E-446F-4227-B004-AB01CC4A4563}" type="presOf" srcId="{68081D6E-116A-4DC4-AABD-7FB74799BE7C}" destId="{C5EA99A9-BB32-4039-9316-AA65F801903F}" srcOrd="1" destOrd="0" presId="urn:microsoft.com/office/officeart/2009/3/layout/HorizontalOrganizationChart"/>
+    <dgm:cxn modelId="{A2B5CAE8-FF25-480F-ACE0-632DF8D5670F}" srcId="{2727E88E-744E-4201-AD9F-B6E177540074}" destId="{181020BB-05F4-4525-908B-D1B14E657C73}" srcOrd="2" destOrd="0" parTransId="{1FCAA312-BC87-4D1B-8B22-A91D2B7CC7F0}" sibTransId="{0DDF316F-5E9A-4DAC-800E-1F39D932C8A2}"/>
+    <dgm:cxn modelId="{C209FC5E-A0C9-46F1-A1F4-42BF6DB9C74A}" type="presOf" srcId="{79691467-F3B5-458E-9BCE-7B04744CC693}" destId="{547428DC-C76F-4660-9663-FA0C6E9935E9}" srcOrd="1" destOrd="0" presId="urn:microsoft.com/office/officeart/2009/3/layout/HorizontalOrganizationChart"/>
+    <dgm:cxn modelId="{5ACC614A-E92D-44B8-B63A-29DBE74617B4}" srcId="{D9A4BA73-A22A-478B-B8E3-409C8720D788}" destId="{5BAF864A-1259-4C10-81C0-19376C49EB8A}" srcOrd="3" destOrd="0" parTransId="{FA9E8AAE-06B8-42FA-99C3-D3F1B7CD5F3F}" sibTransId="{3DB2A6FC-88A0-4B3E-9150-8F08B4B60741}"/>
+    <dgm:cxn modelId="{B1DC2C8B-8510-4FF7-A30B-45E15B13C6E0}" type="presOf" srcId="{3CF64D1F-FBE7-45DE-827C-A38DCA51519E}" destId="{C50A8917-512D-42EE-98BE-DB3F8D194FED}" srcOrd="0" destOrd="0" presId="urn:microsoft.com/office/officeart/2009/3/layout/HorizontalOrganizationChart"/>
+    <dgm:cxn modelId="{44751E4A-71D5-43A8-B030-659B2376D1AF}" srcId="{23B04188-5B67-4BB9-8A60-CDD9E9D7D705}" destId="{340A3955-AE07-44F2-89BE-0679CF9D78BE}" srcOrd="1" destOrd="0" parTransId="{181DB21A-3A63-456B-B30D-0DB82072FD79}" sibTransId="{FD57F74E-3F61-4232-8796-62260D386DB7}"/>
+    <dgm:cxn modelId="{2FC8124E-3F8F-4338-B997-B7975CDAAD85}" type="presOf" srcId="{8BE6B78B-55D8-4E9F-8DBA-8238E3BA9663}" destId="{8788964B-FAB5-4B95-99FB-302A9B223714}" srcOrd="0" destOrd="0" presId="urn:microsoft.com/office/officeart/2009/3/layout/HorizontalOrganizationChart"/>
+    <dgm:cxn modelId="{0E9A9ED9-F2C4-4083-B23C-08EF905525CB}" srcId="{3EF700D5-25E4-44CE-80D3-4711AE5F4DC4}" destId="{D9542883-6D50-4310-A798-EE96ECD1D170}" srcOrd="0" destOrd="0" parTransId="{1CA8724C-7011-43FD-85FD-66D8BA8E075A}" sibTransId="{16F49FC1-899A-4DD8-BE40-DFB933C5F354}"/>
+    <dgm:cxn modelId="{82856545-9977-401E-BE67-125D44BF3B66}" type="presOf" srcId="{2B1D28F4-E944-406A-93C5-38EC43029839}" destId="{1E71000E-0FDF-4F53-9DA9-A22DFCDBC5E1}" srcOrd="0" destOrd="0" presId="urn:microsoft.com/office/officeart/2009/3/layout/HorizontalOrganizationChart"/>
     <dgm:cxn modelId="{9CD717DC-E87A-4274-83B8-8876B69FEDE5}" srcId="{016CCFD7-EE1D-4653-8070-FE44E4A75357}" destId="{F36960F5-3AEE-415A-B940-D7FAC1ECD2F3}" srcOrd="2" destOrd="0" parTransId="{2B1D28F4-E944-406A-93C5-38EC43029839}" sibTransId="{02183E75-F0F1-4BFB-8087-B3EB3A3AE290}"/>
-    <dgm:cxn modelId="{E5D2C135-54E1-414F-AF8E-3040F5109FD7}" type="presOf" srcId="{D03E09C4-6C63-4E91-B26D-AA2A72FAEE7C}" destId="{55F7ACFC-1588-4BE1-85E3-B4182E5A7A48}" srcOrd="1" destOrd="0" presId="urn:microsoft.com/office/officeart/2009/3/layout/HorizontalOrganizationChart"/>
-    <dgm:cxn modelId="{B4784C25-9553-4B3A-8002-110617D8D532}" type="presOf" srcId="{A50A30A6-B689-4E34-98A7-CFEC565931F8}" destId="{C7DC6168-F961-43ED-8ECC-D74C3B965858}" srcOrd="0" destOrd="0" presId="urn:microsoft.com/office/officeart/2009/3/layout/HorizontalOrganizationChart"/>
-    <dgm:cxn modelId="{6EEC4035-9686-4B99-9AF9-0C49BDD828B8}" type="presOf" srcId="{5A02F2B5-11C7-4A88-BA4C-C045792616C3}" destId="{38B3AA38-B114-4FBD-8B9B-5E1B8B5B0D21}" srcOrd="0" destOrd="0" presId="urn:microsoft.com/office/officeart/2009/3/layout/HorizontalOrganizationChart"/>
-    <dgm:cxn modelId="{9BFA3AB0-D339-4094-928E-4F20CDC21E81}" type="presOf" srcId="{92CA00B5-54BE-4085-A6B9-413D76F5AEB5}" destId="{E68B22A0-1626-45D3-8F2A-87B71FEDA138}" srcOrd="0" destOrd="0" presId="urn:microsoft.com/office/officeart/2009/3/layout/HorizontalOrganizationChart"/>
-    <dgm:cxn modelId="{516972EB-2B86-487A-9ECF-4B39E1B7AE8A}" type="presOf" srcId="{181020BB-05F4-4525-908B-D1B14E657C73}" destId="{E9F41E16-B115-4E28-9E40-6883CF63D08C}" srcOrd="1" destOrd="0" presId="urn:microsoft.com/office/officeart/2009/3/layout/HorizontalOrganizationChart"/>
-    <dgm:cxn modelId="{5712F602-5C35-42E3-B81D-64ADFA843550}" type="presOf" srcId="{73A3414D-1E2D-4D1C-BCF8-30ED36519BA9}" destId="{1D8F23AF-7BD0-4149-BE4D-E910E7F171A9}" srcOrd="1" destOrd="0" presId="urn:microsoft.com/office/officeart/2009/3/layout/HorizontalOrganizationChart"/>
+    <dgm:cxn modelId="{625B01CC-A0DB-4C21-99E4-80E597B9BEC3}" type="presOf" srcId="{C496B86C-CB2F-44BE-8907-2738B746B183}" destId="{67FA21F4-CE11-4C59-BD72-BD2D9283E9AC}" srcOrd="0" destOrd="0" presId="urn:microsoft.com/office/officeart/2009/3/layout/HorizontalOrganizationChart"/>
+    <dgm:cxn modelId="{0BD86F64-2D1A-44CB-8750-E6374B500977}" srcId="{0A1842D5-F06A-4B7D-9BA0-64DED0EDC33B}" destId="{D5843F2A-7D99-4341-9D1B-D0D6FA665FF1}" srcOrd="0" destOrd="0" parTransId="{7FC247F3-2B6E-46E4-985A-A8A8118A68FD}" sibTransId="{611DE946-BEE9-40E2-87AE-938C5D1B89F0}"/>
+    <dgm:cxn modelId="{5285E231-7A2B-4380-8966-E304A5EA3CFD}" type="presOf" srcId="{6B76E167-3110-4BC5-A3D7-E4406D4A9E85}" destId="{52A88742-C428-4D89-BCED-E4180EB66D30}" srcOrd="0" destOrd="0" presId="urn:microsoft.com/office/officeart/2009/3/layout/HorizontalOrganizationChart"/>
+    <dgm:cxn modelId="{372809B7-F848-443C-9DF9-DC1DF4DEF49D}" type="presOf" srcId="{3EF700D5-25E4-44CE-80D3-4711AE5F4DC4}" destId="{8103AEBB-C07A-4163-A2C1-E43FC07B1DEA}" srcOrd="0" destOrd="0" presId="urn:microsoft.com/office/officeart/2009/3/layout/HorizontalOrganizationChart"/>
+    <dgm:cxn modelId="{90EB159B-BAEE-4375-9D19-2704ED5C6511}" srcId="{CDC8CB8D-2F6D-4F29-9A2E-9EF932CCA58C}" destId="{8BE6B78B-55D8-4E9F-8DBA-8238E3BA9663}" srcOrd="0" destOrd="0" parTransId="{5A02F2B5-11C7-4A88-BA4C-C045792616C3}" sibTransId="{4B540CC0-4AA7-4A29-BFD8-6384A3C5644D}"/>
+    <dgm:cxn modelId="{250E2D34-A415-4D77-95FD-3FAABB517806}" type="presOf" srcId="{1CA8724C-7011-43FD-85FD-66D8BA8E075A}" destId="{1D3C47ED-0E0C-4ECE-B88D-5C3573776B33}" srcOrd="0" destOrd="0" presId="urn:microsoft.com/office/officeart/2009/3/layout/HorizontalOrganizationChart"/>
     <dgm:cxn modelId="{BE1A6BE7-0DA7-4F3F-ABEF-847AC1FECE34}" type="presOf" srcId="{5A4EB3B9-72FC-4A8C-8904-B15A939FF163}" destId="{3D95E585-2D16-4F8C-B66C-A8011CCD4247}" srcOrd="0" destOrd="0" presId="urn:microsoft.com/office/officeart/2009/3/layout/HorizontalOrganizationChart"/>
-    <dgm:cxn modelId="{E32A3A2E-7451-409A-9F86-AF563D919564}" srcId="{2727E88E-744E-4201-AD9F-B6E177540074}" destId="{0E69900A-F490-49C7-AAAF-638D5E566FC6}" srcOrd="0" destOrd="0" parTransId="{CAD89E09-8EE5-4A0A-AD2F-9EFE5ECBD847}" sibTransId="{4B6E0D62-F7B3-45DE-8CC5-0FA52E36BCFC}"/>
-    <dgm:cxn modelId="{09AB4B69-DD08-46C5-8C86-FE769EF2A38F}" type="presOf" srcId="{1DE97DD3-D731-4FD2-B4B5-65CFE2BAB3E4}" destId="{C5229DC7-6C36-4ACF-A188-133E9AA85652}" srcOrd="1" destOrd="0" presId="urn:microsoft.com/office/officeart/2009/3/layout/HorizontalOrganizationChart"/>
-    <dgm:cxn modelId="{52E283C7-AD80-4303-949A-A920FD745AB5}" type="presOf" srcId="{271EF062-6193-480E-9133-608F1C97F672}" destId="{1F8F4A31-A7E3-4C7A-A275-4FE8BDCC199B}" srcOrd="0" destOrd="0" presId="urn:microsoft.com/office/officeart/2009/3/layout/HorizontalOrganizationChart"/>
-    <dgm:cxn modelId="{0FAF8AF2-AB7A-476A-84F8-F7490C7C2158}" type="presOf" srcId="{2727E88E-744E-4201-AD9F-B6E177540074}" destId="{550E9EE0-19D0-489D-B695-43CB8B13D45F}" srcOrd="0" destOrd="0" presId="urn:microsoft.com/office/officeart/2009/3/layout/HorizontalOrganizationChart"/>
-    <dgm:cxn modelId="{0E9A9ED9-F2C4-4083-B23C-08EF905525CB}" srcId="{3EF700D5-25E4-44CE-80D3-4711AE5F4DC4}" destId="{D9542883-6D50-4310-A798-EE96ECD1D170}" srcOrd="0" destOrd="0" parTransId="{1CA8724C-7011-43FD-85FD-66D8BA8E075A}" sibTransId="{16F49FC1-899A-4DD8-BE40-DFB933C5F354}"/>
-    <dgm:cxn modelId="{EDD9DA9E-2F7F-42AE-A228-31266603E4E4}" type="presOf" srcId="{D9542883-6D50-4310-A798-EE96ECD1D170}" destId="{0361A75A-C6D9-4702-83E6-2F2D57F3C8AD}" srcOrd="0" destOrd="0" presId="urn:microsoft.com/office/officeart/2009/3/layout/HorizontalOrganizationChart"/>
-    <dgm:cxn modelId="{D821EFA8-8622-477A-A09C-2ACF77922465}" type="presOf" srcId="{23B04188-5B67-4BB9-8A60-CDD9E9D7D705}" destId="{68E118D8-09AE-49E9-AD08-ADA2E96C2644}" srcOrd="1" destOrd="0" presId="urn:microsoft.com/office/officeart/2009/3/layout/HorizontalOrganizationChart"/>
-    <dgm:cxn modelId="{3FC0F062-6426-42DB-ACD1-4655AFDA3063}" type="presOf" srcId="{F36960F5-3AEE-415A-B940-D7FAC1ECD2F3}" destId="{E9865A3A-0094-45BB-A131-B43C4C440157}" srcOrd="0" destOrd="0" presId="urn:microsoft.com/office/officeart/2009/3/layout/HorizontalOrganizationChart"/>
-    <dgm:cxn modelId="{4EFA68CC-CA8B-4FEC-B627-1DE269B8A2FF}" type="presOf" srcId="{016CCFD7-EE1D-4653-8070-FE44E4A75357}" destId="{9022D5A9-505E-4978-8878-432398FF369F}" srcOrd="1" destOrd="0" presId="urn:microsoft.com/office/officeart/2009/3/layout/HorizontalOrganizationChart"/>
-    <dgm:cxn modelId="{2D3724A1-2F57-49B6-98E2-F3B1A5363FB5}" type="presOf" srcId="{8EC725FB-963C-4D1E-9617-A90C6E87B24D}" destId="{722EE2AB-E8D7-4F6E-B1F9-F03687DC37CB}" srcOrd="0" destOrd="0" presId="urn:microsoft.com/office/officeart/2009/3/layout/HorizontalOrganizationChart"/>
-    <dgm:cxn modelId="{EFBF251F-67FE-4D99-AFD5-531B9DD33DD0}" srcId="{1DE97DD3-D731-4FD2-B4B5-65CFE2BAB3E4}" destId="{6B76E167-3110-4BC5-A3D7-E4406D4A9E85}" srcOrd="0" destOrd="0" parTransId="{A0421A88-7D47-4481-812E-536A1D4A8CE1}" sibTransId="{48078578-DDB6-4A33-83FD-B3D0878E287C}"/>
-    <dgm:cxn modelId="{8AFC31F2-776A-4A05-9BEA-B001DD5A6A46}" type="presOf" srcId="{5802BD5D-770E-4E8D-9998-4C9E9A022B7D}" destId="{CC495A31-DC71-4FE0-8C9F-7C819112AA9B}" srcOrd="0" destOrd="0" presId="urn:microsoft.com/office/officeart/2009/3/layout/HorizontalOrganizationChart"/>
-    <dgm:cxn modelId="{F7934866-0B80-4EC4-BF1D-56E216CE9CB6}" type="presOf" srcId="{7486CC4A-371F-44BB-961E-FC658567B17D}" destId="{4EA3295F-3010-4DC5-B155-0AB38337E266}" srcOrd="0" destOrd="0" presId="urn:microsoft.com/office/officeart/2009/3/layout/HorizontalOrganizationChart"/>
-    <dgm:cxn modelId="{303781B2-AD1C-4681-A67B-78BD40DC5215}" type="presOf" srcId="{9782AB34-75E5-4DAD-B0DF-7442009D0A30}" destId="{1FAAE092-431C-4260-B111-457DBC6D5796}" srcOrd="0" destOrd="0" presId="urn:microsoft.com/office/officeart/2009/3/layout/HorizontalOrganizationChart"/>
-    <dgm:cxn modelId="{6843BC1F-E955-4D1C-B843-8C4F4031C691}" type="presOf" srcId="{04A8D58E-13A5-400B-90A8-D469145C8279}" destId="{660BF8C7-04B5-4FC1-9138-CABFFAC5283C}" srcOrd="1" destOrd="0" presId="urn:microsoft.com/office/officeart/2009/3/layout/HorizontalOrganizationChart"/>
-    <dgm:cxn modelId="{4641D057-8B05-4AF6-9669-22F7BC7A3CE9}" type="presOf" srcId="{962D5D3C-B884-420C-A6CF-1A49DDDD636B}" destId="{B10B4B01-3938-47AC-93FC-138B2A45439F}" srcOrd="0" destOrd="0" presId="urn:microsoft.com/office/officeart/2009/3/layout/HorizontalOrganizationChart"/>
-    <dgm:cxn modelId="{4FDA23DA-2FC7-4CE9-964D-2E7FE252AEB4}" srcId="{68081D6E-116A-4DC4-AABD-7FB74799BE7C}" destId="{9782AB34-75E5-4DAD-B0DF-7442009D0A30}" srcOrd="0" destOrd="0" parTransId="{9CA42190-7F04-4F58-8AF1-706BAD190A16}" sibTransId="{EA6A59C8-D487-46CC-8FC3-A20622AD2D6A}"/>
-    <dgm:cxn modelId="{90EB159B-BAEE-4375-9D19-2704ED5C6511}" srcId="{CDC8CB8D-2F6D-4F29-9A2E-9EF932CCA58C}" destId="{8BE6B78B-55D8-4E9F-8DBA-8238E3BA9663}" srcOrd="0" destOrd="0" parTransId="{5A02F2B5-11C7-4A88-BA4C-C045792616C3}" sibTransId="{4B540CC0-4AA7-4A29-BFD8-6384A3C5644D}"/>
-    <dgm:cxn modelId="{1453191A-13CE-4975-821B-75F239C44551}" type="presOf" srcId="{CDC8CB8D-2F6D-4F29-9A2E-9EF932CCA58C}" destId="{FCD2EB90-1BC2-4DB6-A265-A56A2AFDDF60}" srcOrd="0" destOrd="0" presId="urn:microsoft.com/office/officeart/2009/3/layout/HorizontalOrganizationChart"/>
-    <dgm:cxn modelId="{B71A45BB-A966-4E67-8A67-80F072ABDD80}" type="presOf" srcId="{7F28A717-E53E-4902-AEFC-AC3BB915C715}" destId="{74AE7DFC-9BF6-43B2-962C-A31168E4FE32}" srcOrd="0" destOrd="0" presId="urn:microsoft.com/office/officeart/2009/3/layout/HorizontalOrganizationChart"/>
-    <dgm:cxn modelId="{EA2C2A02-D506-4B34-BC02-6DA8951FB841}" type="presOf" srcId="{761CD822-D85B-4764-AEE2-5C7A35941767}" destId="{3A100798-674D-403B-B1E0-98A8D6555C96}" srcOrd="0" destOrd="0" presId="urn:microsoft.com/office/officeart/2009/3/layout/HorizontalOrganizationChart"/>
-    <dgm:cxn modelId="{CB237E5C-D4F3-48F2-84D7-5C3C2300FE70}" type="presOf" srcId="{683A1864-46F8-47ED-8B3D-CDCE9B653E2E}" destId="{244122AB-C47F-4E50-A475-58BC3A340813}" srcOrd="0" destOrd="0" presId="urn:microsoft.com/office/officeart/2009/3/layout/HorizontalOrganizationChart"/>
-    <dgm:cxn modelId="{44751E4A-71D5-43A8-B030-659B2376D1AF}" srcId="{23B04188-5B67-4BB9-8A60-CDD9E9D7D705}" destId="{340A3955-AE07-44F2-89BE-0679CF9D78BE}" srcOrd="1" destOrd="0" parTransId="{181DB21A-3A63-456B-B30D-0DB82072FD79}" sibTransId="{FD57F74E-3F61-4232-8796-62260D386DB7}"/>
-    <dgm:cxn modelId="{7450532E-DDBF-43D2-98FB-C34CDBF7F8E8}" srcId="{016CCFD7-EE1D-4653-8070-FE44E4A75357}" destId="{4E47AF21-4D04-4EC2-8510-9D9E72D30281}" srcOrd="1" destOrd="0" parTransId="{C496B86C-CB2F-44BE-8907-2738B746B183}" sibTransId="{0A403A13-79E0-4B48-B02B-948F479E65D4}"/>
-    <dgm:cxn modelId="{5AA672A9-9CA8-4A26-9330-94AD8FD90248}" type="presOf" srcId="{2896A8A0-456F-4AD4-B642-34BB5E63603E}" destId="{14D7C8BD-346A-4386-B2BB-EA9AFF997488}" srcOrd="0" destOrd="0" presId="urn:microsoft.com/office/officeart/2009/3/layout/HorizontalOrganizationChart"/>
-    <dgm:cxn modelId="{13FDD9A3-6C64-4996-AD7C-A563A6AB8395}" type="presOf" srcId="{016CCFD7-EE1D-4653-8070-FE44E4A75357}" destId="{F2F1A06E-934A-47D9-A3BA-4A905A5205A5}" srcOrd="0" destOrd="0" presId="urn:microsoft.com/office/officeart/2009/3/layout/HorizontalOrganizationChart"/>
-    <dgm:cxn modelId="{82BDF055-F95E-4D8E-ABEA-9429CFCB91F8}" type="presOf" srcId="{9B3DFB51-4F40-4C99-922E-67872A0FB1BB}" destId="{BBBDB6D9-02F0-4C80-8B79-00DDF0F60F33}" srcOrd="0" destOrd="0" presId="urn:microsoft.com/office/officeart/2009/3/layout/HorizontalOrganizationChart"/>
-    <dgm:cxn modelId="{ACFFD512-21F0-4483-B584-12996ACC995D}" srcId="{154AE182-EA44-4588-BEC5-833BA0B62657}" destId="{D9A4BA73-A22A-478B-B8E3-409C8720D788}" srcOrd="0" destOrd="0" parTransId="{DF31F1EF-FB05-4D73-BE73-7BACE4019D56}" sibTransId="{5D339CC4-4303-46C4-9665-29E21E54F834}"/>
-    <dgm:cxn modelId="{2640D52E-8825-4485-AD5E-5CD7A5423247}" srcId="{1DE97DD3-D731-4FD2-B4B5-65CFE2BAB3E4}" destId="{79691467-F3B5-458E-9BCE-7B04744CC693}" srcOrd="2" destOrd="0" parTransId="{83F0FFD6-E1D0-4C7B-8BAA-48FFE2E9BEF3}" sibTransId="{A4297ECC-5565-435E-A520-28E6173E8BA9}"/>
-    <dgm:cxn modelId="{22FE9273-8859-49E0-80F5-713B0EA18341}" type="presOf" srcId="{79691467-F3B5-458E-9BCE-7B04744CC693}" destId="{6F499131-600B-4D82-B6BC-02C47B243689}" srcOrd="0" destOrd="0" presId="urn:microsoft.com/office/officeart/2009/3/layout/HorizontalOrganizationChart"/>
-    <dgm:cxn modelId="{FFDFDEDA-F15E-4831-A829-819B8F573012}" srcId="{68081D6E-116A-4DC4-AABD-7FB74799BE7C}" destId="{3EF700D5-25E4-44CE-80D3-4711AE5F4DC4}" srcOrd="1" destOrd="0" parTransId="{05FD8816-D790-42DE-9378-4FB60E831768}" sibTransId="{9CD78C14-F539-4D6B-A5B2-252787F9963B}"/>
-    <dgm:cxn modelId="{5BAB8363-30E6-4874-B9FE-519850B57DC6}" type="presOf" srcId="{F4B83DC5-C5BB-4395-851F-0ECE7018F7F2}" destId="{3AC9A39D-D756-4D02-87DA-FC99E61710E2}" srcOrd="0" destOrd="0" presId="urn:microsoft.com/office/officeart/2009/3/layout/HorizontalOrganizationChart"/>
-    <dgm:cxn modelId="{F4B93ECE-EEDC-44EE-8C53-95F7A144292F}" type="presOf" srcId="{D9A4BA73-A22A-478B-B8E3-409C8720D788}" destId="{4155F606-518B-4639-AFAB-DB72DEFC4299}" srcOrd="1" destOrd="0" presId="urn:microsoft.com/office/officeart/2009/3/layout/HorizontalOrganizationChart"/>
-    <dgm:cxn modelId="{A2B5CAE8-FF25-480F-ACE0-632DF8D5670F}" srcId="{2727E88E-744E-4201-AD9F-B6E177540074}" destId="{181020BB-05F4-4525-908B-D1B14E657C73}" srcOrd="2" destOrd="0" parTransId="{1FCAA312-BC87-4D1B-8B22-A91D2B7CC7F0}" sibTransId="{0DDF316F-5E9A-4DAC-800E-1F39D932C8A2}"/>
-    <dgm:cxn modelId="{D5BBF652-5565-41CD-AEC2-B7F7CF890037}" type="presOf" srcId="{050179E8-5116-4333-8E15-67A1A02BEE65}" destId="{2DD0F28A-C3E8-4AC2-B2C7-D422B790DF6F}" srcOrd="1" destOrd="0" presId="urn:microsoft.com/office/officeart/2009/3/layout/HorizontalOrganizationChart"/>
-    <dgm:cxn modelId="{B07B05E0-7B6A-4855-99F7-B1EBD20EE98A}" type="presOf" srcId="{0E69900A-F490-49C7-AAAF-638D5E566FC6}" destId="{9929B529-38BC-45FB-88A1-0A532B70868F}" srcOrd="0" destOrd="0" presId="urn:microsoft.com/office/officeart/2009/3/layout/HorizontalOrganizationChart"/>
-    <dgm:cxn modelId="{250E2D34-A415-4D77-95FD-3FAABB517806}" type="presOf" srcId="{1CA8724C-7011-43FD-85FD-66D8BA8E075A}" destId="{1D3C47ED-0E0C-4ECE-B88D-5C3573776B33}" srcOrd="0" destOrd="0" presId="urn:microsoft.com/office/officeart/2009/3/layout/HorizontalOrganizationChart"/>
-    <dgm:cxn modelId="{5285E231-7A2B-4380-8966-E304A5EA3CFD}" type="presOf" srcId="{6B76E167-3110-4BC5-A3D7-E4406D4A9E85}" destId="{52A88742-C428-4D89-BCED-E4180EB66D30}" srcOrd="0" destOrd="0" presId="urn:microsoft.com/office/officeart/2009/3/layout/HorizontalOrganizationChart"/>
-    <dgm:cxn modelId="{650DEDE8-F56C-48BE-B871-ED2CCA1CF801}" type="presOf" srcId="{DF682FBF-1F42-4642-A9BB-1C073A60DC82}" destId="{9F851AA1-951E-4CC8-ADA1-805E57872B0B}" srcOrd="0" destOrd="0" presId="urn:microsoft.com/office/officeart/2009/3/layout/HorizontalOrganizationChart"/>
-    <dgm:cxn modelId="{3F055314-1FA9-4143-BB0B-262577AF04D5}" type="presOf" srcId="{D9542883-6D50-4310-A798-EE96ECD1D170}" destId="{B9056D79-D086-4886-A4B9-6F20CB50A2E5}" srcOrd="1" destOrd="0" presId="urn:microsoft.com/office/officeart/2009/3/layout/HorizontalOrganizationChart"/>
-    <dgm:cxn modelId="{91C56E9D-341F-4D86-B4D1-D282D8CEF8BB}" srcId="{9782AB34-75E5-4DAD-B0DF-7442009D0A30}" destId="{050179E8-5116-4333-8E15-67A1A02BEE65}" srcOrd="0" destOrd="0" parTransId="{356B4961-C1AC-4701-9D80-187415252939}" sibTransId="{948E35D4-5DE3-49EA-9F67-A13093B5DBD4}"/>
-    <dgm:cxn modelId="{74126AB4-ED82-4ABC-8E0D-494C008B7160}" type="presOf" srcId="{3EF700D5-25E4-44CE-80D3-4711AE5F4DC4}" destId="{9A83AA1F-3B18-4AA4-8E88-18F0D33F2379}" srcOrd="1" destOrd="0" presId="urn:microsoft.com/office/officeart/2009/3/layout/HorizontalOrganizationChart"/>
-    <dgm:cxn modelId="{372809B7-F848-443C-9DF9-DC1DF4DEF49D}" type="presOf" srcId="{3EF700D5-25E4-44CE-80D3-4711AE5F4DC4}" destId="{8103AEBB-C07A-4163-A2C1-E43FC07B1DEA}" srcOrd="0" destOrd="0" presId="urn:microsoft.com/office/officeart/2009/3/layout/HorizontalOrganizationChart"/>
-    <dgm:cxn modelId="{671D4F85-2F54-47CA-A0B8-64B09B1E5C05}" type="presOf" srcId="{A0421A88-7D47-4481-812E-536A1D4A8CE1}" destId="{2DD8824D-5463-4206-93A1-C294CC9FBBD5}" srcOrd="0" destOrd="0" presId="urn:microsoft.com/office/officeart/2009/3/layout/HorizontalOrganizationChart"/>
-    <dgm:cxn modelId="{CDDAF585-9397-442D-8296-1E51DBDE2D5A}" type="presOf" srcId="{0CD5E165-12AE-4B22-BEA3-6B7496EC31DF}" destId="{14AF7544-2AEC-4BBA-8FDA-2EA98BF989B1}" srcOrd="0" destOrd="0" presId="urn:microsoft.com/office/officeart/2009/3/layout/HorizontalOrganizationChart"/>
-    <dgm:cxn modelId="{D5C81FBC-12DA-4145-BC88-BE663909CF50}" type="presOf" srcId="{340A3955-AE07-44F2-89BE-0679CF9D78BE}" destId="{C89CDFFA-B4BD-40F1-9E74-F7827D56A3C8}" srcOrd="0" destOrd="0" presId="urn:microsoft.com/office/officeart/2009/3/layout/HorizontalOrganizationChart"/>
-    <dgm:cxn modelId="{5CAE9935-63D7-4FA5-B182-DF7E22B23CA1}" srcId="{DAA4A38E-2FE5-4D70-A34B-7BA93F490450}" destId="{65779BB9-F557-440E-BAE1-DC80B05AC063}" srcOrd="1" destOrd="0" parTransId="{DFF9BA56-4846-4E90-8684-544253093FA3}" sibTransId="{828A2846-2582-4907-9DF4-B0355C2708F4}"/>
-    <dgm:cxn modelId="{E643F7EB-2417-47DD-9260-D736869F2255}" type="presOf" srcId="{5A4EB3B9-72FC-4A8C-8904-B15A939FF163}" destId="{042C7BE6-1326-45CE-AA00-B81A3FE16479}" srcOrd="1" destOrd="0" presId="urn:microsoft.com/office/officeart/2009/3/layout/HorizontalOrganizationChart"/>
-    <dgm:cxn modelId="{EC608849-8D75-43E9-B4DB-B85B2418A594}" type="presOf" srcId="{88E5C0D4-DC0E-4794-BD4D-C53495160752}" destId="{86DF7669-C6B0-4342-8627-66FB34C0597D}" srcOrd="0" destOrd="0" presId="urn:microsoft.com/office/officeart/2009/3/layout/HorizontalOrganizationChart"/>
-    <dgm:cxn modelId="{B3190208-89E4-4193-AA00-C855BB756C81}" type="presOf" srcId="{FDDA2F9C-1EC2-4803-B4BD-F2ED58E344CC}" destId="{90FD7325-4B60-4098-B8F7-7312F3B72905}" srcOrd="0" destOrd="0" presId="urn:microsoft.com/office/officeart/2009/3/layout/HorizontalOrganizationChart"/>
-    <dgm:cxn modelId="{1964A656-F4B3-42D5-89ED-45B9FFC4594C}" srcId="{9782AB34-75E5-4DAD-B0DF-7442009D0A30}" destId="{1F18D17D-60D9-4DE2-BBB6-03613B3E9956}" srcOrd="1" destOrd="0" parTransId="{2896A8A0-456F-4AD4-B642-34BB5E63603E}" sibTransId="{E5EE74D7-B8D7-4F29-ACD8-CCFDF490CBEC}"/>
-    <dgm:cxn modelId="{3DD748F0-55D1-40B9-8E76-2EB570C62781}" type="presOf" srcId="{04A8D58E-13A5-400B-90A8-D469145C8279}" destId="{AFBA0E28-233E-4B2D-BB7F-A04D4EC362FE}" srcOrd="0" destOrd="0" presId="urn:microsoft.com/office/officeart/2009/3/layout/HorizontalOrganizationChart"/>
-    <dgm:cxn modelId="{413814E4-869A-4E9A-AE61-56822C6CB152}" type="presOf" srcId="{EA40D8AE-7E7D-430F-A763-AA54D3341DFA}" destId="{8C47DF9F-34AE-418C-B313-AB87141FF415}" srcOrd="0" destOrd="0" presId="urn:microsoft.com/office/officeart/2009/3/layout/HorizontalOrganizationChart"/>
-    <dgm:cxn modelId="{D602D6D5-9111-4F2E-B7DE-DF2EE3275AB8}" type="presOf" srcId="{38F5B81C-AFD6-4240-8172-ED07ADBB3458}" destId="{03B4F3A9-8DB2-43C0-849B-802D884A2744}" srcOrd="1" destOrd="0" presId="urn:microsoft.com/office/officeart/2009/3/layout/HorizontalOrganizationChart"/>
-    <dgm:cxn modelId="{43D6366E-B6D9-4778-BC54-A57C400629FF}" type="presOf" srcId="{728D8AAE-C569-4DD1-8177-0025F7C97B80}" destId="{29CDDB1C-E7E9-4286-A8DE-4050011395CC}" srcOrd="0" destOrd="0" presId="urn:microsoft.com/office/officeart/2009/3/layout/HorizontalOrganizationChart"/>
-    <dgm:cxn modelId="{2AD6B146-EDEE-4DDE-990D-905325E737DD}" srcId="{016CCFD7-EE1D-4653-8070-FE44E4A75357}" destId="{271EF062-6193-480E-9133-608F1C97F672}" srcOrd="0" destOrd="0" parTransId="{E0C30AB5-085E-404F-93DE-5B75ABA7AA23}" sibTransId="{B00F1252-A16A-436C-8270-1519F6CAFF0F}"/>
-    <dgm:cxn modelId="{A78E17F0-EB16-413F-86F0-855B16CC4649}" type="presOf" srcId="{181DB21A-3A63-456B-B30D-0DB82072FD79}" destId="{F032FBFF-8253-4715-9A61-D4EFB30A16F0}" srcOrd="0" destOrd="0" presId="urn:microsoft.com/office/officeart/2009/3/layout/HorizontalOrganizationChart"/>
-    <dgm:cxn modelId="{00BE7C3B-178B-4424-9B29-C2B74D7B2EBA}" srcId="{CDC8CB8D-2F6D-4F29-9A2E-9EF932CCA58C}" destId="{38F5B81C-AFD6-4240-8172-ED07ADBB3458}" srcOrd="1" destOrd="0" parTransId="{7486CC4A-371F-44BB-961E-FC658567B17D}" sibTransId="{F1E07F7A-4E47-4C04-91C3-F25B6AED41C4}"/>
-    <dgm:cxn modelId="{FE052708-76CC-4F6C-8AA4-E1E0B815B7C8}" type="presOf" srcId="{4E47AF21-4D04-4EC2-8510-9D9E72D30281}" destId="{B487BA94-86B8-4FF1-A3B0-387A97812BA0}" srcOrd="1" destOrd="0" presId="urn:microsoft.com/office/officeart/2009/3/layout/HorizontalOrganizationChart"/>
-    <dgm:cxn modelId="{D18F0B87-D742-443E-B6F3-CF0C38484CA3}" type="presOf" srcId="{1F18D17D-60D9-4DE2-BBB6-03613B3E9956}" destId="{EC8754C5-1ABF-4F9A-AC20-0DADFAD7C097}" srcOrd="1" destOrd="0" presId="urn:microsoft.com/office/officeart/2009/3/layout/HorizontalOrganizationChart"/>
-    <dgm:cxn modelId="{6EC6E7B7-276C-4487-B000-09EF13F279F3}" type="presOf" srcId="{CDC8CB8D-2F6D-4F29-9A2E-9EF932CCA58C}" destId="{F25DBF8B-B53C-4879-A8A3-1FB0CAABC7CE}" srcOrd="1" destOrd="0" presId="urn:microsoft.com/office/officeart/2009/3/layout/HorizontalOrganizationChart"/>
-    <dgm:cxn modelId="{FAF29500-5F16-465D-BE33-5A103A4FAE1C}" type="presOf" srcId="{EBCC300B-8B89-463A-BE1B-EBC57A2E7D07}" destId="{644A4F60-CB16-4B78-8BDE-BD0F0662D1C2}" srcOrd="0" destOrd="0" presId="urn:microsoft.com/office/officeart/2009/3/layout/HorizontalOrganizationChart"/>
-    <dgm:cxn modelId="{3FB10735-67AE-49D6-962A-242F3A4C3C95}" srcId="{3EF700D5-25E4-44CE-80D3-4711AE5F4DC4}" destId="{5802BD5D-770E-4E8D-9998-4C9E9A022B7D}" srcOrd="1" destOrd="0" parTransId="{EA634B58-FC76-4C63-8B52-9C0D0EA2D728}" sibTransId="{82E6CF48-E6C3-4D66-A9CC-48BE1360FEF3}"/>
-    <dgm:cxn modelId="{7E61E91C-4163-4A4D-B228-C34F8A680E51}" type="presOf" srcId="{5802BD5D-770E-4E8D-9998-4C9E9A022B7D}" destId="{F0A8C115-A97A-4495-89C5-94067165C4AA}" srcOrd="1" destOrd="0" presId="urn:microsoft.com/office/officeart/2009/3/layout/HorizontalOrganizationChart"/>
-    <dgm:cxn modelId="{A426D704-A0AC-4190-AAA2-6242D506BF0C}" type="presOf" srcId="{8EC725FB-963C-4D1E-9617-A90C6E87B24D}" destId="{ABA353C8-B1DE-4399-81E3-6452DE8ECF70}" srcOrd="1" destOrd="0" presId="urn:microsoft.com/office/officeart/2009/3/layout/HorizontalOrganizationChart"/>
-    <dgm:cxn modelId="{884046C1-E93C-44B3-9677-31D2EF687B8B}" srcId="{FDDA2F9C-1EC2-4803-B4BD-F2ED58E344CC}" destId="{D659E9CF-5FAF-436A-91FE-FD85A3068E5E}" srcOrd="1" destOrd="0" parTransId="{A50A30A6-B689-4E34-98A7-CFEC565931F8}" sibTransId="{3CD98C19-459C-4A3C-B5C5-283EC8E5BA62}"/>
-    <dgm:cxn modelId="{8C3B1CCE-A947-4AC0-A7F0-1979B9ABA48E}" type="presOf" srcId="{474C0BE3-B46C-4D0B-B48E-5C26DCF42C05}" destId="{A79C6B22-7A40-4784-9C1F-EAEB6529371D}" srcOrd="0" destOrd="0" presId="urn:microsoft.com/office/officeart/2009/3/layout/HorizontalOrganizationChart"/>
-    <dgm:cxn modelId="{5F4E793A-0435-4191-AED7-1F2604F37360}" type="presOf" srcId="{2727E88E-744E-4201-AD9F-B6E177540074}" destId="{3C6C1E57-DA86-4341-80B7-92D687F4B9E1}" srcOrd="1" destOrd="0" presId="urn:microsoft.com/office/officeart/2009/3/layout/HorizontalOrganizationChart"/>
-    <dgm:cxn modelId="{43C032D2-470D-42CE-A226-6E52AE9F8A60}" type="presOf" srcId="{FDDA2F9C-1EC2-4803-B4BD-F2ED58E344CC}" destId="{25AFB06D-2B42-4B09-B16E-4CA880D4D752}" srcOrd="1" destOrd="0" presId="urn:microsoft.com/office/officeart/2009/3/layout/HorizontalOrganizationChart"/>
-    <dgm:cxn modelId="{B5CE26C1-6874-4D27-9568-FAE6D5978004}" type="presOf" srcId="{D659E9CF-5FAF-436A-91FE-FD85A3068E5E}" destId="{490BC91B-E5FB-4619-8F54-5DBA8F631DE5}" srcOrd="1" destOrd="0" presId="urn:microsoft.com/office/officeart/2009/3/layout/HorizontalOrganizationChart"/>
-    <dgm:cxn modelId="{6FD84025-36F6-485D-99A4-551331C98A01}" type="presOf" srcId="{8BE6B78B-55D8-4E9F-8DBA-8238E3BA9663}" destId="{9A64489B-09E4-4FFC-8440-07CC423446D8}" srcOrd="1" destOrd="0" presId="urn:microsoft.com/office/officeart/2009/3/layout/HorizontalOrganizationChart"/>
-    <dgm:cxn modelId="{C3849AFE-C50B-43D0-8D06-D642BC9B958D}" type="presOf" srcId="{1DE97DD3-D731-4FD2-B4B5-65CFE2BAB3E4}" destId="{AA5769C6-4BCE-490E-AB9D-AAE58DFEA0ED}" srcOrd="0" destOrd="0" presId="urn:microsoft.com/office/officeart/2009/3/layout/HorizontalOrganizationChart"/>
-    <dgm:cxn modelId="{7746C28E-446F-4227-B004-AB01CC4A4563}" type="presOf" srcId="{68081D6E-116A-4DC4-AABD-7FB74799BE7C}" destId="{C5EA99A9-BB32-4039-9316-AA65F801903F}" srcOrd="1" destOrd="0" presId="urn:microsoft.com/office/officeart/2009/3/layout/HorizontalOrganizationChart"/>
-    <dgm:cxn modelId="{980EC5C9-ECAB-4E6A-9082-DC93DE9B7E50}" type="presOf" srcId="{05FD8816-D790-42DE-9378-4FB60E831768}" destId="{52A7C32B-B66B-420B-94ED-F9DA2074C39B}" srcOrd="0" destOrd="0" presId="urn:microsoft.com/office/officeart/2009/3/layout/HorizontalOrganizationChart"/>
-    <dgm:cxn modelId="{EE5E9601-4715-43AC-BCD2-825C942B78AC}" type="presOf" srcId="{728D8AAE-C569-4DD1-8177-0025F7C97B80}" destId="{B17B88C9-AC2A-458C-B484-BC3045D11AF8}" srcOrd="1" destOrd="0" presId="urn:microsoft.com/office/officeart/2009/3/layout/HorizontalOrganizationChart"/>
-    <dgm:cxn modelId="{87A07144-D549-483E-9DEC-C7BD6C061D48}" type="presOf" srcId="{95E92A9E-5634-4047-95A3-B25786525116}" destId="{AC3BF161-325C-4A27-83A9-2C4D3FB85B36}" srcOrd="0" destOrd="0" presId="urn:microsoft.com/office/officeart/2009/3/layout/HorizontalOrganizationChart"/>
-    <dgm:cxn modelId="{F6D65665-C0E7-4FBA-9C7D-3F852B6C9AD8}" srcId="{9782AB34-75E5-4DAD-B0DF-7442009D0A30}" destId="{73A3414D-1E2D-4D1C-BCF8-30ED36519BA9}" srcOrd="2" destOrd="0" parTransId="{88E5C0D4-DC0E-4794-BD4D-C53495160752}" sibTransId="{67AED2B2-FF0C-494D-AADA-059E760BEF5F}"/>
-    <dgm:cxn modelId="{49DD8B32-F14B-45B2-A823-BA4DFE8847C5}" type="presOf" srcId="{F36960F5-3AEE-415A-B940-D7FAC1ECD2F3}" destId="{C186BE7E-EA89-4BD4-B35D-473B8715843F}" srcOrd="1" destOrd="0" presId="urn:microsoft.com/office/officeart/2009/3/layout/HorizontalOrganizationChart"/>
-    <dgm:cxn modelId="{EFEDC8E0-B106-4414-8AAA-7B89B1858DBB}" type="presOf" srcId="{38F5B81C-AFD6-4240-8172-ED07ADBB3458}" destId="{B2B02428-1400-4E62-BD77-151F70080641}" srcOrd="0" destOrd="0" presId="urn:microsoft.com/office/officeart/2009/3/layout/HorizontalOrganizationChart"/>
-    <dgm:cxn modelId="{2F80A295-60C5-4CC2-89DF-C972A89DD2C8}" type="presOf" srcId="{1FCAA312-BC87-4D1B-8B22-A91D2B7CC7F0}" destId="{F79A6566-8BF7-4D25-BC75-FAE48935F93D}" srcOrd="0" destOrd="0" presId="urn:microsoft.com/office/officeart/2009/3/layout/HorizontalOrganizationChart"/>
-    <dgm:cxn modelId="{E0C6E429-CFB6-4D8A-83C5-FCB15D20C8FF}" srcId="{016CCFD7-EE1D-4653-8070-FE44E4A75357}" destId="{8EC725FB-963C-4D1E-9617-A90C6E87B24D}" srcOrd="3" destOrd="0" parTransId="{F4B83DC5-C5BB-4395-851F-0ECE7018F7F2}" sibTransId="{2A088765-2FAC-4712-B784-C804998C1F9D}"/>
-    <dgm:cxn modelId="{0C77EEF6-DFBC-4B56-8B37-F6FFA6134502}" srcId="{23B04188-5B67-4BB9-8A60-CDD9E9D7D705}" destId="{DEBEE854-2033-4F0A-9167-F6C4D529E60D}" srcOrd="0" destOrd="0" parTransId="{92CA00B5-54BE-4085-A6B9-413D76F5AEB5}" sibTransId="{ADA34E7E-FA9F-4A76-9FF7-93181AAE15B2}"/>
-    <dgm:cxn modelId="{AE55F31B-71C3-4ADA-93B0-5F74E0ADD74A}" srcId="{5BAF864A-1259-4C10-81C0-19376C49EB8A}" destId="{2727E88E-744E-4201-AD9F-B6E177540074}" srcOrd="0" destOrd="0" parTransId="{ABE86617-5B92-40E2-8511-488EA1C4D75F}" sibTransId="{C64610CE-6C05-4E68-9AD9-37E07A03BC5F}"/>
-    <dgm:cxn modelId="{703BA24E-F206-43BD-AD7B-DEDB77F4B102}" type="presOf" srcId="{D9A4BA73-A22A-478B-B8E3-409C8720D788}" destId="{5DA55C99-7957-4B6D-8488-30F7087B14A0}" srcOrd="0" destOrd="0" presId="urn:microsoft.com/office/officeart/2009/3/layout/HorizontalOrganizationChart"/>
-    <dgm:cxn modelId="{14FC2ACF-CA54-4D38-88EB-21AF48E4D65B}" srcId="{5A4EB3B9-72FC-4A8C-8904-B15A939FF163}" destId="{95E92A9E-5634-4047-95A3-B25786525116}" srcOrd="1" destOrd="0" parTransId="{67AE0F58-AA43-4422-96C9-F8D3DEB031B9}" sibTransId="{764E8C30-9BBD-4CC6-9E3A-4CA9782C0148}"/>
-    <dgm:cxn modelId="{DE4D6ED3-EFF6-452F-8D4F-9E36DDD0F208}" type="presOf" srcId="{EA634B58-FC76-4C63-8B52-9C0D0EA2D728}" destId="{1BBF707A-CB1F-4C85-A60B-43567E74AAA3}" srcOrd="0" destOrd="0" presId="urn:microsoft.com/office/officeart/2009/3/layout/HorizontalOrganizationChart"/>
-    <dgm:cxn modelId="{F1ABC466-3F9B-4B18-BB16-979CB0D6DA8F}" srcId="{D9A4BA73-A22A-478B-B8E3-409C8720D788}" destId="{5A4EB3B9-72FC-4A8C-8904-B15A939FF163}" srcOrd="1" destOrd="0" parTransId="{761CD822-D85B-4764-AEE2-5C7A35941767}" sibTransId="{43D9B15D-7089-4AA3-978D-E6AA8988CDF3}"/>
-    <dgm:cxn modelId="{4AE2AA40-D35A-44AA-BFB3-7C5F2F0FC06F}" srcId="{2727E88E-744E-4201-AD9F-B6E177540074}" destId="{23B04188-5B67-4BB9-8A60-CDD9E9D7D705}" srcOrd="1" destOrd="0" parTransId="{3447CD4A-6DF2-4E91-86FC-86AC50FCD0F3}" sibTransId="{5444727C-2FC1-4DB3-B55F-CB8FC2DB062D}"/>
-    <dgm:cxn modelId="{425AD1BD-1BCF-4D11-907A-146D8BE0C043}" type="presOf" srcId="{23B04188-5B67-4BB9-8A60-CDD9E9D7D705}" destId="{C63CF3BB-94AB-4A78-9B45-D7AA3579AC11}" srcOrd="0" destOrd="0" presId="urn:microsoft.com/office/officeart/2009/3/layout/HorizontalOrganizationChart"/>
-    <dgm:cxn modelId="{328FC83F-8FAC-4D6F-8A16-387C510E9C30}" srcId="{3EF700D5-25E4-44CE-80D3-4711AE5F4DC4}" destId="{728D8AAE-C569-4DD1-8177-0025F7C97B80}" srcOrd="2" destOrd="0" parTransId="{DF682FBF-1F42-4642-A9BB-1C073A60DC82}" sibTransId="{41B8A5F1-99F2-4FD6-BAA8-089084748377}"/>
-    <dgm:cxn modelId="{C209FC5E-A0C9-46F1-A1F4-42BF6DB9C74A}" type="presOf" srcId="{79691467-F3B5-458E-9BCE-7B04744CC693}" destId="{547428DC-C76F-4660-9663-FA0C6E9935E9}" srcOrd="1" destOrd="0" presId="urn:microsoft.com/office/officeart/2009/3/layout/HorizontalOrganizationChart"/>
-    <dgm:cxn modelId="{FA50CBE5-1D6D-4C84-AB9C-284E9D0453FF}" type="presOf" srcId="{6B76E167-3110-4BC5-A3D7-E4406D4A9E85}" destId="{BCF63271-6A27-490B-B0B9-4B0E83B390AB}" srcOrd="1" destOrd="0" presId="urn:microsoft.com/office/officeart/2009/3/layout/HorizontalOrganizationChart"/>
-    <dgm:cxn modelId="{BEC490F5-2242-44BA-90A5-B6195FF3CD94}" srcId="{5A4EB3B9-72FC-4A8C-8904-B15A939FF163}" destId="{CDC8CB8D-2F6D-4F29-9A2E-9EF932CCA58C}" srcOrd="0" destOrd="0" parTransId="{962D5D3C-B884-420C-A6CF-1A49DDDD636B}" sibTransId="{02BB0787-EC78-41DA-ADC8-CF0C9BD7E28A}"/>
-    <dgm:cxn modelId="{BC2639E9-E647-4F57-A946-E228ED8397D2}" type="presOf" srcId="{67AE0F58-AA43-4422-96C9-F8D3DEB031B9}" destId="{9F545195-F944-4F2A-A37C-061F1D1A39CA}" srcOrd="0" destOrd="0" presId="urn:microsoft.com/office/officeart/2009/3/layout/HorizontalOrganizationChart"/>
-    <dgm:cxn modelId="{3210E76C-B2E7-4E59-9A60-2C82F35D100B}" type="presOf" srcId="{65779BB9-F557-440E-BAE1-DC80B05AC063}" destId="{A60BF2BF-60CC-451B-A0F1-F63768BADF39}" srcOrd="0" destOrd="0" presId="urn:microsoft.com/office/officeart/2009/3/layout/HorizontalOrganizationChart"/>
-    <dgm:cxn modelId="{5F3FDBDC-13CC-4D01-89D5-A0E5ABF67CE6}" type="presOf" srcId="{340A3955-AE07-44F2-89BE-0679CF9D78BE}" destId="{0C6316AA-46EA-4437-920C-5390E2143E30}" srcOrd="1" destOrd="0" presId="urn:microsoft.com/office/officeart/2009/3/layout/HorizontalOrganizationChart"/>
-    <dgm:cxn modelId="{31ED5000-9B21-4F21-A20F-EEEF8A4C052B}" type="presOf" srcId="{CAD89E09-8EE5-4A0A-AD2F-9EFE5ECBD847}" destId="{FF9E96B1-5A7C-4F67-BEA0-5B7F3F3BE427}" srcOrd="0" destOrd="0" presId="urn:microsoft.com/office/officeart/2009/3/layout/HorizontalOrganizationChart"/>
-    <dgm:cxn modelId="{0BD1021F-DE5C-4692-B563-63BFEFAC02BC}" type="presOf" srcId="{7F28A717-E53E-4902-AEFC-AC3BB915C715}" destId="{A041A89E-B022-4BF6-B32B-749BB764EC4A}" srcOrd="1" destOrd="0" presId="urn:microsoft.com/office/officeart/2009/3/layout/HorizontalOrganizationChart"/>
-    <dgm:cxn modelId="{81061DE8-4B00-4B74-9899-23CFF03087F6}" srcId="{04A8D58E-13A5-400B-90A8-D469145C8279}" destId="{DAA4A38E-2FE5-4D70-A34B-7BA93F490450}" srcOrd="0" destOrd="0" parTransId="{683A1864-46F8-47ED-8B3D-CDCE9B653E2E}" sibTransId="{B8596ACB-3646-4AF9-B616-2E90C4F9359F}"/>
-    <dgm:cxn modelId="{28CA56F4-2266-4361-BD08-6F3C5143B313}" type="presOf" srcId="{1D5CBDD9-4DA3-46C3-A05E-4B2F1ED96C55}" destId="{432AB22B-E4E7-4D74-8FBB-7C601FFC2033}" srcOrd="0" destOrd="0" presId="urn:microsoft.com/office/officeart/2009/3/layout/HorizontalOrganizationChart"/>
-    <dgm:cxn modelId="{82856545-9977-401E-BE67-125D44BF3B66}" type="presOf" srcId="{2B1D28F4-E944-406A-93C5-38EC43029839}" destId="{1E71000E-0FDF-4F53-9DA9-A22DFCDBC5E1}" srcOrd="0" destOrd="0" presId="urn:microsoft.com/office/officeart/2009/3/layout/HorizontalOrganizationChart"/>
-    <dgm:cxn modelId="{68EEE943-CED8-4D51-9985-8EA3036536B2}" type="presOf" srcId="{DFF9BA56-4846-4E90-8684-544253093FA3}" destId="{8A14BE25-F2F1-4E55-96B9-49AF0280FAA5}" srcOrd="0" destOrd="0" presId="urn:microsoft.com/office/officeart/2009/3/layout/HorizontalOrganizationChart"/>
-    <dgm:cxn modelId="{F1E91AE2-5BC1-4F11-8A97-C6FBBCDE32AC}" srcId="{4E47AF21-4D04-4EC2-8510-9D9E72D30281}" destId="{68081D6E-116A-4DC4-AABD-7FB74799BE7C}" srcOrd="1" destOrd="0" parTransId="{474C0BE3-B46C-4D0B-B48E-5C26DCF42C05}" sibTransId="{407575CD-1AC2-4138-BFCC-A411350FC4CF}"/>
-    <dgm:cxn modelId="{D7BB6D1D-7955-43B0-B09E-8F180483876B}" type="presOf" srcId="{5BAF864A-1259-4C10-81C0-19376C49EB8A}" destId="{7C5A6795-DA52-43DB-A69D-FCF1A46F96AB}" srcOrd="1" destOrd="0" presId="urn:microsoft.com/office/officeart/2009/3/layout/HorizontalOrganizationChart"/>
-    <dgm:cxn modelId="{7C4204BD-DAD5-4906-80A0-5E5C6A4321B3}" type="presOf" srcId="{D03E09C4-6C63-4E91-B26D-AA2A72FAEE7C}" destId="{F1B498A8-E1DF-4BA9-A45B-57C18F498FE4}" srcOrd="0" destOrd="0" presId="urn:microsoft.com/office/officeart/2009/3/layout/HorizontalOrganizationChart"/>
-    <dgm:cxn modelId="{DC15C4AE-E537-40A8-A145-CF0C788E2A20}" type="presOf" srcId="{9CA42190-7F04-4F58-8AF1-706BAD190A16}" destId="{089EB023-2ACB-488E-9E7E-CF11A549B421}" srcOrd="0" destOrd="0" presId="urn:microsoft.com/office/officeart/2009/3/layout/HorizontalOrganizationChart"/>
-    <dgm:cxn modelId="{B2375AFF-8735-4B8E-B465-6DE01C58E67E}" type="presOf" srcId="{ABE86617-5B92-40E2-8511-488EA1C4D75F}" destId="{D15BDCE5-34F6-4C64-A768-D933E30D9E44}" srcOrd="0" destOrd="0" presId="urn:microsoft.com/office/officeart/2009/3/layout/HorizontalOrganizationChart"/>
-    <dgm:cxn modelId="{D61BA534-FDC9-42A0-AD04-24835266BC24}" type="presOf" srcId="{4E47AF21-4D04-4EC2-8510-9D9E72D30281}" destId="{9CAAB6B5-711C-4F1D-8D2E-045ED2F6358D}" srcOrd="0" destOrd="0" presId="urn:microsoft.com/office/officeart/2009/3/layout/HorizontalOrganizationChart"/>
-    <dgm:cxn modelId="{7133F40A-9351-45A4-93C2-DC9DED45D27B}" type="presOf" srcId="{83F0FFD6-E1D0-4C7B-8BAA-48FFE2E9BEF3}" destId="{B7A51AEC-2AEA-4ED7-A2F1-5577E114EC4C}" srcOrd="0" destOrd="0" presId="urn:microsoft.com/office/officeart/2009/3/layout/HorizontalOrganizationChart"/>
-    <dgm:cxn modelId="{625B01CC-A0DB-4C21-99E4-80E597B9BEC3}" type="presOf" srcId="{C496B86C-CB2F-44BE-8907-2738B746B183}" destId="{67FA21F4-CE11-4C59-BD72-BD2D9283E9AC}" srcOrd="0" destOrd="0" presId="urn:microsoft.com/office/officeart/2009/3/layout/HorizontalOrganizationChart"/>
-    <dgm:cxn modelId="{61E74200-727E-4AB4-8559-4DA05495D770}" srcId="{1DE97DD3-D731-4FD2-B4B5-65CFE2BAB3E4}" destId="{7F28A717-E53E-4902-AEFC-AC3BB915C715}" srcOrd="1" destOrd="0" parTransId="{3CF64D1F-FBE7-45DE-827C-A38DCA51519E}" sibTransId="{59A0FCF8-CCB3-4ABA-A27A-0ACF5740A6C6}"/>
-    <dgm:cxn modelId="{2CD5672C-A205-4855-95F1-B3887A6553FC}" srcId="{DAA4A38E-2FE5-4D70-A34B-7BA93F490450}" destId="{FDDA2F9C-1EC2-4803-B4BD-F2ED58E344CC}" srcOrd="0" destOrd="0" parTransId="{1D5CBDD9-4DA3-46C3-A05E-4B2F1ED96C55}" sibTransId="{A3DAC4F0-15DC-465D-B46D-48D13132CBF2}"/>
-    <dgm:cxn modelId="{3B2E4E68-A712-4095-9CD3-923E13EE4F93}" type="presOf" srcId="{DEBEE854-2033-4F0A-9167-F6C4D529E60D}" destId="{B284BF26-649C-4541-B45B-183EFBF8B21D}" srcOrd="1" destOrd="0" presId="urn:microsoft.com/office/officeart/2009/3/layout/HorizontalOrganizationChart"/>
-    <dgm:cxn modelId="{80E81C8D-DFDB-43E9-B46D-0E19B1579DF2}" type="presOf" srcId="{181020BB-05F4-4525-908B-D1B14E657C73}" destId="{354F4FF5-9E03-471F-80A8-4D58800B70D6}" srcOrd="0" destOrd="0" presId="urn:microsoft.com/office/officeart/2009/3/layout/HorizontalOrganizationChart"/>
-    <dgm:cxn modelId="{2563AA49-D2E0-485D-BE01-CDE01E23438B}" type="presOf" srcId="{3447CD4A-6DF2-4E91-86FC-86AC50FCD0F3}" destId="{A8B4C6FB-F707-4939-8FB3-A43478CFCBEB}" srcOrd="0" destOrd="0" presId="urn:microsoft.com/office/officeart/2009/3/layout/HorizontalOrganizationChart"/>
-    <dgm:cxn modelId="{B8CF334C-F4A4-46F3-B3DF-D48762662BEF}" type="presOf" srcId="{E0C30AB5-085E-404F-93DE-5B75ABA7AA23}" destId="{6658318E-BC26-44F0-809B-E3403B390C9F}" srcOrd="0" destOrd="0" presId="urn:microsoft.com/office/officeart/2009/3/layout/HorizontalOrganizationChart"/>
-    <dgm:cxn modelId="{FB2B638A-0BB1-4998-859B-D794D01F27D0}" type="presOf" srcId="{154AE182-EA44-4588-BEC5-833BA0B62657}" destId="{56CC8F34-266D-416C-95FD-AD219F200234}" srcOrd="0" destOrd="0" presId="urn:microsoft.com/office/officeart/2009/3/layout/HorizontalOrganizationChart"/>
-    <dgm:cxn modelId="{416440D4-3C8C-447D-9E74-584C96ED5121}" srcId="{5BAF864A-1259-4C10-81C0-19376C49EB8A}" destId="{016CCFD7-EE1D-4653-8070-FE44E4A75357}" srcOrd="1" destOrd="0" parTransId="{EBCC300B-8B89-463A-BE1B-EBC57A2E7D07}" sibTransId="{4945FE99-FAAB-468C-8A35-4624A2F0A8D2}"/>
-    <dgm:cxn modelId="{EF2AF094-EDF6-4B3E-992C-38F70412D327}" type="presOf" srcId="{65779BB9-F557-440E-BAE1-DC80B05AC063}" destId="{12EB9A03-D9B5-40C5-8C30-E7B76B21CCC5}" srcOrd="1" destOrd="0" presId="urn:microsoft.com/office/officeart/2009/3/layout/HorizontalOrganizationChart"/>
-    <dgm:cxn modelId="{45DC1075-8005-4B07-8E62-6D3F0EB48947}" type="presOf" srcId="{DAA4A38E-2FE5-4D70-A34B-7BA93F490450}" destId="{3F94B6E2-CAC1-4C92-8B76-03A8D16F3199}" srcOrd="0" destOrd="0" presId="urn:microsoft.com/office/officeart/2009/3/layout/HorizontalOrganizationChart"/>
-    <dgm:cxn modelId="{9C139367-230C-4BBA-8F1A-B1EF206D1ED7}" type="presOf" srcId="{271EF062-6193-480E-9133-608F1C97F672}" destId="{52DDDCB0-72EE-4C99-968C-03513CC50932}" srcOrd="1" destOrd="0" presId="urn:microsoft.com/office/officeart/2009/3/layout/HorizontalOrganizationChart"/>
-    <dgm:cxn modelId="{010B9216-8DD0-49A6-83DF-0AA54061DFA6}" type="presOf" srcId="{DAA4A38E-2FE5-4D70-A34B-7BA93F490450}" destId="{90180D28-A63F-4EE9-8FD4-F78B964A87BF}" srcOrd="1" destOrd="0" presId="urn:microsoft.com/office/officeart/2009/3/layout/HorizontalOrganizationChart"/>
-    <dgm:cxn modelId="{E8369F7F-50F5-4A58-B1E8-5BB883311667}" type="presOf" srcId="{5BAF864A-1259-4C10-81C0-19376C49EB8A}" destId="{57E7F39D-325C-46B1-B057-EB72B0261FDC}" srcOrd="0" destOrd="0" presId="urn:microsoft.com/office/officeart/2009/3/layout/HorizontalOrganizationChart"/>
-    <dgm:cxn modelId="{BAC3BC18-B6EF-4683-933C-9C5AA9683AF6}" type="presOf" srcId="{1F18D17D-60D9-4DE2-BBB6-03613B3E9956}" destId="{C9D741BB-59CE-49C8-976B-E77AFA7FB480}" srcOrd="0" destOrd="0" presId="urn:microsoft.com/office/officeart/2009/3/layout/HorizontalOrganizationChart"/>
-    <dgm:cxn modelId="{B3252C30-1FCE-41EE-8799-0B3161E4943B}" type="presOf" srcId="{698C12D4-4C18-44A1-837D-4382589F15DB}" destId="{9DD50086-5052-4CC1-A35E-BC94ECEE78CF}" srcOrd="0" destOrd="0" presId="urn:microsoft.com/office/officeart/2009/3/layout/HorizontalOrganizationChart"/>
-    <dgm:cxn modelId="{5632097A-1C33-41FA-8D2A-2FF4E2681152}" type="presOf" srcId="{68081D6E-116A-4DC4-AABD-7FB74799BE7C}" destId="{4725B574-D856-488F-9008-039D86BA8A6C}" srcOrd="0" destOrd="0" presId="urn:microsoft.com/office/officeart/2009/3/layout/HorizontalOrganizationChart"/>
-    <dgm:cxn modelId="{2FC8124E-3F8F-4338-B997-B7975CDAAD85}" type="presOf" srcId="{8BE6B78B-55D8-4E9F-8DBA-8238E3BA9663}" destId="{8788964B-FAB5-4B95-99FB-302A9B223714}" srcOrd="0" destOrd="0" presId="urn:microsoft.com/office/officeart/2009/3/layout/HorizontalOrganizationChart"/>
-    <dgm:cxn modelId="{A8C644D1-CB90-49A7-B97A-B20C6C74CB38}" type="presOf" srcId="{D659E9CF-5FAF-436A-91FE-FD85A3068E5E}" destId="{0CCCC145-51CB-4F4E-A36C-EFD45483B9DE}" srcOrd="0" destOrd="0" presId="urn:microsoft.com/office/officeart/2009/3/layout/HorizontalOrganizationChart"/>
-    <dgm:cxn modelId="{B1DC2C8B-8510-4FF7-A30B-45E15B13C6E0}" type="presOf" srcId="{3CF64D1F-FBE7-45DE-827C-A38DCA51519E}" destId="{C50A8917-512D-42EE-98BE-DB3F8D194FED}" srcOrd="0" destOrd="0" presId="urn:microsoft.com/office/officeart/2009/3/layout/HorizontalOrganizationChart"/>
-    <dgm:cxn modelId="{545EF984-727B-429C-8972-54421DA12F8A}" type="presOf" srcId="{356B4961-C1AC-4701-9D80-187415252939}" destId="{9961A975-9083-49AD-A21D-9C2C1942648F}" srcOrd="0" destOrd="0" presId="urn:microsoft.com/office/officeart/2009/3/layout/HorizontalOrganizationChart"/>
-    <dgm:cxn modelId="{7F31F436-00B6-46A9-9ACD-826394C186F9}" srcId="{FDDA2F9C-1EC2-4803-B4BD-F2ED58E344CC}" destId="{1DE97DD3-D731-4FD2-B4B5-65CFE2BAB3E4}" srcOrd="0" destOrd="0" parTransId="{EA40D8AE-7E7D-430F-A763-AA54D3341DFA}" sibTransId="{AC3BEDD8-D013-4764-8256-A6FB6FFEF55A}"/>
-    <dgm:cxn modelId="{A5B153D2-9969-4068-9C84-A8206E5C63A6}" srcId="{D9A4BA73-A22A-478B-B8E3-409C8720D788}" destId="{04A8D58E-13A5-400B-90A8-D469145C8279}" srcOrd="2" destOrd="0" parTransId="{0CD5E165-12AE-4B22-BEA3-6B7496EC31DF}" sibTransId="{5E3AF8EE-0058-41E1-955E-B4B31D32F882}"/>
-    <dgm:cxn modelId="{E75E4E3A-ED92-4D22-AE74-BD5CB6521799}" srcId="{D9A4BA73-A22A-478B-B8E3-409C8720D788}" destId="{D03E09C4-6C63-4E91-B26D-AA2A72FAEE7C}" srcOrd="0" destOrd="0" parTransId="{698C12D4-4C18-44A1-837D-4382589F15DB}" sibTransId="{F8A0B110-AEBA-4DD2-B625-7066347A30C3}"/>
-    <dgm:cxn modelId="{FA23A3B4-EB25-4DE3-86B0-7AA17DCF7935}" type="presOf" srcId="{73A3414D-1E2D-4D1C-BCF8-30ED36519BA9}" destId="{A00D14BA-D2A5-4C30-AC29-CDFF1DC9AE80}" srcOrd="0" destOrd="0" presId="urn:microsoft.com/office/officeart/2009/3/layout/HorizontalOrganizationChart"/>
-    <dgm:cxn modelId="{5ACC614A-E92D-44B8-B63A-29DBE74617B4}" srcId="{D9A4BA73-A22A-478B-B8E3-409C8720D788}" destId="{5BAF864A-1259-4C10-81C0-19376C49EB8A}" srcOrd="3" destOrd="0" parTransId="{FA9E8AAE-06B8-42FA-99C3-D3F1B7CD5F3F}" sibTransId="{3DB2A6FC-88A0-4B3E-9150-8F08B4B60741}"/>
     <dgm:cxn modelId="{A7BB5A94-930D-41F4-95F2-5ABE2F7461D1}" type="presParOf" srcId="{56CC8F34-266D-416C-95FD-AD219F200234}" destId="{592BCC88-C0F1-420B-A9A5-FA18528AF0AE}" srcOrd="0" destOrd="0" presId="urn:microsoft.com/office/officeart/2009/3/layout/HorizontalOrganizationChart"/>
     <dgm:cxn modelId="{91477242-00CD-4021-A099-800FE30B1DA7}" type="presParOf" srcId="{592BCC88-C0F1-420B-A9A5-FA18528AF0AE}" destId="{7197A2E2-317C-46F3-B6F5-03F03F873C07}" srcOrd="0" destOrd="0" presId="urn:microsoft.com/office/officeart/2009/3/layout/HorizontalOrganizationChart"/>
     <dgm:cxn modelId="{7FC67E7A-6531-4855-89F0-0EF67BE80450}" type="presParOf" srcId="{7197A2E2-317C-46F3-B6F5-03F03F873C07}" destId="{5DA55C99-7957-4B6D-8488-30F7087B14A0}" srcOrd="0" destOrd="0" presId="urn:microsoft.com/office/officeart/2009/3/layout/HorizontalOrganizationChart"/>
@@ -3910,6 +4981,27 @@
     <dgm:cxn modelId="{CB75D312-6D83-4002-8B7E-98CA8D696634}" type="presParOf" srcId="{03D4DFC8-CFE2-444D-865B-ACF014629FEE}" destId="{AC3BF161-325C-4A27-83A9-2C4D3FB85B36}" srcOrd="0" destOrd="0" presId="urn:microsoft.com/office/officeart/2009/3/layout/HorizontalOrganizationChart"/>
     <dgm:cxn modelId="{DE65636E-DC9C-447D-979F-1DF3B4413D7D}" type="presParOf" srcId="{03D4DFC8-CFE2-444D-865B-ACF014629FEE}" destId="{831999EC-3A07-491C-AEC2-386203D019DB}" srcOrd="1" destOrd="0" presId="urn:microsoft.com/office/officeart/2009/3/layout/HorizontalOrganizationChart"/>
     <dgm:cxn modelId="{AF559779-0C8E-4BE5-A673-F8AC7E69848F}" type="presParOf" srcId="{B3FE6C94-251D-4E51-B302-BB0CCACE97C6}" destId="{1EA89096-AB28-4221-B6E5-3ACD0703CE68}" srcOrd="1" destOrd="0" presId="urn:microsoft.com/office/officeart/2009/3/layout/HorizontalOrganizationChart"/>
+    <dgm:cxn modelId="{5617E2AF-E5E0-4759-970A-F41B51D127D8}" type="presParOf" srcId="{1EA89096-AB28-4221-B6E5-3ACD0703CE68}" destId="{2371CFEC-784A-437C-9E66-462BD2CB266F}" srcOrd="0" destOrd="0" presId="urn:microsoft.com/office/officeart/2009/3/layout/HorizontalOrganizationChart"/>
+    <dgm:cxn modelId="{2F7994DE-C7CA-412C-BD7F-B963F13E747B}" type="presParOf" srcId="{1EA89096-AB28-4221-B6E5-3ACD0703CE68}" destId="{17907402-7339-4D4F-851A-FA92093EA170}" srcOrd="1" destOrd="0" presId="urn:microsoft.com/office/officeart/2009/3/layout/HorizontalOrganizationChart"/>
+    <dgm:cxn modelId="{7E18CA3F-FA65-4A20-9074-9026FD80A7CE}" type="presParOf" srcId="{17907402-7339-4D4F-851A-FA92093EA170}" destId="{F0891D34-2F03-4493-8209-129C5D3F94AF}" srcOrd="0" destOrd="0" presId="urn:microsoft.com/office/officeart/2009/3/layout/HorizontalOrganizationChart"/>
+    <dgm:cxn modelId="{DAABFD9A-616B-4A8C-83B4-FAA9C23AB5C6}" type="presParOf" srcId="{F0891D34-2F03-4493-8209-129C5D3F94AF}" destId="{4196C92A-8C2C-4BF8-B3B2-B0DF94257A08}" srcOrd="0" destOrd="0" presId="urn:microsoft.com/office/officeart/2009/3/layout/HorizontalOrganizationChart"/>
+    <dgm:cxn modelId="{7FE9296F-D2D0-4671-996C-2C53882561EF}" type="presParOf" srcId="{F0891D34-2F03-4493-8209-129C5D3F94AF}" destId="{700BB637-39C3-447D-8B13-34C5ED3CA86C}" srcOrd="1" destOrd="0" presId="urn:microsoft.com/office/officeart/2009/3/layout/HorizontalOrganizationChart"/>
+    <dgm:cxn modelId="{561554C7-140B-409B-A868-64F75EA77964}" type="presParOf" srcId="{17907402-7339-4D4F-851A-FA92093EA170}" destId="{4552FC15-436C-47FD-B90D-F03980D2C55A}" srcOrd="1" destOrd="0" presId="urn:microsoft.com/office/officeart/2009/3/layout/HorizontalOrganizationChart"/>
+    <dgm:cxn modelId="{4CBDF567-BBF7-459D-AC8B-78533C64459B}" type="presParOf" srcId="{4552FC15-436C-47FD-B90D-F03980D2C55A}" destId="{0F967127-B30D-448B-9644-7B946C627416}" srcOrd="0" destOrd="0" presId="urn:microsoft.com/office/officeart/2009/3/layout/HorizontalOrganizationChart"/>
+    <dgm:cxn modelId="{8DF772B1-BF3E-46A2-8BC7-CDF3A9009D96}" type="presParOf" srcId="{4552FC15-436C-47FD-B90D-F03980D2C55A}" destId="{93E80A39-3628-47DD-A5B7-6BFD9BED9825}" srcOrd="1" destOrd="0" presId="urn:microsoft.com/office/officeart/2009/3/layout/HorizontalOrganizationChart"/>
+    <dgm:cxn modelId="{EE5DC27A-B03C-4156-91D8-A9846C3F6DFF}" type="presParOf" srcId="{93E80A39-3628-47DD-A5B7-6BFD9BED9825}" destId="{23092636-99D7-49C8-A4F5-88A2C243EF58}" srcOrd="0" destOrd="0" presId="urn:microsoft.com/office/officeart/2009/3/layout/HorizontalOrganizationChart"/>
+    <dgm:cxn modelId="{005723FE-58A0-4F43-B5E6-444AEA93ED14}" type="presParOf" srcId="{23092636-99D7-49C8-A4F5-88A2C243EF58}" destId="{F0E40D20-2186-4E2C-B820-4CE697102C33}" srcOrd="0" destOrd="0" presId="urn:microsoft.com/office/officeart/2009/3/layout/HorizontalOrganizationChart"/>
+    <dgm:cxn modelId="{7AF2680F-464B-451B-9883-FA598AA08DED}" type="presParOf" srcId="{23092636-99D7-49C8-A4F5-88A2C243EF58}" destId="{B4FB2FBD-4731-4D25-869A-340EB2256EE3}" srcOrd="1" destOrd="0" presId="urn:microsoft.com/office/officeart/2009/3/layout/HorizontalOrganizationChart"/>
+    <dgm:cxn modelId="{47B878EA-02D2-4539-95FD-19F85CA04827}" type="presParOf" srcId="{93E80A39-3628-47DD-A5B7-6BFD9BED9825}" destId="{75C4EF3D-84CF-49C1-BFEB-6E9F552108F7}" srcOrd="1" destOrd="0" presId="urn:microsoft.com/office/officeart/2009/3/layout/HorizontalOrganizationChart"/>
+    <dgm:cxn modelId="{11EC2621-1F81-4753-9CE1-848941CA42AE}" type="presParOf" srcId="{93E80A39-3628-47DD-A5B7-6BFD9BED9825}" destId="{D0B7E857-09F0-463C-884A-81D68F929AEE}" srcOrd="2" destOrd="0" presId="urn:microsoft.com/office/officeart/2009/3/layout/HorizontalOrganizationChart"/>
+    <dgm:cxn modelId="{B8CF5E80-66BB-4A79-9946-FCEA53D5F409}" type="presParOf" srcId="{4552FC15-436C-47FD-B90D-F03980D2C55A}" destId="{EE96291E-0D7D-44AE-BA5D-19A060835207}" srcOrd="2" destOrd="0" presId="urn:microsoft.com/office/officeart/2009/3/layout/HorizontalOrganizationChart"/>
+    <dgm:cxn modelId="{FDF2095D-C7B2-4FFD-8C59-D0AA3E480237}" type="presParOf" srcId="{4552FC15-436C-47FD-B90D-F03980D2C55A}" destId="{694C1202-D366-4F71-A1C3-BFEB342F7C9D}" srcOrd="3" destOrd="0" presId="urn:microsoft.com/office/officeart/2009/3/layout/HorizontalOrganizationChart"/>
+    <dgm:cxn modelId="{231E0147-2D49-4DF0-B5F1-413CCFC4D768}" type="presParOf" srcId="{694C1202-D366-4F71-A1C3-BFEB342F7C9D}" destId="{2DBC5E05-CE15-4F74-80BD-0F9BB3733F03}" srcOrd="0" destOrd="0" presId="urn:microsoft.com/office/officeart/2009/3/layout/HorizontalOrganizationChart"/>
+    <dgm:cxn modelId="{80C57A6E-6E9A-41D0-8495-B5884466A43A}" type="presParOf" srcId="{2DBC5E05-CE15-4F74-80BD-0F9BB3733F03}" destId="{29537ABE-1AF6-4B89-8967-57CB21D9C16C}" srcOrd="0" destOrd="0" presId="urn:microsoft.com/office/officeart/2009/3/layout/HorizontalOrganizationChart"/>
+    <dgm:cxn modelId="{499B332B-DC65-4BB3-BD99-51E06A25691C}" type="presParOf" srcId="{2DBC5E05-CE15-4F74-80BD-0F9BB3733F03}" destId="{79C0278B-C2F9-49D2-BFBE-7D35B9C437B0}" srcOrd="1" destOrd="0" presId="urn:microsoft.com/office/officeart/2009/3/layout/HorizontalOrganizationChart"/>
+    <dgm:cxn modelId="{74DD0278-3335-4140-9346-50C830410D87}" type="presParOf" srcId="{694C1202-D366-4F71-A1C3-BFEB342F7C9D}" destId="{AAF267F6-B6BC-46A0-92AD-9EED1AE6B0C8}" srcOrd="1" destOrd="0" presId="urn:microsoft.com/office/officeart/2009/3/layout/HorizontalOrganizationChart"/>
+    <dgm:cxn modelId="{47EC19D2-99AD-4E4E-90D5-0B4A7144F84B}" type="presParOf" srcId="{694C1202-D366-4F71-A1C3-BFEB342F7C9D}" destId="{F62B8451-1302-461D-A7A4-D34DDDC64273}" srcOrd="2" destOrd="0" presId="urn:microsoft.com/office/officeart/2009/3/layout/HorizontalOrganizationChart"/>
+    <dgm:cxn modelId="{47DBB834-F90D-42ED-A38D-A2433B3E786D}" type="presParOf" srcId="{17907402-7339-4D4F-851A-FA92093EA170}" destId="{C48F3F50-4DE7-4FDD-B867-3AFDBB6253BB}" srcOrd="2" destOrd="0" presId="urn:microsoft.com/office/officeart/2009/3/layout/HorizontalOrganizationChart"/>
     <dgm:cxn modelId="{B8C01850-C8D7-4753-A8C1-F51B34F6C719}" type="presParOf" srcId="{B3FE6C94-251D-4E51-B302-BB0CCACE97C6}" destId="{68EEDE68-8949-4911-969C-6B06AC965818}" srcOrd="2" destOrd="0" presId="urn:microsoft.com/office/officeart/2009/3/layout/HorizontalOrganizationChart"/>
     <dgm:cxn modelId="{A0ADE5BC-147B-47AE-8133-1B3622A54661}" type="presParOf" srcId="{78A91527-7B62-4373-A9B6-299B386E7B49}" destId="{56712211-00F3-4A49-A49B-2335900D5ECD}" srcOrd="2" destOrd="0" presId="urn:microsoft.com/office/officeart/2009/3/layout/HorizontalOrganizationChart"/>
     <dgm:cxn modelId="{90EDD696-9DE9-4F41-AA1E-516EFCCBA214}" type="presParOf" srcId="{052B49A7-2A8E-4368-8D60-A99680A8DDFC}" destId="{14AF7544-2AEC-4BBA-8FDA-2EA98BF989B1}" srcOrd="4" destOrd="0" presId="urn:microsoft.com/office/officeart/2009/3/layout/HorizontalOrganizationChart"/>
@@ -4156,7 +5248,7 @@
       </dsp:nvSpPr>
       <dsp:spPr>
         <a:xfrm>
-          <a:off x="3728435" y="4652643"/>
+          <a:off x="3728435" y="5124024"/>
           <a:ext cx="219247" cy="707071"/>
         </a:xfrm>
         <a:custGeom>
@@ -4217,7 +5309,7 @@
       </dsp:nvSpPr>
       <dsp:spPr>
         <a:xfrm>
-          <a:off x="3728435" y="4652643"/>
+          <a:off x="3728435" y="5124024"/>
           <a:ext cx="219247" cy="235690"/>
         </a:xfrm>
         <a:custGeom>
@@ -4278,7 +5370,7 @@
       </dsp:nvSpPr>
       <dsp:spPr>
         <a:xfrm>
-          <a:off x="7674882" y="5359715"/>
+          <a:off x="7674882" y="5831096"/>
           <a:ext cx="219247" cy="471381"/>
         </a:xfrm>
         <a:custGeom>
@@ -4339,7 +5431,7 @@
       </dsp:nvSpPr>
       <dsp:spPr>
         <a:xfrm>
-          <a:off x="7674882" y="5313995"/>
+          <a:off x="7674882" y="5785376"/>
           <a:ext cx="219247" cy="91440"/>
         </a:xfrm>
         <a:custGeom>
@@ -4394,7 +5486,7 @@
       </dsp:nvSpPr>
       <dsp:spPr>
         <a:xfrm>
-          <a:off x="7674882" y="4888334"/>
+          <a:off x="7674882" y="5359715"/>
           <a:ext cx="219247" cy="471381"/>
         </a:xfrm>
         <a:custGeom>
@@ -4455,7 +5547,7 @@
       </dsp:nvSpPr>
       <dsp:spPr>
         <a:xfrm>
-          <a:off x="6359400" y="4652643"/>
+          <a:off x="6359400" y="5124024"/>
           <a:ext cx="219247" cy="707071"/>
         </a:xfrm>
         <a:custGeom>
@@ -4516,7 +5608,7 @@
       </dsp:nvSpPr>
       <dsp:spPr>
         <a:xfrm>
-          <a:off x="7674882" y="3945571"/>
+          <a:off x="7674882" y="4416953"/>
           <a:ext cx="219247" cy="471381"/>
         </a:xfrm>
         <a:custGeom>
@@ -4577,7 +5669,7 @@
       </dsp:nvSpPr>
       <dsp:spPr>
         <a:xfrm>
-          <a:off x="7674882" y="3899851"/>
+          <a:off x="7674882" y="4371233"/>
           <a:ext cx="219247" cy="91440"/>
         </a:xfrm>
         <a:custGeom>
@@ -4632,7 +5724,7 @@
       </dsp:nvSpPr>
       <dsp:spPr>
         <a:xfrm>
-          <a:off x="7674882" y="3474190"/>
+          <a:off x="7674882" y="3945571"/>
           <a:ext cx="219247" cy="471381"/>
         </a:xfrm>
         <a:custGeom>
@@ -4693,7 +5785,7 @@
       </dsp:nvSpPr>
       <dsp:spPr>
         <a:xfrm>
-          <a:off x="6359400" y="3945571"/>
+          <a:off x="6359400" y="4416953"/>
           <a:ext cx="219247" cy="707071"/>
         </a:xfrm>
         <a:custGeom>
@@ -4754,7 +5846,7 @@
       </dsp:nvSpPr>
       <dsp:spPr>
         <a:xfrm>
-          <a:off x="5043917" y="4416953"/>
+          <a:off x="5043917" y="4888334"/>
           <a:ext cx="219247" cy="235690"/>
         </a:xfrm>
         <a:custGeom>
@@ -4815,7 +5907,7 @@
       </dsp:nvSpPr>
       <dsp:spPr>
         <a:xfrm>
-          <a:off x="5043917" y="4181262"/>
+          <a:off x="5043917" y="4652643"/>
           <a:ext cx="219247" cy="235690"/>
         </a:xfrm>
         <a:custGeom>
@@ -4876,7 +5968,7 @@
       </dsp:nvSpPr>
       <dsp:spPr>
         <a:xfrm>
-          <a:off x="3728435" y="4416953"/>
+          <a:off x="3728435" y="4888334"/>
           <a:ext cx="219247" cy="235690"/>
         </a:xfrm>
         <a:custGeom>
@@ -4937,7 +6029,7 @@
       </dsp:nvSpPr>
       <dsp:spPr>
         <a:xfrm>
-          <a:off x="3728435" y="3945571"/>
+          <a:off x="3728435" y="4416953"/>
           <a:ext cx="219247" cy="707071"/>
         </a:xfrm>
         <a:custGeom>
@@ -4998,7 +6090,7 @@
       </dsp:nvSpPr>
       <dsp:spPr>
         <a:xfrm>
-          <a:off x="2412952" y="3827726"/>
+          <a:off x="2412952" y="4299107"/>
           <a:ext cx="219247" cy="824917"/>
         </a:xfrm>
         <a:custGeom>
@@ -5059,7 +6151,7 @@
       </dsp:nvSpPr>
       <dsp:spPr>
         <a:xfrm>
-          <a:off x="3728435" y="3002809"/>
+          <a:off x="3728435" y="3474190"/>
           <a:ext cx="219247" cy="471381"/>
         </a:xfrm>
         <a:custGeom>
@@ -5120,7 +6212,7 @@
       </dsp:nvSpPr>
       <dsp:spPr>
         <a:xfrm>
-          <a:off x="5043917" y="3002809"/>
+          <a:off x="5043917" y="3474190"/>
           <a:ext cx="219247" cy="235690"/>
         </a:xfrm>
         <a:custGeom>
@@ -5181,7 +6273,7 @@
       </dsp:nvSpPr>
       <dsp:spPr>
         <a:xfrm>
-          <a:off x="5043917" y="2767118"/>
+          <a:off x="5043917" y="3238500"/>
           <a:ext cx="219247" cy="235690"/>
         </a:xfrm>
         <a:custGeom>
@@ -5242,7 +6334,7 @@
       </dsp:nvSpPr>
       <dsp:spPr>
         <a:xfrm>
-          <a:off x="3728435" y="2957089"/>
+          <a:off x="3728435" y="3428470"/>
           <a:ext cx="219247" cy="91440"/>
         </a:xfrm>
         <a:custGeom>
@@ -5297,7 +6389,7 @@
       </dsp:nvSpPr>
       <dsp:spPr>
         <a:xfrm>
-          <a:off x="3728435" y="2531428"/>
+          <a:off x="3728435" y="3002809"/>
           <a:ext cx="219247" cy="471381"/>
         </a:xfrm>
         <a:custGeom>
@@ -5358,7 +6450,7 @@
       </dsp:nvSpPr>
       <dsp:spPr>
         <a:xfrm>
-          <a:off x="2412952" y="3002809"/>
+          <a:off x="2412952" y="3474190"/>
           <a:ext cx="219247" cy="824917"/>
         </a:xfrm>
         <a:custGeom>
@@ -5419,8 +6511,8 @@
       </dsp:nvSpPr>
       <dsp:spPr>
         <a:xfrm>
-          <a:off x="1097470" y="2236814"/>
-          <a:ext cx="219247" cy="1590911"/>
+          <a:off x="1097470" y="2295737"/>
+          <a:ext cx="219247" cy="2003370"/>
         </a:xfrm>
         <a:custGeom>
           <a:avLst/>
@@ -5437,10 +6529,10 @@
                 <a:pt x="109623" y="0"/>
               </a:lnTo>
               <a:lnTo>
-                <a:pt x="109623" y="1590911"/>
+                <a:pt x="109623" y="2003370"/>
               </a:lnTo>
               <a:lnTo>
-                <a:pt x="219247" y="1590911"/>
+                <a:pt x="219247" y="2003370"/>
               </a:lnTo>
             </a:path>
           </a:pathLst>
@@ -5480,7 +6572,7 @@
       </dsp:nvSpPr>
       <dsp:spPr>
         <a:xfrm>
-          <a:off x="3728435" y="1824356"/>
+          <a:off x="3728435" y="2295737"/>
           <a:ext cx="219247" cy="235690"/>
         </a:xfrm>
         <a:custGeom>
@@ -5541,7 +6633,7 @@
       </dsp:nvSpPr>
       <dsp:spPr>
         <a:xfrm>
-          <a:off x="5043917" y="1588665"/>
+          <a:off x="5043917" y="2060046"/>
           <a:ext cx="219247" cy="235690"/>
         </a:xfrm>
         <a:custGeom>
@@ -5602,7 +6694,7 @@
       </dsp:nvSpPr>
       <dsp:spPr>
         <a:xfrm>
-          <a:off x="6359400" y="1352975"/>
+          <a:off x="6359400" y="1824356"/>
           <a:ext cx="219247" cy="471381"/>
         </a:xfrm>
         <a:custGeom>
@@ -5663,7 +6755,7 @@
       </dsp:nvSpPr>
       <dsp:spPr>
         <a:xfrm>
-          <a:off x="6359400" y="1307255"/>
+          <a:off x="6359400" y="1778636"/>
           <a:ext cx="219247" cy="91440"/>
         </a:xfrm>
         <a:custGeom>
@@ -5718,7 +6810,7 @@
       </dsp:nvSpPr>
       <dsp:spPr>
         <a:xfrm>
-          <a:off x="6359400" y="881593"/>
+          <a:off x="6359400" y="1352975"/>
           <a:ext cx="219247" cy="471381"/>
         </a:xfrm>
         <a:custGeom>
@@ -5779,7 +6871,7 @@
       </dsp:nvSpPr>
       <dsp:spPr>
         <a:xfrm>
-          <a:off x="5043917" y="1352975"/>
+          <a:off x="5043917" y="1824356"/>
           <a:ext cx="219247" cy="235690"/>
         </a:xfrm>
         <a:custGeom>
@@ -5840,7 +6932,7 @@
       </dsp:nvSpPr>
       <dsp:spPr>
         <a:xfrm>
-          <a:off x="3728435" y="1588665"/>
+          <a:off x="3728435" y="2060046"/>
           <a:ext cx="219247" cy="235690"/>
         </a:xfrm>
         <a:custGeom>
@@ -5901,7 +6993,7 @@
       </dsp:nvSpPr>
       <dsp:spPr>
         <a:xfrm>
-          <a:off x="2412952" y="1778636"/>
+          <a:off x="2412952" y="2250017"/>
           <a:ext cx="219247" cy="91440"/>
         </a:xfrm>
         <a:custGeom>
@@ -5956,8 +7048,8 @@
       </dsp:nvSpPr>
       <dsp:spPr>
         <a:xfrm>
-          <a:off x="1097470" y="1824356"/>
-          <a:ext cx="219247" cy="412458"/>
+          <a:off x="1097470" y="2250017"/>
+          <a:ext cx="219247" cy="91440"/>
         </a:xfrm>
         <a:custGeom>
           <a:avLst/>
@@ -5968,16 +7060,10 @@
           <a:pathLst>
             <a:path>
               <a:moveTo>
-                <a:pt x="0" y="412458"/>
+                <a:pt x="0" y="45720"/>
               </a:moveTo>
               <a:lnTo>
-                <a:pt x="109623" y="412458"/>
-              </a:lnTo>
-              <a:lnTo>
-                <a:pt x="109623" y="0"/>
-              </a:lnTo>
-              <a:lnTo>
-                <a:pt x="219247" y="0"/>
+                <a:pt x="219247" y="45720"/>
               </a:lnTo>
             </a:path>
           </a:pathLst>
@@ -6010,14 +7096,14 @@
         <a:fontRef idx="minor"/>
       </dsp:style>
     </dsp:sp>
-    <dsp:sp modelId="{9F545195-F944-4F2A-A37C-061F1D1A39CA}">
+    <dsp:sp modelId="{EE96291E-0D7D-44AE-BA5D-19A060835207}">
       <dsp:nvSpPr>
         <dsp:cNvPr id="0" name=""/>
         <dsp:cNvSpPr/>
       </dsp:nvSpPr>
       <dsp:spPr>
         <a:xfrm>
-          <a:off x="2412952" y="1117284"/>
+          <a:off x="5043917" y="1117284"/>
           <a:ext cx="219247" cy="235690"/>
         </a:xfrm>
         <a:custGeom>
@@ -6071,6 +7157,183 @@
         <a:fontRef idx="minor"/>
       </dsp:style>
     </dsp:sp>
+    <dsp:sp modelId="{0F967127-B30D-448B-9644-7B946C627416}">
+      <dsp:nvSpPr>
+        <dsp:cNvPr id="0" name=""/>
+        <dsp:cNvSpPr/>
+      </dsp:nvSpPr>
+      <dsp:spPr>
+        <a:xfrm>
+          <a:off x="5043917" y="881593"/>
+          <a:ext cx="219247" cy="235690"/>
+        </a:xfrm>
+        <a:custGeom>
+          <a:avLst/>
+          <a:gdLst/>
+          <a:ahLst/>
+          <a:cxnLst/>
+          <a:rect l="0" t="0" r="0" b="0"/>
+          <a:pathLst>
+            <a:path>
+              <a:moveTo>
+                <a:pt x="0" y="235690"/>
+              </a:moveTo>
+              <a:lnTo>
+                <a:pt x="109623" y="235690"/>
+              </a:lnTo>
+              <a:lnTo>
+                <a:pt x="109623" y="0"/>
+              </a:lnTo>
+              <a:lnTo>
+                <a:pt x="219247" y="0"/>
+              </a:lnTo>
+            </a:path>
+          </a:pathLst>
+        </a:custGeom>
+        <a:noFill/>
+        <a:ln w="25400" cap="flat" cmpd="sng" algn="ctr">
+          <a:solidFill>
+            <a:schemeClr val="dk1">
+              <a:shade val="80000"/>
+              <a:hueOff val="0"/>
+              <a:satOff val="0"/>
+              <a:lumOff val="0"/>
+              <a:alphaOff val="0"/>
+            </a:schemeClr>
+          </a:solidFill>
+          <a:prstDash val="solid"/>
+        </a:ln>
+        <a:effectLst/>
+      </dsp:spPr>
+      <dsp:style>
+        <a:lnRef idx="2">
+          <a:scrgbClr r="0" g="0" b="0"/>
+        </a:lnRef>
+        <a:fillRef idx="0">
+          <a:scrgbClr r="0" g="0" b="0"/>
+        </a:fillRef>
+        <a:effectRef idx="0">
+          <a:scrgbClr r="0" g="0" b="0"/>
+        </a:effectRef>
+        <a:fontRef idx="minor"/>
+      </dsp:style>
+    </dsp:sp>
+    <dsp:sp modelId="{2371CFEC-784A-437C-9E66-462BD2CB266F}">
+      <dsp:nvSpPr>
+        <dsp:cNvPr id="0" name=""/>
+        <dsp:cNvSpPr/>
+      </dsp:nvSpPr>
+      <dsp:spPr>
+        <a:xfrm>
+          <a:off x="3728435" y="1071564"/>
+          <a:ext cx="219247" cy="91440"/>
+        </a:xfrm>
+        <a:custGeom>
+          <a:avLst/>
+          <a:gdLst/>
+          <a:ahLst/>
+          <a:cxnLst/>
+          <a:rect l="0" t="0" r="0" b="0"/>
+          <a:pathLst>
+            <a:path>
+              <a:moveTo>
+                <a:pt x="0" y="45720"/>
+              </a:moveTo>
+              <a:lnTo>
+                <a:pt x="219247" y="45720"/>
+              </a:lnTo>
+            </a:path>
+          </a:pathLst>
+        </a:custGeom>
+        <a:noFill/>
+        <a:ln w="25400" cap="flat" cmpd="sng" algn="ctr">
+          <a:solidFill>
+            <a:schemeClr val="dk1">
+              <a:shade val="80000"/>
+              <a:hueOff val="0"/>
+              <a:satOff val="0"/>
+              <a:lumOff val="0"/>
+              <a:alphaOff val="0"/>
+            </a:schemeClr>
+          </a:solidFill>
+          <a:prstDash val="solid"/>
+        </a:ln>
+        <a:effectLst/>
+      </dsp:spPr>
+      <dsp:style>
+        <a:lnRef idx="2">
+          <a:scrgbClr r="0" g="0" b="0"/>
+        </a:lnRef>
+        <a:fillRef idx="0">
+          <a:scrgbClr r="0" g="0" b="0"/>
+        </a:fillRef>
+        <a:effectRef idx="0">
+          <a:scrgbClr r="0" g="0" b="0"/>
+        </a:effectRef>
+        <a:fontRef idx="minor"/>
+      </dsp:style>
+    </dsp:sp>
+    <dsp:sp modelId="{9F545195-F944-4F2A-A37C-061F1D1A39CA}">
+      <dsp:nvSpPr>
+        <dsp:cNvPr id="0" name=""/>
+        <dsp:cNvSpPr/>
+      </dsp:nvSpPr>
+      <dsp:spPr>
+        <a:xfrm>
+          <a:off x="2412952" y="763748"/>
+          <a:ext cx="219247" cy="353535"/>
+        </a:xfrm>
+        <a:custGeom>
+          <a:avLst/>
+          <a:gdLst/>
+          <a:ahLst/>
+          <a:cxnLst/>
+          <a:rect l="0" t="0" r="0" b="0"/>
+          <a:pathLst>
+            <a:path>
+              <a:moveTo>
+                <a:pt x="0" y="0"/>
+              </a:moveTo>
+              <a:lnTo>
+                <a:pt x="109623" y="0"/>
+              </a:lnTo>
+              <a:lnTo>
+                <a:pt x="109623" y="353535"/>
+              </a:lnTo>
+              <a:lnTo>
+                <a:pt x="219247" y="353535"/>
+              </a:lnTo>
+            </a:path>
+          </a:pathLst>
+        </a:custGeom>
+        <a:noFill/>
+        <a:ln w="25400" cap="flat" cmpd="sng" algn="ctr">
+          <a:solidFill>
+            <a:schemeClr val="dk1">
+              <a:shade val="80000"/>
+              <a:hueOff val="0"/>
+              <a:satOff val="0"/>
+              <a:lumOff val="0"/>
+              <a:alphaOff val="0"/>
+            </a:schemeClr>
+          </a:solidFill>
+          <a:prstDash val="solid"/>
+        </a:ln>
+        <a:effectLst/>
+      </dsp:spPr>
+      <dsp:style>
+        <a:lnRef idx="2">
+          <a:scrgbClr r="0" g="0" b="0"/>
+        </a:lnRef>
+        <a:fillRef idx="0">
+          <a:scrgbClr r="0" g="0" b="0"/>
+        </a:fillRef>
+        <a:effectRef idx="0">
+          <a:scrgbClr r="0" g="0" b="0"/>
+        </a:effectRef>
+        <a:fontRef idx="minor"/>
+      </dsp:style>
+    </dsp:sp>
     <dsp:sp modelId="{4EA3295F-3010-4DC5-B155-0AB38337E266}">
       <dsp:nvSpPr>
         <dsp:cNvPr id="0" name=""/>
@@ -6078,7 +7341,7 @@
       </dsp:nvSpPr>
       <dsp:spPr>
         <a:xfrm>
-          <a:off x="3728435" y="881593"/>
+          <a:off x="3728435" y="410212"/>
           <a:ext cx="219247" cy="235690"/>
         </a:xfrm>
         <a:custGeom>
@@ -6139,7 +7402,7 @@
       </dsp:nvSpPr>
       <dsp:spPr>
         <a:xfrm>
-          <a:off x="3728435" y="645903"/>
+          <a:off x="3728435" y="174522"/>
           <a:ext cx="219247" cy="235690"/>
         </a:xfrm>
         <a:custGeom>
@@ -6200,8 +7463,8 @@
       </dsp:nvSpPr>
       <dsp:spPr>
         <a:xfrm>
-          <a:off x="2412952" y="881593"/>
-          <a:ext cx="219247" cy="235690"/>
+          <a:off x="2412952" y="410212"/>
+          <a:ext cx="219247" cy="353535"/>
         </a:xfrm>
         <a:custGeom>
           <a:avLst/>
@@ -6212,10 +7475,10 @@
           <a:pathLst>
             <a:path>
               <a:moveTo>
-                <a:pt x="0" y="235690"/>
+                <a:pt x="0" y="353535"/>
               </a:moveTo>
               <a:lnTo>
-                <a:pt x="109623" y="235690"/>
+                <a:pt x="109623" y="353535"/>
               </a:lnTo>
               <a:lnTo>
                 <a:pt x="109623" y="0"/>
@@ -6261,8 +7524,8 @@
       </dsp:nvSpPr>
       <dsp:spPr>
         <a:xfrm>
-          <a:off x="1097470" y="1117284"/>
-          <a:ext cx="219247" cy="1119530"/>
+          <a:off x="1097470" y="763748"/>
+          <a:ext cx="219247" cy="1531988"/>
         </a:xfrm>
         <a:custGeom>
           <a:avLst/>
@@ -6273,10 +7536,10 @@
           <a:pathLst>
             <a:path>
               <a:moveTo>
-                <a:pt x="0" y="1119530"/>
+                <a:pt x="0" y="1531988"/>
               </a:moveTo>
               <a:lnTo>
-                <a:pt x="109623" y="1119530"/>
+                <a:pt x="109623" y="1531988"/>
               </a:lnTo>
               <a:lnTo>
                 <a:pt x="109623" y="0"/>
@@ -6322,8 +7585,8 @@
       </dsp:nvSpPr>
       <dsp:spPr>
         <a:xfrm>
-          <a:off x="1097470" y="645903"/>
-          <a:ext cx="219247" cy="1590911"/>
+          <a:off x="1097470" y="292367"/>
+          <a:ext cx="219247" cy="2003370"/>
         </a:xfrm>
         <a:custGeom>
           <a:avLst/>
@@ -6334,10 +7597,10 @@
           <a:pathLst>
             <a:path>
               <a:moveTo>
-                <a:pt x="0" y="1590911"/>
+                <a:pt x="0" y="2003370"/>
               </a:moveTo>
               <a:lnTo>
-                <a:pt x="109623" y="1590911"/>
+                <a:pt x="109623" y="2003370"/>
               </a:lnTo>
               <a:lnTo>
                 <a:pt x="109623" y="0"/>
@@ -6383,7 +7646,7 @@
       </dsp:nvSpPr>
       <dsp:spPr>
         <a:xfrm>
-          <a:off x="1234" y="2069638"/>
+          <a:off x="1234" y="2128561"/>
           <a:ext cx="1096235" cy="334351"/>
         </a:xfrm>
         <a:prstGeom prst="rect">
@@ -6481,7 +7744,7 @@
         </a:p>
       </dsp:txBody>
       <dsp:txXfrm>
-        <a:off x="1234" y="2069638"/>
+        <a:off x="1234" y="2128561"/>
         <a:ext cx="1096235" cy="334351"/>
       </dsp:txXfrm>
     </dsp:sp>
@@ -6492,7 +7755,7 @@
       </dsp:nvSpPr>
       <dsp:spPr>
         <a:xfrm>
-          <a:off x="1316717" y="478727"/>
+          <a:off x="1316717" y="125191"/>
           <a:ext cx="1096235" cy="334351"/>
         </a:xfrm>
         <a:prstGeom prst="rect">
@@ -6590,7 +7853,7 @@
         </a:p>
       </dsp:txBody>
       <dsp:txXfrm>
-        <a:off x="1316717" y="478727"/>
+        <a:off x="1316717" y="125191"/>
         <a:ext cx="1096235" cy="334351"/>
       </dsp:txXfrm>
     </dsp:sp>
@@ -6601,7 +7864,7 @@
       </dsp:nvSpPr>
       <dsp:spPr>
         <a:xfrm>
-          <a:off x="1316717" y="950108"/>
+          <a:off x="1316717" y="596572"/>
           <a:ext cx="1096235" cy="334351"/>
         </a:xfrm>
         <a:prstGeom prst="rect">
@@ -6699,7 +7962,7 @@
         </a:p>
       </dsp:txBody>
       <dsp:txXfrm>
-        <a:off x="1316717" y="950108"/>
+        <a:off x="1316717" y="596572"/>
         <a:ext cx="1096235" cy="334351"/>
       </dsp:txXfrm>
     </dsp:sp>
@@ -6710,7 +7973,7 @@
       </dsp:nvSpPr>
       <dsp:spPr>
         <a:xfrm>
-          <a:off x="2632199" y="714417"/>
+          <a:off x="2632199" y="243036"/>
           <a:ext cx="1096235" cy="334351"/>
         </a:xfrm>
         <a:prstGeom prst="rect">
@@ -6808,11 +8071,120 @@
         </a:p>
       </dsp:txBody>
       <dsp:txXfrm>
-        <a:off x="2632199" y="714417"/>
+        <a:off x="2632199" y="243036"/>
         <a:ext cx="1096235" cy="334351"/>
       </dsp:txXfrm>
     </dsp:sp>
     <dsp:sp modelId="{8788964B-FAB5-4B95-99FB-302A9B223714}">
+      <dsp:nvSpPr>
+        <dsp:cNvPr id="0" name=""/>
+        <dsp:cNvSpPr/>
+      </dsp:nvSpPr>
+      <dsp:spPr>
+        <a:xfrm>
+          <a:off x="3947682" y="7346"/>
+          <a:ext cx="1096235" cy="334351"/>
+        </a:xfrm>
+        <a:prstGeom prst="rect">
+          <a:avLst/>
+        </a:prstGeom>
+        <a:gradFill rotWithShape="0">
+          <a:gsLst>
+            <a:gs pos="0">
+              <a:schemeClr val="lt1">
+                <a:hueOff val="0"/>
+                <a:satOff val="0"/>
+                <a:lumOff val="0"/>
+                <a:alphaOff val="0"/>
+                <a:tint val="50000"/>
+                <a:satMod val="300000"/>
+              </a:schemeClr>
+            </a:gs>
+            <a:gs pos="35000">
+              <a:schemeClr val="lt1">
+                <a:hueOff val="0"/>
+                <a:satOff val="0"/>
+                <a:lumOff val="0"/>
+                <a:alphaOff val="0"/>
+                <a:tint val="37000"/>
+                <a:satMod val="300000"/>
+              </a:schemeClr>
+            </a:gs>
+            <a:gs pos="100000">
+              <a:schemeClr val="lt1">
+                <a:hueOff val="0"/>
+                <a:satOff val="0"/>
+                <a:lumOff val="0"/>
+                <a:alphaOff val="0"/>
+                <a:tint val="15000"/>
+                <a:satMod val="350000"/>
+              </a:schemeClr>
+            </a:gs>
+          </a:gsLst>
+          <a:lin ang="16200000" scaled="1"/>
+        </a:gradFill>
+        <a:ln>
+          <a:noFill/>
+        </a:ln>
+        <a:effectLst>
+          <a:outerShdw blurRad="40000" dist="20000" dir="5400000" rotWithShape="0">
+            <a:srgbClr val="000000">
+              <a:alpha val="38000"/>
+            </a:srgbClr>
+          </a:outerShdw>
+        </a:effectLst>
+        <a:scene3d>
+          <a:camera prst="orthographicFront"/>
+          <a:lightRig rig="flat" dir="t"/>
+        </a:scene3d>
+        <a:sp3d prstMaterial="dkEdge">
+          <a:bevelT w="8200" h="38100"/>
+        </a:sp3d>
+      </dsp:spPr>
+      <dsp:style>
+        <a:lnRef idx="0">
+          <a:scrgbClr r="0" g="0" b="0"/>
+        </a:lnRef>
+        <a:fillRef idx="2">
+          <a:scrgbClr r="0" g="0" b="0"/>
+        </a:fillRef>
+        <a:effectRef idx="1">
+          <a:scrgbClr r="0" g="0" b="0"/>
+        </a:effectRef>
+        <a:fontRef idx="minor">
+          <a:schemeClr val="dk1"/>
+        </a:fontRef>
+      </dsp:style>
+      <dsp:txBody>
+        <a:bodyPr spcFirstLastPara="0" vert="horz" wrap="square" lIns="8255" tIns="8255" rIns="8255" bIns="8255" numCol="1" spcCol="1270" anchor="ctr" anchorCtr="0">
+          <a:noAutofit/>
+        </a:bodyPr>
+        <a:lstStyle/>
+        <a:p>
+          <a:pPr lvl="0" algn="ctr" defTabSz="577850">
+            <a:lnSpc>
+              <a:spcPct val="90000"/>
+            </a:lnSpc>
+            <a:spcBef>
+              <a:spcPct val="0"/>
+            </a:spcBef>
+            <a:spcAft>
+              <a:spcPct val="35000"/>
+            </a:spcAft>
+          </a:pPr>
+          <a:r>
+            <a:rPr lang="en-US" sz="1300" kern="1200" dirty="0" smtClean="0"/>
+            <a:t>Hiragana</a:t>
+          </a:r>
+          <a:endParaRPr lang="en-US" sz="1300" kern="1200" dirty="0"/>
+        </a:p>
+      </dsp:txBody>
+      <dsp:txXfrm>
+        <a:off x="3947682" y="7346"/>
+        <a:ext cx="1096235" cy="334351"/>
+      </dsp:txXfrm>
+    </dsp:sp>
+    <dsp:sp modelId="{B2B02428-1400-4E62-BD77-151F70080641}">
       <dsp:nvSpPr>
         <dsp:cNvPr id="0" name=""/>
         <dsp:cNvSpPr/>
@@ -6911,7 +8283,7 @@
           </a:pPr>
           <a:r>
             <a:rPr lang="en-US" sz="1300" kern="1200" dirty="0" smtClean="0"/>
-            <a:t>Hiragana</a:t>
+            <a:t>Katakana</a:t>
           </a:r>
           <a:endParaRPr lang="en-US" sz="1300" kern="1200" dirty="0"/>
         </a:p>
@@ -6921,7 +8293,116 @@
         <a:ext cx="1096235" cy="334351"/>
       </dsp:txXfrm>
     </dsp:sp>
-    <dsp:sp modelId="{B2B02428-1400-4E62-BD77-151F70080641}">
+    <dsp:sp modelId="{AC3BF161-325C-4A27-83A9-2C4D3FB85B36}">
+      <dsp:nvSpPr>
+        <dsp:cNvPr id="0" name=""/>
+        <dsp:cNvSpPr/>
+      </dsp:nvSpPr>
+      <dsp:spPr>
+        <a:xfrm>
+          <a:off x="2632199" y="950108"/>
+          <a:ext cx="1096235" cy="334351"/>
+        </a:xfrm>
+        <a:prstGeom prst="rect">
+          <a:avLst/>
+        </a:prstGeom>
+        <a:gradFill rotWithShape="0">
+          <a:gsLst>
+            <a:gs pos="0">
+              <a:schemeClr val="lt1">
+                <a:hueOff val="0"/>
+                <a:satOff val="0"/>
+                <a:lumOff val="0"/>
+                <a:alphaOff val="0"/>
+                <a:tint val="50000"/>
+                <a:satMod val="300000"/>
+              </a:schemeClr>
+            </a:gs>
+            <a:gs pos="35000">
+              <a:schemeClr val="lt1">
+                <a:hueOff val="0"/>
+                <a:satOff val="0"/>
+                <a:lumOff val="0"/>
+                <a:alphaOff val="0"/>
+                <a:tint val="37000"/>
+                <a:satMod val="300000"/>
+              </a:schemeClr>
+            </a:gs>
+            <a:gs pos="100000">
+              <a:schemeClr val="lt1">
+                <a:hueOff val="0"/>
+                <a:satOff val="0"/>
+                <a:lumOff val="0"/>
+                <a:alphaOff val="0"/>
+                <a:tint val="15000"/>
+                <a:satMod val="350000"/>
+              </a:schemeClr>
+            </a:gs>
+          </a:gsLst>
+          <a:lin ang="16200000" scaled="1"/>
+        </a:gradFill>
+        <a:ln>
+          <a:noFill/>
+        </a:ln>
+        <a:effectLst>
+          <a:outerShdw blurRad="40000" dist="20000" dir="5400000" rotWithShape="0">
+            <a:srgbClr val="000000">
+              <a:alpha val="38000"/>
+            </a:srgbClr>
+          </a:outerShdw>
+        </a:effectLst>
+        <a:scene3d>
+          <a:camera prst="orthographicFront"/>
+          <a:lightRig rig="flat" dir="t"/>
+        </a:scene3d>
+        <a:sp3d prstMaterial="dkEdge">
+          <a:bevelT w="8200" h="38100"/>
+        </a:sp3d>
+      </dsp:spPr>
+      <dsp:style>
+        <a:lnRef idx="0">
+          <a:scrgbClr r="0" g="0" b="0"/>
+        </a:lnRef>
+        <a:fillRef idx="2">
+          <a:scrgbClr r="0" g="0" b="0"/>
+        </a:fillRef>
+        <a:effectRef idx="1">
+          <a:scrgbClr r="0" g="0" b="0"/>
+        </a:effectRef>
+        <a:fontRef idx="minor">
+          <a:schemeClr val="dk1"/>
+        </a:fontRef>
+      </dsp:style>
+      <dsp:txBody>
+        <a:bodyPr spcFirstLastPara="0" vert="horz" wrap="square" lIns="8255" tIns="8255" rIns="8255" bIns="8255" numCol="1" spcCol="1270" anchor="ctr" anchorCtr="0">
+          <a:noAutofit/>
+        </a:bodyPr>
+        <a:lstStyle/>
+        <a:p>
+          <a:pPr lvl="0" algn="ctr" defTabSz="577850">
+            <a:lnSpc>
+              <a:spcPct val="90000"/>
+            </a:lnSpc>
+            <a:spcBef>
+              <a:spcPct val="0"/>
+            </a:spcBef>
+            <a:spcAft>
+              <a:spcPct val="35000"/>
+            </a:spcAft>
+          </a:pPr>
+          <a:r>
+            <a:rPr lang="en-US" sz="1300" kern="1200" dirty="0" smtClean="0"/>
+            <a:t>Kanji</a:t>
+          </a:r>
+          <a:endParaRPr lang="en-US" sz="1300" kern="1200" dirty="0"/>
+        </a:p>
+      </dsp:txBody>
+      <dsp:txXfrm>
+        <a:off x="2632199" y="950108"/>
+        <a:ext cx="1096235" cy="334351"/>
+      </dsp:txXfrm>
+    </dsp:sp>
+    <dsp:sp modelId="{4196C92A-8C2C-4BF8-B3B2-B0DF94257A08}">
       <dsp:nvSpPr>
         <dsp:cNvPr id="0" name=""/>
         <dsp:cNvSpPr/>
@@ -7020,7 +8501,7 @@
           </a:pPr>
           <a:r>
             <a:rPr lang="en-US" sz="1300" kern="1200" dirty="0" smtClean="0"/>
-            <a:t>Katakana</a:t>
+            <a:t>Character</a:t>
           </a:r>
           <a:endParaRPr lang="en-US" sz="1300" kern="1200" dirty="0"/>
         </a:p>
@@ -7030,14 +8511,14 @@
         <a:ext cx="1096235" cy="334351"/>
       </dsp:txXfrm>
     </dsp:sp>
-    <dsp:sp modelId="{AC3BF161-325C-4A27-83A9-2C4D3FB85B36}">
+    <dsp:sp modelId="{F0E40D20-2186-4E2C-B820-4CE697102C33}">
       <dsp:nvSpPr>
         <dsp:cNvPr id="0" name=""/>
         <dsp:cNvSpPr/>
       </dsp:nvSpPr>
       <dsp:spPr>
         <a:xfrm>
-          <a:off x="2632199" y="1185799"/>
+          <a:off x="5263164" y="714417"/>
           <a:ext cx="1096235" cy="334351"/>
         </a:xfrm>
         <a:prstGeom prst="rect">
@@ -7129,344 +8610,17 @@
           </a:pPr>
           <a:r>
             <a:rPr lang="en-US" sz="1300" kern="1200" dirty="0" smtClean="0"/>
-            <a:t>Kanji</a:t>
+            <a:t>Recognition</a:t>
           </a:r>
           <a:endParaRPr lang="en-US" sz="1300" kern="1200" dirty="0"/>
         </a:p>
       </dsp:txBody>
       <dsp:txXfrm>
-        <a:off x="2632199" y="1185799"/>
+        <a:off x="5263164" y="714417"/>
         <a:ext cx="1096235" cy="334351"/>
       </dsp:txXfrm>
     </dsp:sp>
-    <dsp:sp modelId="{AFBA0E28-233E-4B2D-BB7F-A04D4EC362FE}">
-      <dsp:nvSpPr>
-        <dsp:cNvPr id="0" name=""/>
-        <dsp:cNvSpPr/>
-      </dsp:nvSpPr>
-      <dsp:spPr>
-        <a:xfrm>
-          <a:off x="1316717" y="1657180"/>
-          <a:ext cx="1096235" cy="334351"/>
-        </a:xfrm>
-        <a:prstGeom prst="rect">
-          <a:avLst/>
-        </a:prstGeom>
-        <a:gradFill rotWithShape="0">
-          <a:gsLst>
-            <a:gs pos="0">
-              <a:schemeClr val="lt1">
-                <a:hueOff val="0"/>
-                <a:satOff val="0"/>
-                <a:lumOff val="0"/>
-                <a:alphaOff val="0"/>
-                <a:tint val="50000"/>
-                <a:satMod val="300000"/>
-              </a:schemeClr>
-            </a:gs>
-            <a:gs pos="35000">
-              <a:schemeClr val="lt1">
-                <a:hueOff val="0"/>
-                <a:satOff val="0"/>
-                <a:lumOff val="0"/>
-                <a:alphaOff val="0"/>
-                <a:tint val="37000"/>
-                <a:satMod val="300000"/>
-              </a:schemeClr>
-            </a:gs>
-            <a:gs pos="100000">
-              <a:schemeClr val="lt1">
-                <a:hueOff val="0"/>
-                <a:satOff val="0"/>
-                <a:lumOff val="0"/>
-                <a:alphaOff val="0"/>
-                <a:tint val="15000"/>
-                <a:satMod val="350000"/>
-              </a:schemeClr>
-            </a:gs>
-          </a:gsLst>
-          <a:lin ang="16200000" scaled="1"/>
-        </a:gradFill>
-        <a:ln>
-          <a:noFill/>
-        </a:ln>
-        <a:effectLst>
-          <a:outerShdw blurRad="40000" dist="20000" dir="5400000" rotWithShape="0">
-            <a:srgbClr val="000000">
-              <a:alpha val="38000"/>
-            </a:srgbClr>
-          </a:outerShdw>
-        </a:effectLst>
-        <a:scene3d>
-          <a:camera prst="orthographicFront"/>
-          <a:lightRig rig="flat" dir="t"/>
-        </a:scene3d>
-        <a:sp3d prstMaterial="dkEdge">
-          <a:bevelT w="8200" h="38100"/>
-        </a:sp3d>
-      </dsp:spPr>
-      <dsp:style>
-        <a:lnRef idx="0">
-          <a:scrgbClr r="0" g="0" b="0"/>
-        </a:lnRef>
-        <a:fillRef idx="2">
-          <a:scrgbClr r="0" g="0" b="0"/>
-        </a:fillRef>
-        <a:effectRef idx="1">
-          <a:scrgbClr r="0" g="0" b="0"/>
-        </a:effectRef>
-        <a:fontRef idx="minor">
-          <a:schemeClr val="dk1"/>
-        </a:fontRef>
-      </dsp:style>
-      <dsp:txBody>
-        <a:bodyPr spcFirstLastPara="0" vert="horz" wrap="square" lIns="8255" tIns="8255" rIns="8255" bIns="8255" numCol="1" spcCol="1270" anchor="ctr" anchorCtr="0">
-          <a:noAutofit/>
-        </a:bodyPr>
-        <a:lstStyle/>
-        <a:p>
-          <a:pPr lvl="0" algn="ctr" defTabSz="577850">
-            <a:lnSpc>
-              <a:spcPct val="90000"/>
-            </a:lnSpc>
-            <a:spcBef>
-              <a:spcPct val="0"/>
-            </a:spcBef>
-            <a:spcAft>
-              <a:spcPct val="35000"/>
-            </a:spcAft>
-          </a:pPr>
-          <a:r>
-            <a:rPr lang="en-US" sz="1300" kern="1200" dirty="0" smtClean="0"/>
-            <a:t>Grammar</a:t>
-          </a:r>
-          <a:endParaRPr lang="en-US" sz="1300" kern="1200" dirty="0"/>
-        </a:p>
-      </dsp:txBody>
-      <dsp:txXfrm>
-        <a:off x="1316717" y="1657180"/>
-        <a:ext cx="1096235" cy="334351"/>
-      </dsp:txXfrm>
-    </dsp:sp>
-    <dsp:sp modelId="{3F94B6E2-CAC1-4C92-8B76-03A8D16F3199}">
-      <dsp:nvSpPr>
-        <dsp:cNvPr id="0" name=""/>
-        <dsp:cNvSpPr/>
-      </dsp:nvSpPr>
-      <dsp:spPr>
-        <a:xfrm>
-          <a:off x="2632199" y="1657180"/>
-          <a:ext cx="1096235" cy="334351"/>
-        </a:xfrm>
-        <a:prstGeom prst="rect">
-          <a:avLst/>
-        </a:prstGeom>
-        <a:gradFill rotWithShape="0">
-          <a:gsLst>
-            <a:gs pos="0">
-              <a:schemeClr val="lt1">
-                <a:hueOff val="0"/>
-                <a:satOff val="0"/>
-                <a:lumOff val="0"/>
-                <a:alphaOff val="0"/>
-                <a:tint val="50000"/>
-                <a:satMod val="300000"/>
-              </a:schemeClr>
-            </a:gs>
-            <a:gs pos="35000">
-              <a:schemeClr val="lt1">
-                <a:hueOff val="0"/>
-                <a:satOff val="0"/>
-                <a:lumOff val="0"/>
-                <a:alphaOff val="0"/>
-                <a:tint val="37000"/>
-                <a:satMod val="300000"/>
-              </a:schemeClr>
-            </a:gs>
-            <a:gs pos="100000">
-              <a:schemeClr val="lt1">
-                <a:hueOff val="0"/>
-                <a:satOff val="0"/>
-                <a:lumOff val="0"/>
-                <a:alphaOff val="0"/>
-                <a:tint val="15000"/>
-                <a:satMod val="350000"/>
-              </a:schemeClr>
-            </a:gs>
-          </a:gsLst>
-          <a:lin ang="16200000" scaled="1"/>
-        </a:gradFill>
-        <a:ln>
-          <a:noFill/>
-        </a:ln>
-        <a:effectLst>
-          <a:outerShdw blurRad="40000" dist="20000" dir="5400000" rotWithShape="0">
-            <a:srgbClr val="000000">
-              <a:alpha val="38000"/>
-            </a:srgbClr>
-          </a:outerShdw>
-        </a:effectLst>
-        <a:scene3d>
-          <a:camera prst="orthographicFront"/>
-          <a:lightRig rig="flat" dir="t"/>
-        </a:scene3d>
-        <a:sp3d prstMaterial="dkEdge">
-          <a:bevelT w="8200" h="38100"/>
-        </a:sp3d>
-      </dsp:spPr>
-      <dsp:style>
-        <a:lnRef idx="0">
-          <a:scrgbClr r="0" g="0" b="0"/>
-        </a:lnRef>
-        <a:fillRef idx="2">
-          <a:scrgbClr r="0" g="0" b="0"/>
-        </a:fillRef>
-        <a:effectRef idx="1">
-          <a:scrgbClr r="0" g="0" b="0"/>
-        </a:effectRef>
-        <a:fontRef idx="minor">
-          <a:schemeClr val="dk1"/>
-        </a:fontRef>
-      </dsp:style>
-      <dsp:txBody>
-        <a:bodyPr spcFirstLastPara="0" vert="horz" wrap="square" lIns="8255" tIns="8255" rIns="8255" bIns="8255" numCol="1" spcCol="1270" anchor="ctr" anchorCtr="0">
-          <a:noAutofit/>
-        </a:bodyPr>
-        <a:lstStyle/>
-        <a:p>
-          <a:pPr lvl="0" algn="ctr" defTabSz="577850">
-            <a:lnSpc>
-              <a:spcPct val="90000"/>
-            </a:lnSpc>
-            <a:spcBef>
-              <a:spcPct val="0"/>
-            </a:spcBef>
-            <a:spcAft>
-              <a:spcPct val="35000"/>
-            </a:spcAft>
-          </a:pPr>
-          <a:r>
-            <a:rPr lang="en-US" sz="1300" kern="1200" dirty="0" smtClean="0"/>
-            <a:t>Sentence</a:t>
-          </a:r>
-          <a:endParaRPr lang="en-US" sz="1300" kern="1200" dirty="0"/>
-        </a:p>
-      </dsp:txBody>
-      <dsp:txXfrm>
-        <a:off x="2632199" y="1657180"/>
-        <a:ext cx="1096235" cy="334351"/>
-      </dsp:txXfrm>
-    </dsp:sp>
-    <dsp:sp modelId="{90FD7325-4B60-4098-B8F7-7312F3B72905}">
-      <dsp:nvSpPr>
-        <dsp:cNvPr id="0" name=""/>
-        <dsp:cNvSpPr/>
-      </dsp:nvSpPr>
-      <dsp:spPr>
-        <a:xfrm>
-          <a:off x="3947682" y="1421489"/>
-          <a:ext cx="1096235" cy="334351"/>
-        </a:xfrm>
-        <a:prstGeom prst="rect">
-          <a:avLst/>
-        </a:prstGeom>
-        <a:gradFill rotWithShape="0">
-          <a:gsLst>
-            <a:gs pos="0">
-              <a:schemeClr val="lt1">
-                <a:hueOff val="0"/>
-                <a:satOff val="0"/>
-                <a:lumOff val="0"/>
-                <a:alphaOff val="0"/>
-                <a:tint val="50000"/>
-                <a:satMod val="300000"/>
-              </a:schemeClr>
-            </a:gs>
-            <a:gs pos="35000">
-              <a:schemeClr val="lt1">
-                <a:hueOff val="0"/>
-                <a:satOff val="0"/>
-                <a:lumOff val="0"/>
-                <a:alphaOff val="0"/>
-                <a:tint val="37000"/>
-                <a:satMod val="300000"/>
-              </a:schemeClr>
-            </a:gs>
-            <a:gs pos="100000">
-              <a:schemeClr val="lt1">
-                <a:hueOff val="0"/>
-                <a:satOff val="0"/>
-                <a:lumOff val="0"/>
-                <a:alphaOff val="0"/>
-                <a:tint val="15000"/>
-                <a:satMod val="350000"/>
-              </a:schemeClr>
-            </a:gs>
-          </a:gsLst>
-          <a:lin ang="16200000" scaled="1"/>
-        </a:gradFill>
-        <a:ln>
-          <a:noFill/>
-        </a:ln>
-        <a:effectLst>
-          <a:outerShdw blurRad="40000" dist="20000" dir="5400000" rotWithShape="0">
-            <a:srgbClr val="000000">
-              <a:alpha val="38000"/>
-            </a:srgbClr>
-          </a:outerShdw>
-        </a:effectLst>
-        <a:scene3d>
-          <a:camera prst="orthographicFront"/>
-          <a:lightRig rig="flat" dir="t"/>
-        </a:scene3d>
-        <a:sp3d prstMaterial="dkEdge">
-          <a:bevelT w="8200" h="38100"/>
-        </a:sp3d>
-      </dsp:spPr>
-      <dsp:style>
-        <a:lnRef idx="0">
-          <a:scrgbClr r="0" g="0" b="0"/>
-        </a:lnRef>
-        <a:fillRef idx="2">
-          <a:scrgbClr r="0" g="0" b="0"/>
-        </a:fillRef>
-        <a:effectRef idx="1">
-          <a:scrgbClr r="0" g="0" b="0"/>
-        </a:effectRef>
-        <a:fontRef idx="minor">
-          <a:schemeClr val="dk1"/>
-        </a:fontRef>
-      </dsp:style>
-      <dsp:txBody>
-        <a:bodyPr spcFirstLastPara="0" vert="horz" wrap="square" lIns="8255" tIns="8255" rIns="8255" bIns="8255" numCol="1" spcCol="1270" anchor="ctr" anchorCtr="0">
-          <a:noAutofit/>
-        </a:bodyPr>
-        <a:lstStyle/>
-        <a:p>
-          <a:pPr lvl="0" algn="ctr" defTabSz="577850">
-            <a:lnSpc>
-              <a:spcPct val="90000"/>
-            </a:lnSpc>
-            <a:spcBef>
-              <a:spcPct val="0"/>
-            </a:spcBef>
-            <a:spcAft>
-              <a:spcPct val="35000"/>
-            </a:spcAft>
-          </a:pPr>
-          <a:r>
-            <a:rPr lang="en-US" sz="1300" kern="1200" dirty="0" smtClean="0"/>
-            <a:t>Pattern</a:t>
-          </a:r>
-          <a:endParaRPr lang="en-US" sz="1300" kern="1200" dirty="0"/>
-        </a:p>
-      </dsp:txBody>
-      <dsp:txXfrm>
-        <a:off x="3947682" y="1421489"/>
-        <a:ext cx="1096235" cy="334351"/>
-      </dsp:txXfrm>
-    </dsp:sp>
-    <dsp:sp modelId="{AA5769C6-4BCE-490E-AB9D-AAE58DFEA0ED}">
+    <dsp:sp modelId="{29537ABE-1AF6-4B89-8967-57CB21D9C16C}">
       <dsp:nvSpPr>
         <dsp:cNvPr id="0" name=""/>
         <dsp:cNvSpPr/>
@@ -7565,7 +8719,7 @@
           </a:pPr>
           <a:r>
             <a:rPr lang="en-US" sz="1300" kern="1200" dirty="0" smtClean="0"/>
-            <a:t>A</a:t>
+            <a:t>Writing</a:t>
           </a:r>
           <a:endParaRPr lang="en-US" sz="1300" kern="1200" dirty="0"/>
         </a:p>
@@ -7575,14 +8729,14 @@
         <a:ext cx="1096235" cy="334351"/>
       </dsp:txXfrm>
     </dsp:sp>
-    <dsp:sp modelId="{52A88742-C428-4D89-BCED-E4180EB66D30}">
+    <dsp:sp modelId="{AFBA0E28-233E-4B2D-BB7F-A04D4EC362FE}">
       <dsp:nvSpPr>
         <dsp:cNvPr id="0" name=""/>
         <dsp:cNvSpPr/>
       </dsp:nvSpPr>
       <dsp:spPr>
         <a:xfrm>
-          <a:off x="6578647" y="714417"/>
+          <a:off x="1316717" y="2128561"/>
           <a:ext cx="1096235" cy="334351"/>
         </a:xfrm>
         <a:prstGeom prst="rect">
@@ -7674,17 +8828,344 @@
           </a:pPr>
           <a:r>
             <a:rPr lang="en-US" sz="1300" kern="1200" dirty="0" smtClean="0"/>
-            <a:t>Copula</a:t>
+            <a:t>Grammar</a:t>
           </a:r>
           <a:endParaRPr lang="en-US" sz="1300" kern="1200" dirty="0"/>
         </a:p>
       </dsp:txBody>
       <dsp:txXfrm>
-        <a:off x="6578647" y="714417"/>
+        <a:off x="1316717" y="2128561"/>
         <a:ext cx="1096235" cy="334351"/>
       </dsp:txXfrm>
     </dsp:sp>
-    <dsp:sp modelId="{74AE7DFC-9BF6-43B2-962C-A31168E4FE32}">
+    <dsp:sp modelId="{3F94B6E2-CAC1-4C92-8B76-03A8D16F3199}">
+      <dsp:nvSpPr>
+        <dsp:cNvPr id="0" name=""/>
+        <dsp:cNvSpPr/>
+      </dsp:nvSpPr>
+      <dsp:spPr>
+        <a:xfrm>
+          <a:off x="2632199" y="2128561"/>
+          <a:ext cx="1096235" cy="334351"/>
+        </a:xfrm>
+        <a:prstGeom prst="rect">
+          <a:avLst/>
+        </a:prstGeom>
+        <a:gradFill rotWithShape="0">
+          <a:gsLst>
+            <a:gs pos="0">
+              <a:schemeClr val="lt1">
+                <a:hueOff val="0"/>
+                <a:satOff val="0"/>
+                <a:lumOff val="0"/>
+                <a:alphaOff val="0"/>
+                <a:tint val="50000"/>
+                <a:satMod val="300000"/>
+              </a:schemeClr>
+            </a:gs>
+            <a:gs pos="35000">
+              <a:schemeClr val="lt1">
+                <a:hueOff val="0"/>
+                <a:satOff val="0"/>
+                <a:lumOff val="0"/>
+                <a:alphaOff val="0"/>
+                <a:tint val="37000"/>
+                <a:satMod val="300000"/>
+              </a:schemeClr>
+            </a:gs>
+            <a:gs pos="100000">
+              <a:schemeClr val="lt1">
+                <a:hueOff val="0"/>
+                <a:satOff val="0"/>
+                <a:lumOff val="0"/>
+                <a:alphaOff val="0"/>
+                <a:tint val="15000"/>
+                <a:satMod val="350000"/>
+              </a:schemeClr>
+            </a:gs>
+          </a:gsLst>
+          <a:lin ang="16200000" scaled="1"/>
+        </a:gradFill>
+        <a:ln>
+          <a:noFill/>
+        </a:ln>
+        <a:effectLst>
+          <a:outerShdw blurRad="40000" dist="20000" dir="5400000" rotWithShape="0">
+            <a:srgbClr val="000000">
+              <a:alpha val="38000"/>
+            </a:srgbClr>
+          </a:outerShdw>
+        </a:effectLst>
+        <a:scene3d>
+          <a:camera prst="orthographicFront"/>
+          <a:lightRig rig="flat" dir="t"/>
+        </a:scene3d>
+        <a:sp3d prstMaterial="dkEdge">
+          <a:bevelT w="8200" h="38100"/>
+        </a:sp3d>
+      </dsp:spPr>
+      <dsp:style>
+        <a:lnRef idx="0">
+          <a:scrgbClr r="0" g="0" b="0"/>
+        </a:lnRef>
+        <a:fillRef idx="2">
+          <a:scrgbClr r="0" g="0" b="0"/>
+        </a:fillRef>
+        <a:effectRef idx="1">
+          <a:scrgbClr r="0" g="0" b="0"/>
+        </a:effectRef>
+        <a:fontRef idx="minor">
+          <a:schemeClr val="dk1"/>
+        </a:fontRef>
+      </dsp:style>
+      <dsp:txBody>
+        <a:bodyPr spcFirstLastPara="0" vert="horz" wrap="square" lIns="8255" tIns="8255" rIns="8255" bIns="8255" numCol="1" spcCol="1270" anchor="ctr" anchorCtr="0">
+          <a:noAutofit/>
+        </a:bodyPr>
+        <a:lstStyle/>
+        <a:p>
+          <a:pPr lvl="0" algn="ctr" defTabSz="577850">
+            <a:lnSpc>
+              <a:spcPct val="90000"/>
+            </a:lnSpc>
+            <a:spcBef>
+              <a:spcPct val="0"/>
+            </a:spcBef>
+            <a:spcAft>
+              <a:spcPct val="35000"/>
+            </a:spcAft>
+          </a:pPr>
+          <a:r>
+            <a:rPr lang="en-US" sz="1300" kern="1200" dirty="0" smtClean="0"/>
+            <a:t>Sentence</a:t>
+          </a:r>
+          <a:endParaRPr lang="en-US" sz="1300" kern="1200" dirty="0"/>
+        </a:p>
+      </dsp:txBody>
+      <dsp:txXfrm>
+        <a:off x="2632199" y="2128561"/>
+        <a:ext cx="1096235" cy="334351"/>
+      </dsp:txXfrm>
+    </dsp:sp>
+    <dsp:sp modelId="{90FD7325-4B60-4098-B8F7-7312F3B72905}">
+      <dsp:nvSpPr>
+        <dsp:cNvPr id="0" name=""/>
+        <dsp:cNvSpPr/>
+      </dsp:nvSpPr>
+      <dsp:spPr>
+        <a:xfrm>
+          <a:off x="3947682" y="1892871"/>
+          <a:ext cx="1096235" cy="334351"/>
+        </a:xfrm>
+        <a:prstGeom prst="rect">
+          <a:avLst/>
+        </a:prstGeom>
+        <a:gradFill rotWithShape="0">
+          <a:gsLst>
+            <a:gs pos="0">
+              <a:schemeClr val="lt1">
+                <a:hueOff val="0"/>
+                <a:satOff val="0"/>
+                <a:lumOff val="0"/>
+                <a:alphaOff val="0"/>
+                <a:tint val="50000"/>
+                <a:satMod val="300000"/>
+              </a:schemeClr>
+            </a:gs>
+            <a:gs pos="35000">
+              <a:schemeClr val="lt1">
+                <a:hueOff val="0"/>
+                <a:satOff val="0"/>
+                <a:lumOff val="0"/>
+                <a:alphaOff val="0"/>
+                <a:tint val="37000"/>
+                <a:satMod val="300000"/>
+              </a:schemeClr>
+            </a:gs>
+            <a:gs pos="100000">
+              <a:schemeClr val="lt1">
+                <a:hueOff val="0"/>
+                <a:satOff val="0"/>
+                <a:lumOff val="0"/>
+                <a:alphaOff val="0"/>
+                <a:tint val="15000"/>
+                <a:satMod val="350000"/>
+              </a:schemeClr>
+            </a:gs>
+          </a:gsLst>
+          <a:lin ang="16200000" scaled="1"/>
+        </a:gradFill>
+        <a:ln>
+          <a:noFill/>
+        </a:ln>
+        <a:effectLst>
+          <a:outerShdw blurRad="40000" dist="20000" dir="5400000" rotWithShape="0">
+            <a:srgbClr val="000000">
+              <a:alpha val="38000"/>
+            </a:srgbClr>
+          </a:outerShdw>
+        </a:effectLst>
+        <a:scene3d>
+          <a:camera prst="orthographicFront"/>
+          <a:lightRig rig="flat" dir="t"/>
+        </a:scene3d>
+        <a:sp3d prstMaterial="dkEdge">
+          <a:bevelT w="8200" h="38100"/>
+        </a:sp3d>
+      </dsp:spPr>
+      <dsp:style>
+        <a:lnRef idx="0">
+          <a:scrgbClr r="0" g="0" b="0"/>
+        </a:lnRef>
+        <a:fillRef idx="2">
+          <a:scrgbClr r="0" g="0" b="0"/>
+        </a:fillRef>
+        <a:effectRef idx="1">
+          <a:scrgbClr r="0" g="0" b="0"/>
+        </a:effectRef>
+        <a:fontRef idx="minor">
+          <a:schemeClr val="dk1"/>
+        </a:fontRef>
+      </dsp:style>
+      <dsp:txBody>
+        <a:bodyPr spcFirstLastPara="0" vert="horz" wrap="square" lIns="8255" tIns="8255" rIns="8255" bIns="8255" numCol="1" spcCol="1270" anchor="ctr" anchorCtr="0">
+          <a:noAutofit/>
+        </a:bodyPr>
+        <a:lstStyle/>
+        <a:p>
+          <a:pPr lvl="0" algn="ctr" defTabSz="577850">
+            <a:lnSpc>
+              <a:spcPct val="90000"/>
+            </a:lnSpc>
+            <a:spcBef>
+              <a:spcPct val="0"/>
+            </a:spcBef>
+            <a:spcAft>
+              <a:spcPct val="35000"/>
+            </a:spcAft>
+          </a:pPr>
+          <a:r>
+            <a:rPr lang="en-US" sz="1300" kern="1200" dirty="0" smtClean="0"/>
+            <a:t>Pattern</a:t>
+          </a:r>
+          <a:endParaRPr lang="en-US" sz="1300" kern="1200" dirty="0"/>
+        </a:p>
+      </dsp:txBody>
+      <dsp:txXfrm>
+        <a:off x="3947682" y="1892871"/>
+        <a:ext cx="1096235" cy="334351"/>
+      </dsp:txXfrm>
+    </dsp:sp>
+    <dsp:sp modelId="{AA5769C6-4BCE-490E-AB9D-AAE58DFEA0ED}">
+      <dsp:nvSpPr>
+        <dsp:cNvPr id="0" name=""/>
+        <dsp:cNvSpPr/>
+      </dsp:nvSpPr>
+      <dsp:spPr>
+        <a:xfrm>
+          <a:off x="5263164" y="1657180"/>
+          <a:ext cx="1096235" cy="334351"/>
+        </a:xfrm>
+        <a:prstGeom prst="rect">
+          <a:avLst/>
+        </a:prstGeom>
+        <a:gradFill rotWithShape="0">
+          <a:gsLst>
+            <a:gs pos="0">
+              <a:schemeClr val="lt1">
+                <a:hueOff val="0"/>
+                <a:satOff val="0"/>
+                <a:lumOff val="0"/>
+                <a:alphaOff val="0"/>
+                <a:tint val="50000"/>
+                <a:satMod val="300000"/>
+              </a:schemeClr>
+            </a:gs>
+            <a:gs pos="35000">
+              <a:schemeClr val="lt1">
+                <a:hueOff val="0"/>
+                <a:satOff val="0"/>
+                <a:lumOff val="0"/>
+                <a:alphaOff val="0"/>
+                <a:tint val="37000"/>
+                <a:satMod val="300000"/>
+              </a:schemeClr>
+            </a:gs>
+            <a:gs pos="100000">
+              <a:schemeClr val="lt1">
+                <a:hueOff val="0"/>
+                <a:satOff val="0"/>
+                <a:lumOff val="0"/>
+                <a:alphaOff val="0"/>
+                <a:tint val="15000"/>
+                <a:satMod val="350000"/>
+              </a:schemeClr>
+            </a:gs>
+          </a:gsLst>
+          <a:lin ang="16200000" scaled="1"/>
+        </a:gradFill>
+        <a:ln>
+          <a:noFill/>
+        </a:ln>
+        <a:effectLst>
+          <a:outerShdw blurRad="40000" dist="20000" dir="5400000" rotWithShape="0">
+            <a:srgbClr val="000000">
+              <a:alpha val="38000"/>
+            </a:srgbClr>
+          </a:outerShdw>
+        </a:effectLst>
+        <a:scene3d>
+          <a:camera prst="orthographicFront"/>
+          <a:lightRig rig="flat" dir="t"/>
+        </a:scene3d>
+        <a:sp3d prstMaterial="dkEdge">
+          <a:bevelT w="8200" h="38100"/>
+        </a:sp3d>
+      </dsp:spPr>
+      <dsp:style>
+        <a:lnRef idx="0">
+          <a:scrgbClr r="0" g="0" b="0"/>
+        </a:lnRef>
+        <a:fillRef idx="2">
+          <a:scrgbClr r="0" g="0" b="0"/>
+        </a:fillRef>
+        <a:effectRef idx="1">
+          <a:scrgbClr r="0" g="0" b="0"/>
+        </a:effectRef>
+        <a:fontRef idx="minor">
+          <a:schemeClr val="dk1"/>
+        </a:fontRef>
+      </dsp:style>
+      <dsp:txBody>
+        <a:bodyPr spcFirstLastPara="0" vert="horz" wrap="square" lIns="8255" tIns="8255" rIns="8255" bIns="8255" numCol="1" spcCol="1270" anchor="ctr" anchorCtr="0">
+          <a:noAutofit/>
+        </a:bodyPr>
+        <a:lstStyle/>
+        <a:p>
+          <a:pPr lvl="0" algn="ctr" defTabSz="577850">
+            <a:lnSpc>
+              <a:spcPct val="90000"/>
+            </a:lnSpc>
+            <a:spcBef>
+              <a:spcPct val="0"/>
+            </a:spcBef>
+            <a:spcAft>
+              <a:spcPct val="35000"/>
+            </a:spcAft>
+          </a:pPr>
+          <a:r>
+            <a:rPr lang="en-US" sz="1300" kern="1200" dirty="0" smtClean="0"/>
+            <a:t>A</a:t>
+          </a:r>
+          <a:endParaRPr lang="en-US" sz="1300" kern="1200" dirty="0"/>
+        </a:p>
+      </dsp:txBody>
+      <dsp:txXfrm>
+        <a:off x="5263164" y="1657180"/>
+        <a:ext cx="1096235" cy="334351"/>
+      </dsp:txXfrm>
+    </dsp:sp>
+    <dsp:sp modelId="{52A88742-C428-4D89-BCED-E4180EB66D30}">
       <dsp:nvSpPr>
         <dsp:cNvPr id="0" name=""/>
         <dsp:cNvSpPr/>
@@ -7783,7 +9264,7 @@
           </a:pPr>
           <a:r>
             <a:rPr lang="en-US" sz="1300" kern="1200" dirty="0" smtClean="0"/>
-            <a:t>Transitive</a:t>
+            <a:t>Copula</a:t>
           </a:r>
           <a:endParaRPr lang="en-US" sz="1300" kern="1200" dirty="0"/>
         </a:p>
@@ -7793,7 +9274,7 @@
         <a:ext cx="1096235" cy="334351"/>
       </dsp:txXfrm>
     </dsp:sp>
-    <dsp:sp modelId="{6F499131-600B-4D82-B6BC-02C47B243689}">
+    <dsp:sp modelId="{74AE7DFC-9BF6-43B2-962C-A31168E4FE32}">
       <dsp:nvSpPr>
         <dsp:cNvPr id="0" name=""/>
         <dsp:cNvSpPr/>
@@ -7892,7 +9373,7 @@
           </a:pPr>
           <a:r>
             <a:rPr lang="en-US" sz="1300" kern="1200" dirty="0" smtClean="0"/>
-            <a:t>Intransitive</a:t>
+            <a:t>Transitive</a:t>
           </a:r>
           <a:endParaRPr lang="en-US" sz="1300" kern="1200" dirty="0"/>
         </a:p>
@@ -7902,14 +9383,14 @@
         <a:ext cx="1096235" cy="334351"/>
       </dsp:txXfrm>
     </dsp:sp>
-    <dsp:sp modelId="{0CCCC145-51CB-4F4E-A36C-EFD45483B9DE}">
+    <dsp:sp modelId="{6F499131-600B-4D82-B6BC-02C47B243689}">
       <dsp:nvSpPr>
         <dsp:cNvPr id="0" name=""/>
         <dsp:cNvSpPr/>
       </dsp:nvSpPr>
       <dsp:spPr>
         <a:xfrm>
-          <a:off x="5263164" y="1657180"/>
+          <a:off x="6578647" y="2128561"/>
           <a:ext cx="1096235" cy="334351"/>
         </a:xfrm>
         <a:prstGeom prst="rect">
@@ -8001,24 +9482,24 @@
           </a:pPr>
           <a:r>
             <a:rPr lang="en-US" sz="1300" kern="1200" dirty="0" smtClean="0"/>
-            <a:t>B…</a:t>
+            <a:t>Intransitive</a:t>
           </a:r>
           <a:endParaRPr lang="en-US" sz="1300" kern="1200" dirty="0"/>
         </a:p>
       </dsp:txBody>
       <dsp:txXfrm>
-        <a:off x="5263164" y="1657180"/>
+        <a:off x="6578647" y="2128561"/>
         <a:ext cx="1096235" cy="334351"/>
       </dsp:txXfrm>
     </dsp:sp>
-    <dsp:sp modelId="{A60BF2BF-60CC-451B-A0F1-F63768BADF39}">
+    <dsp:sp modelId="{0CCCC145-51CB-4F4E-A36C-EFD45483B9DE}">
       <dsp:nvSpPr>
         <dsp:cNvPr id="0" name=""/>
         <dsp:cNvSpPr/>
       </dsp:nvSpPr>
       <dsp:spPr>
         <a:xfrm>
-          <a:off x="3947682" y="1892871"/>
+          <a:off x="5263164" y="2128561"/>
           <a:ext cx="1096235" cy="334351"/>
         </a:xfrm>
         <a:prstGeom prst="rect">
@@ -8110,235 +9591,17 @@
           </a:pPr>
           <a:r>
             <a:rPr lang="en-US" sz="1300" kern="1200" dirty="0" smtClean="0"/>
-            <a:t>Translation</a:t>
+            <a:t>B…</a:t>
           </a:r>
           <a:endParaRPr lang="en-US" sz="1300" kern="1200" dirty="0"/>
         </a:p>
       </dsp:txBody>
       <dsp:txXfrm>
-        <a:off x="3947682" y="1892871"/>
+        <a:off x="5263164" y="2128561"/>
         <a:ext cx="1096235" cy="334351"/>
       </dsp:txXfrm>
     </dsp:sp>
-    <dsp:sp modelId="{57E7F39D-325C-46B1-B057-EB72B0261FDC}">
-      <dsp:nvSpPr>
-        <dsp:cNvPr id="0" name=""/>
-        <dsp:cNvSpPr/>
-      </dsp:nvSpPr>
-      <dsp:spPr>
-        <a:xfrm>
-          <a:off x="1316717" y="3660550"/>
-          <a:ext cx="1096235" cy="334351"/>
-        </a:xfrm>
-        <a:prstGeom prst="rect">
-          <a:avLst/>
-        </a:prstGeom>
-        <a:gradFill rotWithShape="0">
-          <a:gsLst>
-            <a:gs pos="0">
-              <a:schemeClr val="lt1">
-                <a:hueOff val="0"/>
-                <a:satOff val="0"/>
-                <a:lumOff val="0"/>
-                <a:alphaOff val="0"/>
-                <a:tint val="50000"/>
-                <a:satMod val="300000"/>
-              </a:schemeClr>
-            </a:gs>
-            <a:gs pos="35000">
-              <a:schemeClr val="lt1">
-                <a:hueOff val="0"/>
-                <a:satOff val="0"/>
-                <a:lumOff val="0"/>
-                <a:alphaOff val="0"/>
-                <a:tint val="37000"/>
-                <a:satMod val="300000"/>
-              </a:schemeClr>
-            </a:gs>
-            <a:gs pos="100000">
-              <a:schemeClr val="lt1">
-                <a:hueOff val="0"/>
-                <a:satOff val="0"/>
-                <a:lumOff val="0"/>
-                <a:alphaOff val="0"/>
-                <a:tint val="15000"/>
-                <a:satMod val="350000"/>
-              </a:schemeClr>
-            </a:gs>
-          </a:gsLst>
-          <a:lin ang="16200000" scaled="1"/>
-        </a:gradFill>
-        <a:ln>
-          <a:noFill/>
-        </a:ln>
-        <a:effectLst>
-          <a:outerShdw blurRad="40000" dist="20000" dir="5400000" rotWithShape="0">
-            <a:srgbClr val="000000">
-              <a:alpha val="38000"/>
-            </a:srgbClr>
-          </a:outerShdw>
-        </a:effectLst>
-        <a:scene3d>
-          <a:camera prst="orthographicFront"/>
-          <a:lightRig rig="flat" dir="t"/>
-        </a:scene3d>
-        <a:sp3d prstMaterial="dkEdge">
-          <a:bevelT w="8200" h="38100"/>
-        </a:sp3d>
-      </dsp:spPr>
-      <dsp:style>
-        <a:lnRef idx="0">
-          <a:scrgbClr r="0" g="0" b="0"/>
-        </a:lnRef>
-        <a:fillRef idx="2">
-          <a:scrgbClr r="0" g="0" b="0"/>
-        </a:fillRef>
-        <a:effectRef idx="1">
-          <a:scrgbClr r="0" g="0" b="0"/>
-        </a:effectRef>
-        <a:fontRef idx="minor">
-          <a:schemeClr val="dk1"/>
-        </a:fontRef>
-      </dsp:style>
-      <dsp:txBody>
-        <a:bodyPr spcFirstLastPara="0" vert="horz" wrap="square" lIns="8255" tIns="8255" rIns="8255" bIns="8255" numCol="1" spcCol="1270" anchor="ctr" anchorCtr="0">
-          <a:noAutofit/>
-        </a:bodyPr>
-        <a:lstStyle/>
-        <a:p>
-          <a:pPr lvl="0" algn="ctr" defTabSz="577850">
-            <a:lnSpc>
-              <a:spcPct val="90000"/>
-            </a:lnSpc>
-            <a:spcBef>
-              <a:spcPct val="0"/>
-            </a:spcBef>
-            <a:spcAft>
-              <a:spcPct val="35000"/>
-            </a:spcAft>
-          </a:pPr>
-          <a:r>
-            <a:rPr lang="en-US" sz="1300" kern="1200" dirty="0" smtClean="0"/>
-            <a:t>Vocabulary</a:t>
-          </a:r>
-          <a:endParaRPr lang="en-US" sz="1300" kern="1200" dirty="0"/>
-        </a:p>
-      </dsp:txBody>
-      <dsp:txXfrm>
-        <a:off x="1316717" y="3660550"/>
-        <a:ext cx="1096235" cy="334351"/>
-      </dsp:txXfrm>
-    </dsp:sp>
-    <dsp:sp modelId="{550E9EE0-19D0-489D-B695-43CB8B13D45F}">
-      <dsp:nvSpPr>
-        <dsp:cNvPr id="0" name=""/>
-        <dsp:cNvSpPr/>
-      </dsp:nvSpPr>
-      <dsp:spPr>
-        <a:xfrm>
-          <a:off x="2632199" y="2835633"/>
-          <a:ext cx="1096235" cy="334351"/>
-        </a:xfrm>
-        <a:prstGeom prst="rect">
-          <a:avLst/>
-        </a:prstGeom>
-        <a:gradFill rotWithShape="0">
-          <a:gsLst>
-            <a:gs pos="0">
-              <a:schemeClr val="lt1">
-                <a:hueOff val="0"/>
-                <a:satOff val="0"/>
-                <a:lumOff val="0"/>
-                <a:alphaOff val="0"/>
-                <a:tint val="50000"/>
-                <a:satMod val="300000"/>
-              </a:schemeClr>
-            </a:gs>
-            <a:gs pos="35000">
-              <a:schemeClr val="lt1">
-                <a:hueOff val="0"/>
-                <a:satOff val="0"/>
-                <a:lumOff val="0"/>
-                <a:alphaOff val="0"/>
-                <a:tint val="37000"/>
-                <a:satMod val="300000"/>
-              </a:schemeClr>
-            </a:gs>
-            <a:gs pos="100000">
-              <a:schemeClr val="lt1">
-                <a:hueOff val="0"/>
-                <a:satOff val="0"/>
-                <a:lumOff val="0"/>
-                <a:alphaOff val="0"/>
-                <a:tint val="15000"/>
-                <a:satMod val="350000"/>
-              </a:schemeClr>
-            </a:gs>
-          </a:gsLst>
-          <a:lin ang="16200000" scaled="1"/>
-        </a:gradFill>
-        <a:ln>
-          <a:noFill/>
-        </a:ln>
-        <a:effectLst>
-          <a:outerShdw blurRad="40000" dist="20000" dir="5400000" rotWithShape="0">
-            <a:srgbClr val="000000">
-              <a:alpha val="38000"/>
-            </a:srgbClr>
-          </a:outerShdw>
-        </a:effectLst>
-        <a:scene3d>
-          <a:camera prst="orthographicFront"/>
-          <a:lightRig rig="flat" dir="t"/>
-        </a:scene3d>
-        <a:sp3d prstMaterial="dkEdge">
-          <a:bevelT w="8200" h="38100"/>
-        </a:sp3d>
-      </dsp:spPr>
-      <dsp:style>
-        <a:lnRef idx="0">
-          <a:scrgbClr r="0" g="0" b="0"/>
-        </a:lnRef>
-        <a:fillRef idx="2">
-          <a:scrgbClr r="0" g="0" b="0"/>
-        </a:fillRef>
-        <a:effectRef idx="1">
-          <a:scrgbClr r="0" g="0" b="0"/>
-        </a:effectRef>
-        <a:fontRef idx="minor">
-          <a:schemeClr val="dk1"/>
-        </a:fontRef>
-      </dsp:style>
-      <dsp:txBody>
-        <a:bodyPr spcFirstLastPara="0" vert="horz" wrap="square" lIns="8255" tIns="8255" rIns="8255" bIns="8255" numCol="1" spcCol="1270" anchor="ctr" anchorCtr="0">
-          <a:noAutofit/>
-        </a:bodyPr>
-        <a:lstStyle/>
-        <a:p>
-          <a:pPr lvl="0" algn="ctr" defTabSz="577850">
-            <a:lnSpc>
-              <a:spcPct val="90000"/>
-            </a:lnSpc>
-            <a:spcBef>
-              <a:spcPct val="0"/>
-            </a:spcBef>
-            <a:spcAft>
-              <a:spcPct val="35000"/>
-            </a:spcAft>
-          </a:pPr>
-          <a:r>
-            <a:rPr lang="en-US" sz="1300" kern="1200" dirty="0" smtClean="0"/>
-            <a:t>Expressions</a:t>
-          </a:r>
-          <a:endParaRPr lang="en-US" sz="1300" kern="1200" dirty="0"/>
-        </a:p>
-      </dsp:txBody>
-      <dsp:txXfrm>
-        <a:off x="2632199" y="2835633"/>
-        <a:ext cx="1096235" cy="334351"/>
-      </dsp:txXfrm>
-    </dsp:sp>
-    <dsp:sp modelId="{9929B529-38BC-45FB-88A1-0A532B70868F}">
+    <dsp:sp modelId="{A60BF2BF-60CC-451B-A0F1-F63768BADF39}">
       <dsp:nvSpPr>
         <dsp:cNvPr id="0" name=""/>
         <dsp:cNvSpPr/>
@@ -8437,7 +9700,7 @@
           </a:pPr>
           <a:r>
             <a:rPr lang="en-US" sz="1300" kern="1200" dirty="0" smtClean="0"/>
-            <a:t>Phrase</a:t>
+            <a:t>Translation</a:t>
           </a:r>
           <a:endParaRPr lang="en-US" sz="1300" kern="1200" dirty="0"/>
         </a:p>
@@ -8447,7 +9710,225 @@
         <a:ext cx="1096235" cy="334351"/>
       </dsp:txXfrm>
     </dsp:sp>
-    <dsp:sp modelId="{C63CF3BB-94AB-4A78-9B45-D7AA3579AC11}">
+    <dsp:sp modelId="{57E7F39D-325C-46B1-B057-EB72B0261FDC}">
+      <dsp:nvSpPr>
+        <dsp:cNvPr id="0" name=""/>
+        <dsp:cNvSpPr/>
+      </dsp:nvSpPr>
+      <dsp:spPr>
+        <a:xfrm>
+          <a:off x="1316717" y="4131931"/>
+          <a:ext cx="1096235" cy="334351"/>
+        </a:xfrm>
+        <a:prstGeom prst="rect">
+          <a:avLst/>
+        </a:prstGeom>
+        <a:gradFill rotWithShape="0">
+          <a:gsLst>
+            <a:gs pos="0">
+              <a:schemeClr val="lt1">
+                <a:hueOff val="0"/>
+                <a:satOff val="0"/>
+                <a:lumOff val="0"/>
+                <a:alphaOff val="0"/>
+                <a:tint val="50000"/>
+                <a:satMod val="300000"/>
+              </a:schemeClr>
+            </a:gs>
+            <a:gs pos="35000">
+              <a:schemeClr val="lt1">
+                <a:hueOff val="0"/>
+                <a:satOff val="0"/>
+                <a:lumOff val="0"/>
+                <a:alphaOff val="0"/>
+                <a:tint val="37000"/>
+                <a:satMod val="300000"/>
+              </a:schemeClr>
+            </a:gs>
+            <a:gs pos="100000">
+              <a:schemeClr val="lt1">
+                <a:hueOff val="0"/>
+                <a:satOff val="0"/>
+                <a:lumOff val="0"/>
+                <a:alphaOff val="0"/>
+                <a:tint val="15000"/>
+                <a:satMod val="350000"/>
+              </a:schemeClr>
+            </a:gs>
+          </a:gsLst>
+          <a:lin ang="16200000" scaled="1"/>
+        </a:gradFill>
+        <a:ln>
+          <a:noFill/>
+        </a:ln>
+        <a:effectLst>
+          <a:outerShdw blurRad="40000" dist="20000" dir="5400000" rotWithShape="0">
+            <a:srgbClr val="000000">
+              <a:alpha val="38000"/>
+            </a:srgbClr>
+          </a:outerShdw>
+        </a:effectLst>
+        <a:scene3d>
+          <a:camera prst="orthographicFront"/>
+          <a:lightRig rig="flat" dir="t"/>
+        </a:scene3d>
+        <a:sp3d prstMaterial="dkEdge">
+          <a:bevelT w="8200" h="38100"/>
+        </a:sp3d>
+      </dsp:spPr>
+      <dsp:style>
+        <a:lnRef idx="0">
+          <a:scrgbClr r="0" g="0" b="0"/>
+        </a:lnRef>
+        <a:fillRef idx="2">
+          <a:scrgbClr r="0" g="0" b="0"/>
+        </a:fillRef>
+        <a:effectRef idx="1">
+          <a:scrgbClr r="0" g="0" b="0"/>
+        </a:effectRef>
+        <a:fontRef idx="minor">
+          <a:schemeClr val="dk1"/>
+        </a:fontRef>
+      </dsp:style>
+      <dsp:txBody>
+        <a:bodyPr spcFirstLastPara="0" vert="horz" wrap="square" lIns="8255" tIns="8255" rIns="8255" bIns="8255" numCol="1" spcCol="1270" anchor="ctr" anchorCtr="0">
+          <a:noAutofit/>
+        </a:bodyPr>
+        <a:lstStyle/>
+        <a:p>
+          <a:pPr lvl="0" algn="ctr" defTabSz="577850">
+            <a:lnSpc>
+              <a:spcPct val="90000"/>
+            </a:lnSpc>
+            <a:spcBef>
+              <a:spcPct val="0"/>
+            </a:spcBef>
+            <a:spcAft>
+              <a:spcPct val="35000"/>
+            </a:spcAft>
+          </a:pPr>
+          <a:r>
+            <a:rPr lang="en-US" sz="1300" kern="1200" dirty="0" smtClean="0"/>
+            <a:t>Vocabulary</a:t>
+          </a:r>
+          <a:endParaRPr lang="en-US" sz="1300" kern="1200" dirty="0"/>
+        </a:p>
+      </dsp:txBody>
+      <dsp:txXfrm>
+        <a:off x="1316717" y="4131931"/>
+        <a:ext cx="1096235" cy="334351"/>
+      </dsp:txXfrm>
+    </dsp:sp>
+    <dsp:sp modelId="{550E9EE0-19D0-489D-B695-43CB8B13D45F}">
+      <dsp:nvSpPr>
+        <dsp:cNvPr id="0" name=""/>
+        <dsp:cNvSpPr/>
+      </dsp:nvSpPr>
+      <dsp:spPr>
+        <a:xfrm>
+          <a:off x="2632199" y="3307014"/>
+          <a:ext cx="1096235" cy="334351"/>
+        </a:xfrm>
+        <a:prstGeom prst="rect">
+          <a:avLst/>
+        </a:prstGeom>
+        <a:gradFill rotWithShape="0">
+          <a:gsLst>
+            <a:gs pos="0">
+              <a:schemeClr val="lt1">
+                <a:hueOff val="0"/>
+                <a:satOff val="0"/>
+                <a:lumOff val="0"/>
+                <a:alphaOff val="0"/>
+                <a:tint val="50000"/>
+                <a:satMod val="300000"/>
+              </a:schemeClr>
+            </a:gs>
+            <a:gs pos="35000">
+              <a:schemeClr val="lt1">
+                <a:hueOff val="0"/>
+                <a:satOff val="0"/>
+                <a:lumOff val="0"/>
+                <a:alphaOff val="0"/>
+                <a:tint val="37000"/>
+                <a:satMod val="300000"/>
+              </a:schemeClr>
+            </a:gs>
+            <a:gs pos="100000">
+              <a:schemeClr val="lt1">
+                <a:hueOff val="0"/>
+                <a:satOff val="0"/>
+                <a:lumOff val="0"/>
+                <a:alphaOff val="0"/>
+                <a:tint val="15000"/>
+                <a:satMod val="350000"/>
+              </a:schemeClr>
+            </a:gs>
+          </a:gsLst>
+          <a:lin ang="16200000" scaled="1"/>
+        </a:gradFill>
+        <a:ln>
+          <a:noFill/>
+        </a:ln>
+        <a:effectLst>
+          <a:outerShdw blurRad="40000" dist="20000" dir="5400000" rotWithShape="0">
+            <a:srgbClr val="000000">
+              <a:alpha val="38000"/>
+            </a:srgbClr>
+          </a:outerShdw>
+        </a:effectLst>
+        <a:scene3d>
+          <a:camera prst="orthographicFront"/>
+          <a:lightRig rig="flat" dir="t"/>
+        </a:scene3d>
+        <a:sp3d prstMaterial="dkEdge">
+          <a:bevelT w="8200" h="38100"/>
+        </a:sp3d>
+      </dsp:spPr>
+      <dsp:style>
+        <a:lnRef idx="0">
+          <a:scrgbClr r="0" g="0" b="0"/>
+        </a:lnRef>
+        <a:fillRef idx="2">
+          <a:scrgbClr r="0" g="0" b="0"/>
+        </a:fillRef>
+        <a:effectRef idx="1">
+          <a:scrgbClr r="0" g="0" b="0"/>
+        </a:effectRef>
+        <a:fontRef idx="minor">
+          <a:schemeClr val="dk1"/>
+        </a:fontRef>
+      </dsp:style>
+      <dsp:txBody>
+        <a:bodyPr spcFirstLastPara="0" vert="horz" wrap="square" lIns="8255" tIns="8255" rIns="8255" bIns="8255" numCol="1" spcCol="1270" anchor="ctr" anchorCtr="0">
+          <a:noAutofit/>
+        </a:bodyPr>
+        <a:lstStyle/>
+        <a:p>
+          <a:pPr lvl="0" algn="ctr" defTabSz="577850">
+            <a:lnSpc>
+              <a:spcPct val="90000"/>
+            </a:lnSpc>
+            <a:spcBef>
+              <a:spcPct val="0"/>
+            </a:spcBef>
+            <a:spcAft>
+              <a:spcPct val="35000"/>
+            </a:spcAft>
+          </a:pPr>
+          <a:r>
+            <a:rPr lang="en-US" sz="1300" kern="1200" dirty="0" smtClean="0"/>
+            <a:t>Expressions</a:t>
+          </a:r>
+          <a:endParaRPr lang="en-US" sz="1300" kern="1200" dirty="0"/>
+        </a:p>
+      </dsp:txBody>
+      <dsp:txXfrm>
+        <a:off x="2632199" y="3307014"/>
+        <a:ext cx="1096235" cy="334351"/>
+      </dsp:txXfrm>
+    </dsp:sp>
+    <dsp:sp modelId="{9929B529-38BC-45FB-88A1-0A532B70868F}">
       <dsp:nvSpPr>
         <dsp:cNvPr id="0" name=""/>
         <dsp:cNvSpPr/>
@@ -8546,7 +10027,7 @@
           </a:pPr>
           <a:r>
             <a:rPr lang="en-US" sz="1300" kern="1200" dirty="0" smtClean="0"/>
-            <a:t>Type</a:t>
+            <a:t>Phrase</a:t>
           </a:r>
           <a:endParaRPr lang="en-US" sz="1300" kern="1200" dirty="0"/>
         </a:p>
@@ -8556,14 +10037,14 @@
         <a:ext cx="1096235" cy="334351"/>
       </dsp:txXfrm>
     </dsp:sp>
-    <dsp:sp modelId="{7DF42D00-B3A6-4392-997E-143569E4E0D5}">
+    <dsp:sp modelId="{C63CF3BB-94AB-4A78-9B45-D7AA3579AC11}">
       <dsp:nvSpPr>
         <dsp:cNvPr id="0" name=""/>
         <dsp:cNvSpPr/>
       </dsp:nvSpPr>
       <dsp:spPr>
         <a:xfrm>
-          <a:off x="5263164" y="2599942"/>
+          <a:off x="3947682" y="3307014"/>
           <a:ext cx="1096235" cy="334351"/>
         </a:xfrm>
         <a:prstGeom prst="rect">
@@ -8655,17 +10136,17 @@
           </a:pPr>
           <a:r>
             <a:rPr lang="en-US" sz="1300" kern="1200" dirty="0" smtClean="0"/>
-            <a:t>Stand-Alone</a:t>
+            <a:t>Type</a:t>
           </a:r>
           <a:endParaRPr lang="en-US" sz="1300" kern="1200" dirty="0"/>
         </a:p>
       </dsp:txBody>
       <dsp:txXfrm>
-        <a:off x="5263164" y="2599942"/>
+        <a:off x="3947682" y="3307014"/>
         <a:ext cx="1096235" cy="334351"/>
       </dsp:txXfrm>
     </dsp:sp>
-    <dsp:sp modelId="{C89CDFFA-B4BD-40F1-9E74-F7827D56A3C8}">
+    <dsp:sp modelId="{7DF42D00-B3A6-4392-997E-143569E4E0D5}">
       <dsp:nvSpPr>
         <dsp:cNvPr id="0" name=""/>
         <dsp:cNvSpPr/>
@@ -8764,7 +10245,7 @@
           </a:pPr>
           <a:r>
             <a:rPr lang="en-US" sz="1300" kern="1200" dirty="0" smtClean="0"/>
-            <a:t>…</a:t>
+            <a:t>Stand-Alone</a:t>
           </a:r>
           <a:endParaRPr lang="en-US" sz="1300" kern="1200" dirty="0"/>
         </a:p>
@@ -8774,14 +10255,14 @@
         <a:ext cx="1096235" cy="334351"/>
       </dsp:txXfrm>
     </dsp:sp>
-    <dsp:sp modelId="{354F4FF5-9E03-471F-80A8-4D58800B70D6}">
+    <dsp:sp modelId="{C89CDFFA-B4BD-40F1-9E74-F7827D56A3C8}">
       <dsp:nvSpPr>
         <dsp:cNvPr id="0" name=""/>
         <dsp:cNvSpPr/>
       </dsp:nvSpPr>
       <dsp:spPr>
         <a:xfrm>
-          <a:off x="3947682" y="3307014"/>
+          <a:off x="5263164" y="3542705"/>
           <a:ext cx="1096235" cy="334351"/>
         </a:xfrm>
         <a:prstGeom prst="rect">
@@ -8873,126 +10354,17 @@
           </a:pPr>
           <a:r>
             <a:rPr lang="en-US" sz="1300" kern="1200" dirty="0" smtClean="0"/>
-            <a:t>Translation</a:t>
+            <a:t>…</a:t>
           </a:r>
           <a:endParaRPr lang="en-US" sz="1300" kern="1200" dirty="0"/>
         </a:p>
       </dsp:txBody>
       <dsp:txXfrm>
-        <a:off x="3947682" y="3307014"/>
+        <a:off x="5263164" y="3542705"/>
         <a:ext cx="1096235" cy="334351"/>
       </dsp:txXfrm>
     </dsp:sp>
-    <dsp:sp modelId="{F2F1A06E-934A-47D9-A3BA-4A905A5205A5}">
-      <dsp:nvSpPr>
-        <dsp:cNvPr id="0" name=""/>
-        <dsp:cNvSpPr/>
-      </dsp:nvSpPr>
-      <dsp:spPr>
-        <a:xfrm>
-          <a:off x="2632199" y="4485467"/>
-          <a:ext cx="1096235" cy="334351"/>
-        </a:xfrm>
-        <a:prstGeom prst="rect">
-          <a:avLst/>
-        </a:prstGeom>
-        <a:gradFill rotWithShape="0">
-          <a:gsLst>
-            <a:gs pos="0">
-              <a:schemeClr val="lt1">
-                <a:hueOff val="0"/>
-                <a:satOff val="0"/>
-                <a:lumOff val="0"/>
-                <a:alphaOff val="0"/>
-                <a:tint val="50000"/>
-                <a:satMod val="300000"/>
-              </a:schemeClr>
-            </a:gs>
-            <a:gs pos="35000">
-              <a:schemeClr val="lt1">
-                <a:hueOff val="0"/>
-                <a:satOff val="0"/>
-                <a:lumOff val="0"/>
-                <a:alphaOff val="0"/>
-                <a:tint val="37000"/>
-                <a:satMod val="300000"/>
-              </a:schemeClr>
-            </a:gs>
-            <a:gs pos="100000">
-              <a:schemeClr val="lt1">
-                <a:hueOff val="0"/>
-                <a:satOff val="0"/>
-                <a:lumOff val="0"/>
-                <a:alphaOff val="0"/>
-                <a:tint val="15000"/>
-                <a:satMod val="350000"/>
-              </a:schemeClr>
-            </a:gs>
-          </a:gsLst>
-          <a:lin ang="16200000" scaled="1"/>
-        </a:gradFill>
-        <a:ln>
-          <a:noFill/>
-        </a:ln>
-        <a:effectLst>
-          <a:outerShdw blurRad="40000" dist="20000" dir="5400000" rotWithShape="0">
-            <a:srgbClr val="000000">
-              <a:alpha val="38000"/>
-            </a:srgbClr>
-          </a:outerShdw>
-        </a:effectLst>
-        <a:scene3d>
-          <a:camera prst="orthographicFront"/>
-          <a:lightRig rig="flat" dir="t"/>
-        </a:scene3d>
-        <a:sp3d prstMaterial="dkEdge">
-          <a:bevelT w="8200" h="38100"/>
-        </a:sp3d>
-      </dsp:spPr>
-      <dsp:style>
-        <a:lnRef idx="0">
-          <a:scrgbClr r="0" g="0" b="0"/>
-        </a:lnRef>
-        <a:fillRef idx="2">
-          <a:scrgbClr r="0" g="0" b="0"/>
-        </a:fillRef>
-        <a:effectRef idx="1">
-          <a:scrgbClr r="0" g="0" b="0"/>
-        </a:effectRef>
-        <a:fontRef idx="minor">
-          <a:schemeClr val="dk1"/>
-        </a:fontRef>
-      </dsp:style>
-      <dsp:txBody>
-        <a:bodyPr spcFirstLastPara="0" vert="horz" wrap="square" lIns="8255" tIns="8255" rIns="8255" bIns="8255" numCol="1" spcCol="1270" anchor="ctr" anchorCtr="0">
-          <a:noAutofit/>
-        </a:bodyPr>
-        <a:lstStyle/>
-        <a:p>
-          <a:pPr lvl="0" algn="ctr" defTabSz="577850">
-            <a:lnSpc>
-              <a:spcPct val="90000"/>
-            </a:lnSpc>
-            <a:spcBef>
-              <a:spcPct val="0"/>
-            </a:spcBef>
-            <a:spcAft>
-              <a:spcPct val="35000"/>
-            </a:spcAft>
-          </a:pPr>
-          <a:r>
-            <a:rPr lang="en-US" sz="1300" kern="1200" dirty="0" smtClean="0"/>
-            <a:t>Words</a:t>
-          </a:r>
-          <a:endParaRPr lang="en-US" sz="1300" kern="1200" dirty="0"/>
-        </a:p>
-      </dsp:txBody>
-      <dsp:txXfrm>
-        <a:off x="2632199" y="4485467"/>
-        <a:ext cx="1096235" cy="334351"/>
-      </dsp:txXfrm>
-    </dsp:sp>
-    <dsp:sp modelId="{1F8F4A31-A7E3-4C7A-A275-4FE8BDCC199B}">
+    <dsp:sp modelId="{354F4FF5-9E03-471F-80A8-4D58800B70D6}">
       <dsp:nvSpPr>
         <dsp:cNvPr id="0" name=""/>
         <dsp:cNvSpPr/>
@@ -9091,7 +10463,7 @@
           </a:pPr>
           <a:r>
             <a:rPr lang="en-US" sz="1300" kern="1200" dirty="0" smtClean="0"/>
-            <a:t>Name</a:t>
+            <a:t>Translation</a:t>
           </a:r>
           <a:endParaRPr lang="en-US" sz="1300" kern="1200" dirty="0"/>
         </a:p>
@@ -9101,7 +10473,116 @@
         <a:ext cx="1096235" cy="334351"/>
       </dsp:txXfrm>
     </dsp:sp>
-    <dsp:sp modelId="{9CAAB6B5-711C-4F1D-8D2E-045ED2F6358D}">
+    <dsp:sp modelId="{F2F1A06E-934A-47D9-A3BA-4A905A5205A5}">
+      <dsp:nvSpPr>
+        <dsp:cNvPr id="0" name=""/>
+        <dsp:cNvSpPr/>
+      </dsp:nvSpPr>
+      <dsp:spPr>
+        <a:xfrm>
+          <a:off x="2632199" y="4956849"/>
+          <a:ext cx="1096235" cy="334351"/>
+        </a:xfrm>
+        <a:prstGeom prst="rect">
+          <a:avLst/>
+        </a:prstGeom>
+        <a:gradFill rotWithShape="0">
+          <a:gsLst>
+            <a:gs pos="0">
+              <a:schemeClr val="lt1">
+                <a:hueOff val="0"/>
+                <a:satOff val="0"/>
+                <a:lumOff val="0"/>
+                <a:alphaOff val="0"/>
+                <a:tint val="50000"/>
+                <a:satMod val="300000"/>
+              </a:schemeClr>
+            </a:gs>
+            <a:gs pos="35000">
+              <a:schemeClr val="lt1">
+                <a:hueOff val="0"/>
+                <a:satOff val="0"/>
+                <a:lumOff val="0"/>
+                <a:alphaOff val="0"/>
+                <a:tint val="37000"/>
+                <a:satMod val="300000"/>
+              </a:schemeClr>
+            </a:gs>
+            <a:gs pos="100000">
+              <a:schemeClr val="lt1">
+                <a:hueOff val="0"/>
+                <a:satOff val="0"/>
+                <a:lumOff val="0"/>
+                <a:alphaOff val="0"/>
+                <a:tint val="15000"/>
+                <a:satMod val="350000"/>
+              </a:schemeClr>
+            </a:gs>
+          </a:gsLst>
+          <a:lin ang="16200000" scaled="1"/>
+        </a:gradFill>
+        <a:ln>
+          <a:noFill/>
+        </a:ln>
+        <a:effectLst>
+          <a:outerShdw blurRad="40000" dist="20000" dir="5400000" rotWithShape="0">
+            <a:srgbClr val="000000">
+              <a:alpha val="38000"/>
+            </a:srgbClr>
+          </a:outerShdw>
+        </a:effectLst>
+        <a:scene3d>
+          <a:camera prst="orthographicFront"/>
+          <a:lightRig rig="flat" dir="t"/>
+        </a:scene3d>
+        <a:sp3d prstMaterial="dkEdge">
+          <a:bevelT w="8200" h="38100"/>
+        </a:sp3d>
+      </dsp:spPr>
+      <dsp:style>
+        <a:lnRef idx="0">
+          <a:scrgbClr r="0" g="0" b="0"/>
+        </a:lnRef>
+        <a:fillRef idx="2">
+          <a:scrgbClr r="0" g="0" b="0"/>
+        </a:fillRef>
+        <a:effectRef idx="1">
+          <a:scrgbClr r="0" g="0" b="0"/>
+        </a:effectRef>
+        <a:fontRef idx="minor">
+          <a:schemeClr val="dk1"/>
+        </a:fontRef>
+      </dsp:style>
+      <dsp:txBody>
+        <a:bodyPr spcFirstLastPara="0" vert="horz" wrap="square" lIns="8255" tIns="8255" rIns="8255" bIns="8255" numCol="1" spcCol="1270" anchor="ctr" anchorCtr="0">
+          <a:noAutofit/>
+        </a:bodyPr>
+        <a:lstStyle/>
+        <a:p>
+          <a:pPr lvl="0" algn="ctr" defTabSz="577850">
+            <a:lnSpc>
+              <a:spcPct val="90000"/>
+            </a:lnSpc>
+            <a:spcBef>
+              <a:spcPct val="0"/>
+            </a:spcBef>
+            <a:spcAft>
+              <a:spcPct val="35000"/>
+            </a:spcAft>
+          </a:pPr>
+          <a:r>
+            <a:rPr lang="en-US" sz="1300" kern="1200" dirty="0" smtClean="0"/>
+            <a:t>Words</a:t>
+          </a:r>
+          <a:endParaRPr lang="en-US" sz="1300" kern="1200" dirty="0"/>
+        </a:p>
+      </dsp:txBody>
+      <dsp:txXfrm>
+        <a:off x="2632199" y="4956849"/>
+        <a:ext cx="1096235" cy="334351"/>
+      </dsp:txXfrm>
+    </dsp:sp>
+    <dsp:sp modelId="{1F8F4A31-A7E3-4C7A-A275-4FE8BDCC199B}">
       <dsp:nvSpPr>
         <dsp:cNvPr id="0" name=""/>
         <dsp:cNvSpPr/>
@@ -9200,7 +10681,7 @@
           </a:pPr>
           <a:r>
             <a:rPr lang="en-US" sz="1300" kern="1200" dirty="0" smtClean="0"/>
-            <a:t>Class</a:t>
+            <a:t>Name</a:t>
           </a:r>
           <a:endParaRPr lang="en-US" sz="1300" kern="1200" dirty="0"/>
         </a:p>
@@ -9210,14 +10691,14 @@
         <a:ext cx="1096235" cy="334351"/>
       </dsp:txXfrm>
     </dsp:sp>
-    <dsp:sp modelId="{BBBDB6D9-02F0-4C80-8B79-00DDF0F60F33}">
+    <dsp:sp modelId="{9CAAB6B5-711C-4F1D-8D2E-045ED2F6358D}">
       <dsp:nvSpPr>
         <dsp:cNvPr id="0" name=""/>
         <dsp:cNvSpPr/>
       </dsp:nvSpPr>
       <dsp:spPr>
         <a:xfrm>
-          <a:off x="5263164" y="4014086"/>
+          <a:off x="3947682" y="4721158"/>
           <a:ext cx="1096235" cy="334351"/>
         </a:xfrm>
         <a:prstGeom prst="rect">
@@ -9309,17 +10790,17 @@
           </a:pPr>
           <a:r>
             <a:rPr lang="en-US" sz="1300" kern="1200" dirty="0" smtClean="0"/>
-            <a:t>Noun</a:t>
+            <a:t>Class</a:t>
           </a:r>
           <a:endParaRPr lang="en-US" sz="1300" kern="1200" dirty="0"/>
         </a:p>
       </dsp:txBody>
       <dsp:txXfrm>
-        <a:off x="5263164" y="4014086"/>
+        <a:off x="3947682" y="4721158"/>
         <a:ext cx="1096235" cy="334351"/>
       </dsp:txXfrm>
     </dsp:sp>
-    <dsp:sp modelId="{4725B574-D856-488F-9008-039D86BA8A6C}">
+    <dsp:sp modelId="{BBBDB6D9-02F0-4C80-8B79-00DDF0F60F33}">
       <dsp:nvSpPr>
         <dsp:cNvPr id="0" name=""/>
         <dsp:cNvSpPr/>
@@ -9418,7 +10899,7 @@
           </a:pPr>
           <a:r>
             <a:rPr lang="en-US" sz="1300" kern="1200" dirty="0" smtClean="0"/>
-            <a:t>Verb</a:t>
+            <a:t>Noun</a:t>
           </a:r>
           <a:endParaRPr lang="en-US" sz="1300" kern="1200" dirty="0"/>
         </a:p>
@@ -9428,14 +10909,14 @@
         <a:ext cx="1096235" cy="334351"/>
       </dsp:txXfrm>
     </dsp:sp>
-    <dsp:sp modelId="{1FAAE092-431C-4260-B111-457DBC6D5796}">
+    <dsp:sp modelId="{4725B574-D856-488F-9008-039D86BA8A6C}">
       <dsp:nvSpPr>
         <dsp:cNvPr id="0" name=""/>
         <dsp:cNvSpPr/>
       </dsp:nvSpPr>
       <dsp:spPr>
         <a:xfrm>
-          <a:off x="6578647" y="3778395"/>
+          <a:off x="5263164" y="4956849"/>
           <a:ext cx="1096235" cy="334351"/>
         </a:xfrm>
         <a:prstGeom prst="rect">
@@ -9527,24 +11008,24 @@
           </a:pPr>
           <a:r>
             <a:rPr lang="en-US" sz="1300" kern="1200" dirty="0" smtClean="0"/>
-            <a:t>Class</a:t>
+            <a:t>Verb</a:t>
           </a:r>
           <a:endParaRPr lang="en-US" sz="1300" kern="1200" dirty="0"/>
         </a:p>
       </dsp:txBody>
       <dsp:txXfrm>
-        <a:off x="6578647" y="3778395"/>
+        <a:off x="5263164" y="4956849"/>
         <a:ext cx="1096235" cy="334351"/>
       </dsp:txXfrm>
     </dsp:sp>
-    <dsp:sp modelId="{550998FB-C381-4CA4-ABCD-175189088578}">
+    <dsp:sp modelId="{1FAAE092-431C-4260-B111-457DBC6D5796}">
       <dsp:nvSpPr>
         <dsp:cNvPr id="0" name=""/>
         <dsp:cNvSpPr/>
       </dsp:nvSpPr>
       <dsp:spPr>
         <a:xfrm>
-          <a:off x="7894129" y="3307014"/>
+          <a:off x="6578647" y="4249777"/>
           <a:ext cx="1096235" cy="334351"/>
         </a:xfrm>
         <a:prstGeom prst="rect">
@@ -9636,17 +11117,17 @@
           </a:pPr>
           <a:r>
             <a:rPr lang="en-US" sz="1300" kern="1200" dirty="0" smtClean="0"/>
-            <a:t>Transitive</a:t>
+            <a:t>Class</a:t>
           </a:r>
           <a:endParaRPr lang="en-US" sz="1300" kern="1200" dirty="0"/>
         </a:p>
       </dsp:txBody>
       <dsp:txXfrm>
-        <a:off x="7894129" y="3307014"/>
+        <a:off x="6578647" y="4249777"/>
         <a:ext cx="1096235" cy="334351"/>
       </dsp:txXfrm>
     </dsp:sp>
-    <dsp:sp modelId="{C9D741BB-59CE-49C8-976B-E77AFA7FB480}">
+    <dsp:sp modelId="{550998FB-C381-4CA4-ABCD-175189088578}">
       <dsp:nvSpPr>
         <dsp:cNvPr id="0" name=""/>
         <dsp:cNvSpPr/>
@@ -9745,7 +11226,7 @@
           </a:pPr>
           <a:r>
             <a:rPr lang="en-US" sz="1300" kern="1200" dirty="0" smtClean="0"/>
-            <a:t>Intransitive</a:t>
+            <a:t>Transitive</a:t>
           </a:r>
           <a:endParaRPr lang="en-US" sz="1300" kern="1200" dirty="0"/>
         </a:p>
@@ -9755,7 +11236,7 @@
         <a:ext cx="1096235" cy="334351"/>
       </dsp:txXfrm>
     </dsp:sp>
-    <dsp:sp modelId="{A00D14BA-D2A5-4C30-AC29-CDFF1DC9AE80}">
+    <dsp:sp modelId="{C9D741BB-59CE-49C8-976B-E77AFA7FB480}">
       <dsp:nvSpPr>
         <dsp:cNvPr id="0" name=""/>
         <dsp:cNvSpPr/>
@@ -9854,7 +11335,7 @@
           </a:pPr>
           <a:r>
             <a:rPr lang="en-US" sz="1300" kern="1200" dirty="0" smtClean="0"/>
-            <a:t>Copula</a:t>
+            <a:t>Intransitive</a:t>
           </a:r>
           <a:endParaRPr lang="en-US" sz="1300" kern="1200" dirty="0"/>
         </a:p>
@@ -9864,116 +11345,7 @@
         <a:ext cx="1096235" cy="334351"/>
       </dsp:txXfrm>
     </dsp:sp>
-    <dsp:sp modelId="{8103AEBB-C07A-4163-A2C1-E43FC07B1DEA}">
-      <dsp:nvSpPr>
-        <dsp:cNvPr id="0" name=""/>
-        <dsp:cNvSpPr/>
-      </dsp:nvSpPr>
-      <dsp:spPr>
-        <a:xfrm>
-          <a:off x="6578647" y="5192539"/>
-          <a:ext cx="1096235" cy="334351"/>
-        </a:xfrm>
-        <a:prstGeom prst="rect">
-          <a:avLst/>
-        </a:prstGeom>
-        <a:gradFill rotWithShape="0">
-          <a:gsLst>
-            <a:gs pos="0">
-              <a:schemeClr val="lt1">
-                <a:hueOff val="0"/>
-                <a:satOff val="0"/>
-                <a:lumOff val="0"/>
-                <a:alphaOff val="0"/>
-                <a:tint val="50000"/>
-                <a:satMod val="300000"/>
-              </a:schemeClr>
-            </a:gs>
-            <a:gs pos="35000">
-              <a:schemeClr val="lt1">
-                <a:hueOff val="0"/>
-                <a:satOff val="0"/>
-                <a:lumOff val="0"/>
-                <a:alphaOff val="0"/>
-                <a:tint val="37000"/>
-                <a:satMod val="300000"/>
-              </a:schemeClr>
-            </a:gs>
-            <a:gs pos="100000">
-              <a:schemeClr val="lt1">
-                <a:hueOff val="0"/>
-                <a:satOff val="0"/>
-                <a:lumOff val="0"/>
-                <a:alphaOff val="0"/>
-                <a:tint val="15000"/>
-                <a:satMod val="350000"/>
-              </a:schemeClr>
-            </a:gs>
-          </a:gsLst>
-          <a:lin ang="16200000" scaled="1"/>
-        </a:gradFill>
-        <a:ln>
-          <a:noFill/>
-        </a:ln>
-        <a:effectLst>
-          <a:outerShdw blurRad="40000" dist="20000" dir="5400000" rotWithShape="0">
-            <a:srgbClr val="000000">
-              <a:alpha val="38000"/>
-            </a:srgbClr>
-          </a:outerShdw>
-        </a:effectLst>
-        <a:scene3d>
-          <a:camera prst="orthographicFront"/>
-          <a:lightRig rig="flat" dir="t"/>
-        </a:scene3d>
-        <a:sp3d prstMaterial="dkEdge">
-          <a:bevelT w="8200" h="38100"/>
-        </a:sp3d>
-      </dsp:spPr>
-      <dsp:style>
-        <a:lnRef idx="0">
-          <a:scrgbClr r="0" g="0" b="0"/>
-        </a:lnRef>
-        <a:fillRef idx="2">
-          <a:scrgbClr r="0" g="0" b="0"/>
-        </a:fillRef>
-        <a:effectRef idx="1">
-          <a:scrgbClr r="0" g="0" b="0"/>
-        </a:effectRef>
-        <a:fontRef idx="minor">
-          <a:schemeClr val="dk1"/>
-        </a:fontRef>
-      </dsp:style>
-      <dsp:txBody>
-        <a:bodyPr spcFirstLastPara="0" vert="horz" wrap="square" lIns="8255" tIns="8255" rIns="8255" bIns="8255" numCol="1" spcCol="1270" anchor="ctr" anchorCtr="0">
-          <a:noAutofit/>
-        </a:bodyPr>
-        <a:lstStyle/>
-        <a:p>
-          <a:pPr lvl="0" algn="ctr" defTabSz="577850">
-            <a:lnSpc>
-              <a:spcPct val="90000"/>
-            </a:lnSpc>
-            <a:spcBef>
-              <a:spcPct val="0"/>
-            </a:spcBef>
-            <a:spcAft>
-              <a:spcPct val="35000"/>
-            </a:spcAft>
-          </a:pPr>
-          <a:r>
-            <a:rPr lang="en-US" sz="1300" kern="1200" dirty="0" smtClean="0"/>
-            <a:t>Type</a:t>
-          </a:r>
-          <a:endParaRPr lang="en-US" sz="1300" kern="1200" dirty="0"/>
-        </a:p>
-      </dsp:txBody>
-      <dsp:txXfrm>
-        <a:off x="6578647" y="5192539"/>
-        <a:ext cx="1096235" cy="334351"/>
-      </dsp:txXfrm>
-    </dsp:sp>
-    <dsp:sp modelId="{0361A75A-C6D9-4702-83E6-2F2D57F3C8AD}">
+    <dsp:sp modelId="{A00D14BA-D2A5-4C30-AC29-CDFF1DC9AE80}">
       <dsp:nvSpPr>
         <dsp:cNvPr id="0" name=""/>
         <dsp:cNvSpPr/>
@@ -10071,8 +11443,8 @@
             </a:spcAft>
           </a:pPr>
           <a:r>
-            <a:rPr lang="en-US" sz="1300" kern="1200" dirty="0" err="1" smtClean="0"/>
-            <a:t>Ru</a:t>
+            <a:rPr lang="en-US" sz="1300" kern="1200" dirty="0" smtClean="0"/>
+            <a:t>Copula</a:t>
           </a:r>
           <a:endParaRPr lang="en-US" sz="1300" kern="1200" dirty="0"/>
         </a:p>
@@ -10082,7 +11454,116 @@
         <a:ext cx="1096235" cy="334351"/>
       </dsp:txXfrm>
     </dsp:sp>
-    <dsp:sp modelId="{CC495A31-DC71-4FE0-8C9F-7C819112AA9B}">
+    <dsp:sp modelId="{8103AEBB-C07A-4163-A2C1-E43FC07B1DEA}">
+      <dsp:nvSpPr>
+        <dsp:cNvPr id="0" name=""/>
+        <dsp:cNvSpPr/>
+      </dsp:nvSpPr>
+      <dsp:spPr>
+        <a:xfrm>
+          <a:off x="6578647" y="5663920"/>
+          <a:ext cx="1096235" cy="334351"/>
+        </a:xfrm>
+        <a:prstGeom prst="rect">
+          <a:avLst/>
+        </a:prstGeom>
+        <a:gradFill rotWithShape="0">
+          <a:gsLst>
+            <a:gs pos="0">
+              <a:schemeClr val="lt1">
+                <a:hueOff val="0"/>
+                <a:satOff val="0"/>
+                <a:lumOff val="0"/>
+                <a:alphaOff val="0"/>
+                <a:tint val="50000"/>
+                <a:satMod val="300000"/>
+              </a:schemeClr>
+            </a:gs>
+            <a:gs pos="35000">
+              <a:schemeClr val="lt1">
+                <a:hueOff val="0"/>
+                <a:satOff val="0"/>
+                <a:lumOff val="0"/>
+                <a:alphaOff val="0"/>
+                <a:tint val="37000"/>
+                <a:satMod val="300000"/>
+              </a:schemeClr>
+            </a:gs>
+            <a:gs pos="100000">
+              <a:schemeClr val="lt1">
+                <a:hueOff val="0"/>
+                <a:satOff val="0"/>
+                <a:lumOff val="0"/>
+                <a:alphaOff val="0"/>
+                <a:tint val="15000"/>
+                <a:satMod val="350000"/>
+              </a:schemeClr>
+            </a:gs>
+          </a:gsLst>
+          <a:lin ang="16200000" scaled="1"/>
+        </a:gradFill>
+        <a:ln>
+          <a:noFill/>
+        </a:ln>
+        <a:effectLst>
+          <a:outerShdw blurRad="40000" dist="20000" dir="5400000" rotWithShape="0">
+            <a:srgbClr val="000000">
+              <a:alpha val="38000"/>
+            </a:srgbClr>
+          </a:outerShdw>
+        </a:effectLst>
+        <a:scene3d>
+          <a:camera prst="orthographicFront"/>
+          <a:lightRig rig="flat" dir="t"/>
+        </a:scene3d>
+        <a:sp3d prstMaterial="dkEdge">
+          <a:bevelT w="8200" h="38100"/>
+        </a:sp3d>
+      </dsp:spPr>
+      <dsp:style>
+        <a:lnRef idx="0">
+          <a:scrgbClr r="0" g="0" b="0"/>
+        </a:lnRef>
+        <a:fillRef idx="2">
+          <a:scrgbClr r="0" g="0" b="0"/>
+        </a:fillRef>
+        <a:effectRef idx="1">
+          <a:scrgbClr r="0" g="0" b="0"/>
+        </a:effectRef>
+        <a:fontRef idx="minor">
+          <a:schemeClr val="dk1"/>
+        </a:fontRef>
+      </dsp:style>
+      <dsp:txBody>
+        <a:bodyPr spcFirstLastPara="0" vert="horz" wrap="square" lIns="8255" tIns="8255" rIns="8255" bIns="8255" numCol="1" spcCol="1270" anchor="ctr" anchorCtr="0">
+          <a:noAutofit/>
+        </a:bodyPr>
+        <a:lstStyle/>
+        <a:p>
+          <a:pPr lvl="0" algn="ctr" defTabSz="577850">
+            <a:lnSpc>
+              <a:spcPct val="90000"/>
+            </a:lnSpc>
+            <a:spcBef>
+              <a:spcPct val="0"/>
+            </a:spcBef>
+            <a:spcAft>
+              <a:spcPct val="35000"/>
+            </a:spcAft>
+          </a:pPr>
+          <a:r>
+            <a:rPr lang="en-US" sz="1300" kern="1200" dirty="0" smtClean="0"/>
+            <a:t>Type</a:t>
+          </a:r>
+          <a:endParaRPr lang="en-US" sz="1300" kern="1200" dirty="0"/>
+        </a:p>
+      </dsp:txBody>
+      <dsp:txXfrm>
+        <a:off x="6578647" y="5663920"/>
+        <a:ext cx="1096235" cy="334351"/>
+      </dsp:txXfrm>
+    </dsp:sp>
+    <dsp:sp modelId="{0361A75A-C6D9-4702-83E6-2F2D57F3C8AD}">
       <dsp:nvSpPr>
         <dsp:cNvPr id="0" name=""/>
         <dsp:cNvSpPr/>
@@ -10180,8 +11661,8 @@
             </a:spcAft>
           </a:pPr>
           <a:r>
-            <a:rPr lang="en-US" sz="1300" kern="1200" dirty="0" smtClean="0"/>
-            <a:t>U</a:t>
+            <a:rPr lang="en-US" sz="1300" kern="1200" dirty="0" err="1" smtClean="0"/>
+            <a:t>Ru</a:t>
           </a:r>
           <a:endParaRPr lang="en-US" sz="1300" kern="1200" dirty="0"/>
         </a:p>
@@ -10191,7 +11672,7 @@
         <a:ext cx="1096235" cy="334351"/>
       </dsp:txXfrm>
     </dsp:sp>
-    <dsp:sp modelId="{29CDDB1C-E7E9-4286-A8DE-4050011395CC}">
+    <dsp:sp modelId="{CC495A31-DC71-4FE0-8C9F-7C819112AA9B}">
       <dsp:nvSpPr>
         <dsp:cNvPr id="0" name=""/>
         <dsp:cNvSpPr/>
@@ -10290,7 +11771,7 @@
           </a:pPr>
           <a:r>
             <a:rPr lang="en-US" sz="1300" kern="1200" dirty="0" smtClean="0"/>
-            <a:t>Irregular</a:t>
+            <a:t>U</a:t>
           </a:r>
           <a:endParaRPr lang="en-US" sz="1300" kern="1200" dirty="0"/>
         </a:p>
@@ -10300,14 +11781,14 @@
         <a:ext cx="1096235" cy="334351"/>
       </dsp:txXfrm>
     </dsp:sp>
-    <dsp:sp modelId="{E9865A3A-0094-45BB-A131-B43C4C440157}">
+    <dsp:sp modelId="{29CDDB1C-E7E9-4286-A8DE-4050011395CC}">
       <dsp:nvSpPr>
         <dsp:cNvPr id="0" name=""/>
         <dsp:cNvSpPr/>
       </dsp:nvSpPr>
       <dsp:spPr>
         <a:xfrm>
-          <a:off x="3947682" y="4721158"/>
+          <a:off x="7894129" y="6135302"/>
           <a:ext cx="1096235" cy="334351"/>
         </a:xfrm>
         <a:prstGeom prst="rect">
@@ -10399,17 +11880,17 @@
           </a:pPr>
           <a:r>
             <a:rPr lang="en-US" sz="1300" kern="1200" dirty="0" smtClean="0"/>
-            <a:t>Translation</a:t>
+            <a:t>Irregular</a:t>
           </a:r>
           <a:endParaRPr lang="en-US" sz="1300" kern="1200" dirty="0"/>
         </a:p>
       </dsp:txBody>
       <dsp:txXfrm>
-        <a:off x="3947682" y="4721158"/>
+        <a:off x="7894129" y="6135302"/>
         <a:ext cx="1096235" cy="334351"/>
       </dsp:txXfrm>
     </dsp:sp>
-    <dsp:sp modelId="{722EE2AB-E8D7-4F6E-B1F9-F03687DC37CB}">
+    <dsp:sp modelId="{E9865A3A-0094-45BB-A131-B43C4C440157}">
       <dsp:nvSpPr>
         <dsp:cNvPr id="0" name=""/>
         <dsp:cNvSpPr/>
@@ -10508,13 +11989,122 @@
           </a:pPr>
           <a:r>
             <a:rPr lang="en-US" sz="1300" kern="1200" dirty="0" smtClean="0"/>
+            <a:t>Translation</a:t>
+          </a:r>
+          <a:endParaRPr lang="en-US" sz="1300" kern="1200" dirty="0"/>
+        </a:p>
+      </dsp:txBody>
+      <dsp:txXfrm>
+        <a:off x="3947682" y="5192539"/>
+        <a:ext cx="1096235" cy="334351"/>
+      </dsp:txXfrm>
+    </dsp:sp>
+    <dsp:sp modelId="{722EE2AB-E8D7-4F6E-B1F9-F03687DC37CB}">
+      <dsp:nvSpPr>
+        <dsp:cNvPr id="0" name=""/>
+        <dsp:cNvSpPr/>
+      </dsp:nvSpPr>
+      <dsp:spPr>
+        <a:xfrm>
+          <a:off x="3947682" y="5663920"/>
+          <a:ext cx="1096235" cy="334351"/>
+        </a:xfrm>
+        <a:prstGeom prst="rect">
+          <a:avLst/>
+        </a:prstGeom>
+        <a:gradFill rotWithShape="0">
+          <a:gsLst>
+            <a:gs pos="0">
+              <a:schemeClr val="lt1">
+                <a:hueOff val="0"/>
+                <a:satOff val="0"/>
+                <a:lumOff val="0"/>
+                <a:alphaOff val="0"/>
+                <a:tint val="50000"/>
+                <a:satMod val="300000"/>
+              </a:schemeClr>
+            </a:gs>
+            <a:gs pos="35000">
+              <a:schemeClr val="lt1">
+                <a:hueOff val="0"/>
+                <a:satOff val="0"/>
+                <a:lumOff val="0"/>
+                <a:alphaOff val="0"/>
+                <a:tint val="37000"/>
+                <a:satMod val="300000"/>
+              </a:schemeClr>
+            </a:gs>
+            <a:gs pos="100000">
+              <a:schemeClr val="lt1">
+                <a:hueOff val="0"/>
+                <a:satOff val="0"/>
+                <a:lumOff val="0"/>
+                <a:alphaOff val="0"/>
+                <a:tint val="15000"/>
+                <a:satMod val="350000"/>
+              </a:schemeClr>
+            </a:gs>
+          </a:gsLst>
+          <a:lin ang="16200000" scaled="1"/>
+        </a:gradFill>
+        <a:ln>
+          <a:noFill/>
+        </a:ln>
+        <a:effectLst>
+          <a:outerShdw blurRad="40000" dist="20000" dir="5400000" rotWithShape="0">
+            <a:srgbClr val="000000">
+              <a:alpha val="38000"/>
+            </a:srgbClr>
+          </a:outerShdw>
+        </a:effectLst>
+        <a:scene3d>
+          <a:camera prst="orthographicFront"/>
+          <a:lightRig rig="flat" dir="t"/>
+        </a:scene3d>
+        <a:sp3d prstMaterial="dkEdge">
+          <a:bevelT w="8200" h="38100"/>
+        </a:sp3d>
+      </dsp:spPr>
+      <dsp:style>
+        <a:lnRef idx="0">
+          <a:scrgbClr r="0" g="0" b="0"/>
+        </a:lnRef>
+        <a:fillRef idx="2">
+          <a:scrgbClr r="0" g="0" b="0"/>
+        </a:fillRef>
+        <a:effectRef idx="1">
+          <a:scrgbClr r="0" g="0" b="0"/>
+        </a:effectRef>
+        <a:fontRef idx="minor">
+          <a:schemeClr val="dk1"/>
+        </a:fontRef>
+      </dsp:style>
+      <dsp:txBody>
+        <a:bodyPr spcFirstLastPara="0" vert="horz" wrap="square" lIns="8255" tIns="8255" rIns="8255" bIns="8255" numCol="1" spcCol="1270" anchor="ctr" anchorCtr="0">
+          <a:noAutofit/>
+        </a:bodyPr>
+        <a:lstStyle/>
+        <a:p>
+          <a:pPr lvl="0" algn="ctr" defTabSz="577850">
+            <a:lnSpc>
+              <a:spcPct val="90000"/>
+            </a:lnSpc>
+            <a:spcBef>
+              <a:spcPct val="0"/>
+            </a:spcBef>
+            <a:spcAft>
+              <a:spcPct val="35000"/>
+            </a:spcAft>
+          </a:pPr>
+          <a:r>
+            <a:rPr lang="en-US" sz="1300" kern="1200" dirty="0" smtClean="0"/>
             <a:t>Category</a:t>
           </a:r>
           <a:endParaRPr lang="en-US" sz="1300" kern="1200" dirty="0"/>
         </a:p>
       </dsp:txBody>
       <dsp:txXfrm>
-        <a:off x="3947682" y="5192539"/>
+        <a:off x="3947682" y="5663920"/>
         <a:ext cx="1096235" cy="334351"/>
       </dsp:txXfrm>
     </dsp:sp>
@@ -15764,7 +17354,7 @@
             <p:ph idx="1"/>
             <p:extLst>
               <p:ext uri="{D42A27DB-BD31-4B8C-83A1-F6EECF244321}">
-                <p14:modId xmlns:p14="http://schemas.microsoft.com/office/powerpoint/2010/main" val="877787344"/>
+                <p14:modId xmlns:p14="http://schemas.microsoft.com/office/powerpoint/2010/main" val="2516477443"/>
               </p:ext>
             </p:extLst>
           </p:nvPr>
